--- a/documents/ATMOSPHERE_TMA_Framework_usage.pptx
+++ b/documents/ATMOSPHERE_TMA_Framework_usage.pptx
@@ -5,7 +5,7 @@
     <p:sldMasterId id="2147483664" r:id="rId1"/>
   </p:sldMasterIdLst>
   <p:notesMasterIdLst>
-    <p:notesMasterId r:id="rId36"/>
+    <p:notesMasterId r:id="rId37"/>
   </p:notesMasterIdLst>
   <p:sldIdLst>
     <p:sldId id="262" r:id="rId2"/>
@@ -34,14 +34,15 @@
     <p:sldId id="288" r:id="rId25"/>
     <p:sldId id="289" r:id="rId26"/>
     <p:sldId id="297" r:id="rId27"/>
-    <p:sldId id="290" r:id="rId28"/>
-    <p:sldId id="291" r:id="rId29"/>
-    <p:sldId id="292" r:id="rId30"/>
-    <p:sldId id="293" r:id="rId31"/>
-    <p:sldId id="294" r:id="rId32"/>
-    <p:sldId id="295" r:id="rId33"/>
-    <p:sldId id="296" r:id="rId34"/>
-    <p:sldId id="264" r:id="rId35"/>
+    <p:sldId id="298" r:id="rId28"/>
+    <p:sldId id="290" r:id="rId29"/>
+    <p:sldId id="291" r:id="rId30"/>
+    <p:sldId id="292" r:id="rId31"/>
+    <p:sldId id="293" r:id="rId32"/>
+    <p:sldId id="294" r:id="rId33"/>
+    <p:sldId id="295" r:id="rId34"/>
+    <p:sldId id="296" r:id="rId35"/>
+    <p:sldId id="264" r:id="rId36"/>
   </p:sldIdLst>
   <p:sldSz cx="9144000" cy="6858000" type="screen4x3"/>
   <p:notesSz cx="6858000" cy="9144000"/>
@@ -157,15 +158,6 @@
     </p:ext>
   </p:extLst>
 </p:presentation>
-</file>
-
-<file path=ppt/revisionInfo.xml><?xml version="1.0" encoding="utf-8"?>
-<p1510:revInfo xmlns:a="http://schemas.openxmlformats.org/drawingml/2006/main" xmlns:r="http://schemas.openxmlformats.org/officeDocument/2006/relationships" xmlns:p1510="http://schemas.microsoft.com/office/powerpoint/2015/10/main">
-  <p1510:revLst>
-    <p1510:client id="{566E6ACB-294A-440D-A928-836B46D2CF0B}" v="3" dt="2018-09-14T15:44:52.587"/>
-    <p1510:client id="{448F7E57-ADE2-46A5-962E-D2090AD28586}" v="4" dt="2018-09-12T16:09:55.527"/>
-  </p1510:revLst>
-</p1510:revInfo>
 </file>
 
 <file path=ppt/changesInfos/changesInfo1.xml><?xml version="1.0" encoding="utf-8"?>
@@ -744,7 +736,7 @@
           <a:p>
             <a:fld id="{AA148A20-7C99-4A4D-BF06-6E8ADEA4D03E}" type="slidenum">
               <a:rPr lang="it-IT" smtClean="0"/>
-              <a:t>‹#›</a:t>
+              <a:t>‹nº›</a:t>
             </a:fld>
             <a:endParaRPr lang="it-IT"/>
           </a:p>
@@ -1320,7 +1312,7 @@
             <a:fld id="{B6F15528-21DE-4FAA-801E-634DDDAF4B2B}" type="slidenum">
               <a:rPr lang="en-US" smtClean="0"/>
               <a:pPr/>
-              <a:t>‹#›</a:t>
+              <a:t>‹nº›</a:t>
             </a:fld>
             <a:endParaRPr lang="en-US"/>
           </a:p>
@@ -1528,7 +1520,7 @@
             <a:fld id="{B6F15528-21DE-4FAA-801E-634DDDAF4B2B}" type="slidenum">
               <a:rPr lang="en-US" smtClean="0"/>
               <a:pPr/>
-              <a:t>‹#›</a:t>
+              <a:t>‹nº›</a:t>
             </a:fld>
             <a:endParaRPr lang="en-US"/>
           </a:p>
@@ -2153,7 +2145,7 @@
             <a:fld id="{B6F15528-21DE-4FAA-801E-634DDDAF4B2B}" type="slidenum">
               <a:rPr lang="en-US" smtClean="0"/>
               <a:pPr/>
-              <a:t>‹#›</a:t>
+              <a:t>‹nº›</a:t>
             </a:fld>
             <a:endParaRPr lang="en-US"/>
           </a:p>
@@ -2901,7 +2893,7 @@
             <a:fld id="{B6F15528-21DE-4FAA-801E-634DDDAF4B2B}" type="slidenum">
               <a:rPr lang="en-US" smtClean="0"/>
               <a:pPr/>
-              <a:t>‹#›</a:t>
+              <a:t>‹nº›</a:t>
             </a:fld>
             <a:endParaRPr lang="en-US"/>
           </a:p>
@@ -3436,7 +3428,7 @@
             <a:fld id="{B6F15528-21DE-4FAA-801E-634DDDAF4B2B}" type="slidenum">
               <a:rPr lang="en-US" smtClean="0"/>
               <a:pPr/>
-              <a:t>‹#›</a:t>
+              <a:t>‹nº›</a:t>
             </a:fld>
             <a:endParaRPr lang="en-US"/>
           </a:p>
@@ -8324,18 +8316,18 @@
           <a:lstStyle/>
           <a:p>
             <a:r>
-              <a:rPr lang="pt-PT" err="1"/>
+              <a:rPr lang="pt-PT" dirty="0" err="1"/>
               <a:t>Probe</a:t>
             </a:r>
             <a:r>
-              <a:rPr lang="pt-PT"/>
+              <a:rPr lang="pt-PT" dirty="0"/>
               <a:t> </a:t>
             </a:r>
             <a:r>
-              <a:rPr lang="pt-PT" err="1"/>
+              <a:rPr lang="pt-PT" dirty="0" err="1"/>
               <a:t>Development</a:t>
             </a:r>
-            <a:endParaRPr lang="pt-PT"/>
+            <a:endParaRPr lang="pt-PT" dirty="0"/>
           </a:p>
         </p:txBody>
       </p:sp>
@@ -8363,27 +8355,27 @@
               <a:buNone/>
             </a:pPr>
             <a:r>
-              <a:rPr lang="pt-PT" sz="1600" b="1" err="1"/>
+              <a:rPr lang="pt-PT" sz="1600" b="1" dirty="0" err="1"/>
               <a:t>Example</a:t>
             </a:r>
             <a:r>
-              <a:rPr lang="pt-PT" sz="1600" b="1"/>
+              <a:rPr lang="pt-PT" sz="1600" b="1" dirty="0"/>
               <a:t>: </a:t>
             </a:r>
             <a:r>
-              <a:rPr lang="pt-PT" sz="1600" b="1" err="1"/>
+              <a:rPr lang="pt-PT" sz="1600" b="1" dirty="0" err="1"/>
               <a:t>Probe</a:t>
             </a:r>
             <a:r>
-              <a:rPr lang="pt-PT" sz="1600" b="1"/>
+              <a:rPr lang="pt-PT" sz="1600" b="1" dirty="0"/>
               <a:t> </a:t>
             </a:r>
             <a:r>
-              <a:rPr lang="pt-PT" sz="1600" b="1" err="1"/>
+              <a:rPr lang="pt-PT" sz="1600" b="1" dirty="0" err="1"/>
               <a:t>Python</a:t>
             </a:r>
             <a:r>
-              <a:rPr lang="pt-PT" sz="1600" b="1"/>
+              <a:rPr lang="pt-PT" sz="1600" b="1" dirty="0"/>
               <a:t> Demo</a:t>
             </a:r>
           </a:p>
@@ -8391,12 +8383,12 @@
             <a:pPr marL="0" indent="0">
               <a:buNone/>
             </a:pPr>
-            <a:endParaRPr lang="pt-PT" sz="1600" b="1"/>
+            <a:endParaRPr lang="pt-PT" sz="1600" b="1" dirty="0"/>
           </a:p>
           <a:p>
             <a:pPr fontAlgn="base"/>
             <a:r>
-              <a:rPr lang="en-US" sz="1600"/>
+              <a:rPr lang="en-US" sz="1600" dirty="0"/>
               <a:t>For testing purposes, execute an Apache Kafka consumer in Apache Kafka pod:</a:t>
             </a:r>
           </a:p>
@@ -8404,32 +8396,32 @@
             <a:pPr marL="0" indent="0" fontAlgn="base">
               <a:buNone/>
             </a:pPr>
-            <a:endParaRPr lang="en-US" sz="1600"/>
+            <a:endParaRPr lang="en-US" sz="1600" dirty="0"/>
           </a:p>
           <a:p>
             <a:pPr fontAlgn="base"/>
             <a:r>
-              <a:rPr lang="pt-PT" sz="1600" err="1"/>
+              <a:rPr lang="pt-PT" sz="1600" dirty="0" err="1"/>
               <a:t>The</a:t>
             </a:r>
             <a:r>
-              <a:rPr lang="pt-PT" sz="1600"/>
+              <a:rPr lang="pt-PT" sz="1600" dirty="0"/>
               <a:t> data </a:t>
             </a:r>
             <a:r>
-              <a:rPr lang="pt-PT" sz="1600" err="1"/>
+              <a:rPr lang="pt-PT" sz="1600" dirty="0" err="1"/>
               <a:t>is</a:t>
             </a:r>
             <a:r>
-              <a:rPr lang="pt-PT" sz="1600"/>
+              <a:rPr lang="pt-PT" sz="1600" dirty="0"/>
               <a:t> </a:t>
             </a:r>
             <a:r>
-              <a:rPr lang="pt-PT" sz="1600" err="1"/>
+              <a:rPr lang="pt-PT" sz="1600" dirty="0" err="1"/>
               <a:t>received</a:t>
             </a:r>
             <a:r>
-              <a:rPr lang="pt-PT" sz="1600"/>
+              <a:rPr lang="pt-PT" sz="1600" dirty="0"/>
               <a:t>:</a:t>
             </a:r>
           </a:p>
@@ -8437,59 +8429,59 @@
             <a:pPr marL="0" indent="0" fontAlgn="base">
               <a:buNone/>
             </a:pPr>
-            <a:endParaRPr lang="en-US" sz="1600"/>
+            <a:endParaRPr lang="en-US" sz="1600" dirty="0"/>
           </a:p>
           <a:p>
             <a:pPr marL="0" indent="0" fontAlgn="base">
               <a:buNone/>
             </a:pPr>
-            <a:endParaRPr lang="en-US" sz="1600"/>
+            <a:endParaRPr lang="en-US" sz="1600" dirty="0"/>
           </a:p>
           <a:p>
             <a:pPr fontAlgn="base"/>
-            <a:endParaRPr lang="en-US" sz="1600"/>
+            <a:endParaRPr lang="en-US" sz="1600" dirty="0"/>
           </a:p>
           <a:p>
             <a:pPr marL="0" indent="0" fontAlgn="base">
               <a:buNone/>
             </a:pPr>
-            <a:endParaRPr lang="en-US" sz="1600"/>
+            <a:endParaRPr lang="en-US" sz="1600" dirty="0"/>
           </a:p>
           <a:p>
             <a:pPr fontAlgn="base"/>
-            <a:endParaRPr lang="en-US" sz="1600"/>
+            <a:endParaRPr lang="en-US" sz="1600" dirty="0"/>
           </a:p>
           <a:p>
             <a:pPr fontAlgn="base"/>
-            <a:endParaRPr lang="en-US" sz="1600"/>
+            <a:endParaRPr lang="en-US" sz="1600" dirty="0"/>
           </a:p>
           <a:p>
             <a:pPr fontAlgn="base"/>
-            <a:endParaRPr lang="en-US" sz="1600"/>
+            <a:endParaRPr lang="en-US" sz="1600" dirty="0"/>
           </a:p>
           <a:p>
             <a:pPr fontAlgn="base"/>
-            <a:endParaRPr lang="en-US" sz="1600"/>
+            <a:endParaRPr lang="en-US" sz="1600" dirty="0"/>
           </a:p>
           <a:p>
             <a:pPr fontAlgn="base"/>
-            <a:endParaRPr lang="en-US" sz="1600"/>
+            <a:endParaRPr lang="en-US" sz="1600" dirty="0"/>
           </a:p>
           <a:p>
             <a:pPr fontAlgn="base"/>
-            <a:endParaRPr lang="en-US" sz="1600"/>
+            <a:endParaRPr lang="en-US" sz="1600" dirty="0"/>
           </a:p>
           <a:p>
             <a:pPr fontAlgn="base"/>
-            <a:endParaRPr lang="en-US" sz="1600"/>
+            <a:endParaRPr lang="en-US" sz="1600" dirty="0"/>
           </a:p>
           <a:p>
             <a:pPr fontAlgn="base"/>
-            <a:endParaRPr lang="en-US" sz="1600"/>
+            <a:endParaRPr lang="en-US" sz="1600" dirty="0"/>
           </a:p>
           <a:p>
             <a:pPr fontAlgn="base"/>
-            <a:endParaRPr lang="en-US" sz="1600"/>
+            <a:endParaRPr lang="en-US" sz="1600" dirty="0"/>
           </a:p>
         </p:txBody>
       </p:sp>
@@ -8626,7 +8618,261 @@
           <a:bodyPr/>
           <a:lstStyle/>
           <a:p>
-            <a:endParaRPr lang="en-US"/>
+            <a:pPr marL="0" indent="0">
+              <a:buNone/>
+            </a:pPr>
+            <a:r>
+              <a:rPr lang="pt-PT" sz="1400" b="1" dirty="0" err="1"/>
+              <a:t>Example</a:t>
+            </a:r>
+            <a:r>
+              <a:rPr lang="pt-PT" sz="1400" b="1" dirty="0"/>
+              <a:t>: </a:t>
+            </a:r>
+            <a:r>
+              <a:rPr lang="pt-PT" sz="1400" b="1" dirty="0" err="1"/>
+              <a:t>Probe</a:t>
+            </a:r>
+            <a:r>
+              <a:rPr lang="pt-PT" sz="1400" b="1" dirty="0"/>
+              <a:t> Java Demo</a:t>
+            </a:r>
+          </a:p>
+          <a:p>
+            <a:pPr marL="0" indent="0">
+              <a:buNone/>
+            </a:pPr>
+            <a:endParaRPr lang="pt-PT" sz="1400" b="1" dirty="0"/>
+          </a:p>
+          <a:p>
+            <a:pPr fontAlgn="base"/>
+            <a:r>
+              <a:rPr lang="pt-PT" sz="1400" dirty="0" err="1"/>
+              <a:t>The</a:t>
+            </a:r>
+            <a:r>
+              <a:rPr lang="pt-PT" sz="1400" dirty="0"/>
+              <a:t> </a:t>
+            </a:r>
+            <a:r>
+              <a:rPr lang="pt-PT" sz="1400" dirty="0" err="1"/>
+              <a:t>development</a:t>
+            </a:r>
+            <a:r>
+              <a:rPr lang="pt-PT" sz="1400" dirty="0"/>
+              <a:t> </a:t>
+            </a:r>
+            <a:r>
+              <a:rPr lang="pt-PT" sz="1400" dirty="0" err="1"/>
+              <a:t>of</a:t>
+            </a:r>
+            <a:r>
+              <a:rPr lang="pt-PT" sz="1400" dirty="0"/>
+              <a:t> Java </a:t>
+            </a:r>
+            <a:r>
+              <a:rPr lang="pt-PT" sz="1400" dirty="0" err="1"/>
+              <a:t>probes</a:t>
+            </a:r>
+            <a:r>
+              <a:rPr lang="pt-PT" sz="1400" dirty="0"/>
+              <a:t> can </a:t>
+            </a:r>
+            <a:r>
+              <a:rPr lang="pt-PT" sz="1400" dirty="0" err="1"/>
+              <a:t>be</a:t>
+            </a:r>
+            <a:r>
+              <a:rPr lang="pt-PT" sz="1400" dirty="0"/>
+              <a:t> </a:t>
+            </a:r>
+            <a:r>
+              <a:rPr lang="pt-PT" sz="1400" dirty="0" err="1"/>
+              <a:t>done</a:t>
+            </a:r>
+            <a:r>
+              <a:rPr lang="pt-PT" sz="1400" dirty="0"/>
+              <a:t> </a:t>
+            </a:r>
+            <a:r>
+              <a:rPr lang="pt-PT" sz="1400" dirty="0" err="1"/>
+              <a:t>by</a:t>
+            </a:r>
+            <a:r>
+              <a:rPr lang="pt-PT" sz="1400" dirty="0"/>
+              <a:t> </a:t>
+            </a:r>
+            <a:r>
+              <a:rPr lang="pt-PT" sz="1400" dirty="0" err="1"/>
+              <a:t>using</a:t>
+            </a:r>
+            <a:r>
+              <a:rPr lang="pt-PT" sz="1400" dirty="0"/>
+              <a:t> a </a:t>
+            </a:r>
+            <a:r>
+              <a:rPr lang="pt-PT" sz="1400" dirty="0" err="1"/>
+              <a:t>library</a:t>
+            </a:r>
+            <a:r>
+              <a:rPr lang="pt-PT" sz="1400" dirty="0"/>
+              <a:t> </a:t>
+            </a:r>
+            <a:r>
+              <a:rPr lang="pt-PT" sz="1400" dirty="0" err="1"/>
+              <a:t>which</a:t>
+            </a:r>
+            <a:r>
+              <a:rPr lang="pt-PT" sz="1400" dirty="0"/>
+              <a:t> </a:t>
+            </a:r>
+            <a:r>
+              <a:rPr lang="pt-PT" sz="1400" dirty="0" err="1"/>
+              <a:t>is</a:t>
+            </a:r>
+            <a:r>
+              <a:rPr lang="pt-PT" sz="1400" dirty="0"/>
+              <a:t> </a:t>
+            </a:r>
+            <a:r>
+              <a:rPr lang="pt-PT" sz="1400" dirty="0" err="1"/>
+              <a:t>available</a:t>
+            </a:r>
+            <a:r>
+              <a:rPr lang="pt-PT" sz="1400" dirty="0"/>
+              <a:t> </a:t>
+            </a:r>
+            <a:r>
+              <a:rPr lang="pt-PT" sz="1400" dirty="0" err="1"/>
+              <a:t>through</a:t>
+            </a:r>
+            <a:r>
+              <a:rPr lang="pt-PT" sz="1400" dirty="0"/>
+              <a:t> </a:t>
+            </a:r>
+            <a:r>
+              <a:rPr lang="pt-PT" sz="1400" dirty="0" err="1"/>
+              <a:t>Maven</a:t>
+            </a:r>
+            <a:r>
+              <a:rPr lang="pt-PT" sz="1400" dirty="0"/>
+              <a:t>:</a:t>
+            </a:r>
+          </a:p>
+          <a:p>
+            <a:pPr marL="0" indent="0" fontAlgn="base">
+              <a:buNone/>
+            </a:pPr>
+            <a:endParaRPr lang="pt-PT" sz="1400" dirty="0"/>
+          </a:p>
+          <a:p>
+            <a:pPr marL="0" indent="0" fontAlgn="base">
+              <a:buNone/>
+            </a:pPr>
+            <a:endParaRPr lang="pt-PT" sz="1400" dirty="0"/>
+          </a:p>
+          <a:p>
+            <a:pPr marL="0" indent="0" fontAlgn="base">
+              <a:buNone/>
+            </a:pPr>
+            <a:r>
+              <a:rPr lang="pt-PT" sz="1400" dirty="0"/>
+              <a:t> </a:t>
+            </a:r>
+            <a:r>
+              <a:rPr lang="pt-PT" sz="1400" dirty="0" err="1"/>
+              <a:t>Reference</a:t>
+            </a:r>
+            <a:r>
+              <a:rPr lang="pt-PT" sz="1400" dirty="0"/>
+              <a:t>: </a:t>
+            </a:r>
+            <a:r>
+              <a:rPr lang="pt-PT" sz="1400" dirty="0">
+                <a:hlinkClick r:id="rId2"/>
+              </a:rPr>
+              <a:t>https://github.com/eubr-atmosphere/tma-framework-m/tree/master/development/libraries</a:t>
+            </a:r>
+            <a:endParaRPr lang="pt-PT" sz="1400" dirty="0"/>
+          </a:p>
+          <a:p>
+            <a:pPr fontAlgn="base"/>
+            <a:endParaRPr lang="pt-PT" sz="1400" dirty="0"/>
+          </a:p>
+          <a:p>
+            <a:pPr fontAlgn="base"/>
+            <a:endParaRPr lang="pt-PT" sz="1400" dirty="0"/>
+          </a:p>
+          <a:p>
+            <a:pPr fontAlgn="base"/>
+            <a:r>
+              <a:rPr lang="pt-PT" sz="1400" dirty="0"/>
+              <a:t>To use </a:t>
+            </a:r>
+            <a:r>
+              <a:rPr lang="pt-PT" sz="1400" dirty="0" err="1"/>
+              <a:t>the</a:t>
+            </a:r>
+            <a:r>
+              <a:rPr lang="pt-PT" sz="1400" dirty="0"/>
+              <a:t> </a:t>
+            </a:r>
+            <a:r>
+              <a:rPr lang="pt-PT" sz="1400" dirty="0" err="1"/>
+              <a:t>library</a:t>
+            </a:r>
+            <a:r>
+              <a:rPr lang="pt-PT" sz="1400" dirty="0"/>
+              <a:t>, </a:t>
+            </a:r>
+            <a:r>
+              <a:rPr lang="pt-PT" sz="1400" dirty="0" err="1"/>
+              <a:t>add</a:t>
+            </a:r>
+            <a:r>
+              <a:rPr lang="pt-PT" sz="1400" dirty="0"/>
+              <a:t> </a:t>
+            </a:r>
+            <a:r>
+              <a:rPr lang="pt-PT" sz="1400" dirty="0" err="1"/>
+              <a:t>the</a:t>
+            </a:r>
+            <a:r>
+              <a:rPr lang="pt-PT" sz="1400" dirty="0"/>
+              <a:t> </a:t>
+            </a:r>
+            <a:r>
+              <a:rPr lang="pt-PT" sz="1400" dirty="0" err="1"/>
+              <a:t>following</a:t>
+            </a:r>
+            <a:r>
+              <a:rPr lang="pt-PT" sz="1400" dirty="0"/>
+              <a:t> </a:t>
+            </a:r>
+            <a:r>
+              <a:rPr lang="pt-PT" sz="1400" dirty="0" err="1"/>
+              <a:t>reference</a:t>
+            </a:r>
+            <a:r>
+              <a:rPr lang="pt-PT" sz="1400" dirty="0"/>
+              <a:t> to </a:t>
+            </a:r>
+            <a:r>
+              <a:rPr lang="pt-PT" sz="1400" dirty="0" err="1"/>
+              <a:t>the</a:t>
+            </a:r>
+            <a:r>
+              <a:rPr lang="pt-PT" sz="1400" dirty="0"/>
+              <a:t> </a:t>
+            </a:r>
+            <a:r>
+              <a:rPr lang="pt-PT" sz="1400" dirty="0" err="1"/>
+              <a:t>probe</a:t>
+            </a:r>
+            <a:r>
+              <a:rPr lang="pt-PT" sz="1400" dirty="0"/>
+              <a:t>:</a:t>
+            </a:r>
           </a:p>
         </p:txBody>
       </p:sp>
@@ -8711,17 +8957,102 @@
           <a:lstStyle/>
           <a:p>
             <a:r>
-              <a:rPr lang="en-US" dirty="0"/>
-              <a:t>TODO </a:t>
-            </a:r>
-            <a:r>
-              <a:rPr lang="en-US"/>
-              <a:t>java demo</a:t>
+              <a:rPr lang="pt-PT" dirty="0" err="1"/>
+              <a:t>Probe</a:t>
+            </a:r>
+            <a:r>
+              <a:rPr lang="pt-PT" dirty="0"/>
+              <a:t> </a:t>
+            </a:r>
+            <a:r>
+              <a:rPr lang="pt-PT" dirty="0" err="1"/>
+              <a:t>Development</a:t>
             </a:r>
             <a:endParaRPr lang="en-US" dirty="0"/>
           </a:p>
         </p:txBody>
       </p:sp>
+      <p:pic>
+        <p:nvPicPr>
+          <p:cNvPr id="7" name="Imagem 6">
+            <a:extLst>
+              <a:ext uri="{FF2B5EF4-FFF2-40B4-BE49-F238E27FC236}">
+                <a16:creationId xmlns:a16="http://schemas.microsoft.com/office/drawing/2014/main" id="{3A4D6BE8-D8F0-E043-B6AE-0499A4283F95}"/>
+              </a:ext>
+            </a:extLst>
+          </p:cNvPr>
+          <p:cNvPicPr>
+            <a:picLocks noChangeAspect="1"/>
+          </p:cNvPicPr>
+          <p:nvPr/>
+        </p:nvPicPr>
+        <p:blipFill rotWithShape="1">
+          <a:blip r:embed="rId3">
+            <a:extLst>
+              <a:ext uri="{28A0092B-C50C-407E-A947-70E740481C1C}">
+                <a14:useLocalDpi xmlns:a14="http://schemas.microsoft.com/office/drawing/2010/main" val="0"/>
+              </a:ext>
+            </a:extLst>
+          </a:blip>
+          <a:srcRect r="6759"/>
+          <a:stretch/>
+        </p:blipFill>
+        <p:spPr>
+          <a:xfrm>
+            <a:off x="2132623" y="4349539"/>
+            <a:ext cx="4878754" cy="1409700"/>
+          </a:xfrm>
+          <a:prstGeom prst="rect">
+            <a:avLst/>
+          </a:prstGeom>
+          <a:ln>
+            <a:solidFill>
+              <a:schemeClr val="tx1"/>
+            </a:solidFill>
+          </a:ln>
+        </p:spPr>
+      </p:pic>
+      <p:pic>
+        <p:nvPicPr>
+          <p:cNvPr id="9" name="Imagem 8">
+            <a:extLst>
+              <a:ext uri="{FF2B5EF4-FFF2-40B4-BE49-F238E27FC236}">
+                <a16:creationId xmlns:a16="http://schemas.microsoft.com/office/drawing/2014/main" id="{D580984E-4E63-2B44-9ABA-3584DC67FD2B}"/>
+              </a:ext>
+            </a:extLst>
+          </p:cNvPr>
+          <p:cNvPicPr>
+            <a:picLocks noChangeAspect="1"/>
+          </p:cNvPicPr>
+          <p:nvPr/>
+        </p:nvPicPr>
+        <p:blipFill>
+          <a:blip r:embed="rId4">
+            <a:extLst>
+              <a:ext uri="{28A0092B-C50C-407E-A947-70E740481C1C}">
+                <a14:useLocalDpi xmlns:a14="http://schemas.microsoft.com/office/drawing/2010/main" val="0"/>
+              </a:ext>
+            </a:extLst>
+          </a:blip>
+          <a:stretch>
+            <a:fillRect/>
+          </a:stretch>
+        </p:blipFill>
+        <p:spPr>
+          <a:xfrm>
+            <a:off x="3467100" y="2654778"/>
+            <a:ext cx="2209800" cy="406400"/>
+          </a:xfrm>
+          <a:prstGeom prst="rect">
+            <a:avLst/>
+          </a:prstGeom>
+          <a:ln>
+            <a:solidFill>
+              <a:schemeClr val="tx1"/>
+            </a:solidFill>
+          </a:ln>
+        </p:spPr>
+      </p:pic>
     </p:spTree>
     <p:extLst>
       <p:ext uri="{BB962C8B-B14F-4D97-AF65-F5344CB8AC3E}">
@@ -8754,7 +9085,145 @@
       </p:grpSpPr>
       <p:sp>
         <p:nvSpPr>
-          <p:cNvPr id="3" name="Marcador de Posição da Data 2"/>
+          <p:cNvPr id="2" name="Content Placeholder 1">
+            <a:extLst>
+              <a:ext uri="{FF2B5EF4-FFF2-40B4-BE49-F238E27FC236}">
+                <a16:creationId xmlns:a16="http://schemas.microsoft.com/office/drawing/2014/main" id="{0E4E79BB-4D8D-CE43-ACDF-8AB49CE2CF08}"/>
+              </a:ext>
+            </a:extLst>
+          </p:cNvPr>
+          <p:cNvSpPr>
+            <a:spLocks noGrp="1"/>
+          </p:cNvSpPr>
+          <p:nvPr>
+            <p:ph idx="1"/>
+          </p:nvPr>
+        </p:nvSpPr>
+        <p:spPr/>
+        <p:txBody>
+          <a:bodyPr/>
+          <a:lstStyle/>
+          <a:p>
+            <a:pPr marL="0" indent="0">
+              <a:buNone/>
+            </a:pPr>
+            <a:r>
+              <a:rPr lang="pt-PT" sz="1400" b="1" dirty="0" err="1"/>
+              <a:t>Example</a:t>
+            </a:r>
+            <a:r>
+              <a:rPr lang="pt-PT" sz="1400" b="1" dirty="0"/>
+              <a:t>: </a:t>
+            </a:r>
+            <a:r>
+              <a:rPr lang="pt-PT" sz="1400" b="1" dirty="0" err="1"/>
+              <a:t>Probe</a:t>
+            </a:r>
+            <a:r>
+              <a:rPr lang="pt-PT" sz="1400" b="1" dirty="0"/>
+              <a:t> Java Demo</a:t>
+            </a:r>
+          </a:p>
+          <a:p>
+            <a:pPr marL="0" indent="0">
+              <a:buNone/>
+            </a:pPr>
+            <a:endParaRPr lang="pt-PT" sz="1400" b="1" dirty="0"/>
+          </a:p>
+          <a:p>
+            <a:pPr fontAlgn="base"/>
+            <a:r>
+              <a:rPr lang="pt-PT" sz="1400" dirty="0" err="1"/>
+              <a:t>The</a:t>
+            </a:r>
+            <a:r>
+              <a:rPr lang="pt-PT" sz="1400" dirty="0"/>
+              <a:t> </a:t>
+            </a:r>
+            <a:r>
+              <a:rPr lang="pt-PT" sz="1400" dirty="0" err="1"/>
+              <a:t>following</a:t>
+            </a:r>
+            <a:r>
+              <a:rPr lang="pt-PT" sz="1400" dirty="0"/>
+              <a:t> java </a:t>
+            </a:r>
+            <a:r>
+              <a:rPr lang="pt-PT" sz="1400" dirty="0" err="1"/>
+              <a:t>code</a:t>
+            </a:r>
+            <a:r>
+              <a:rPr lang="pt-PT" sz="1400" dirty="0"/>
+              <a:t> </a:t>
+            </a:r>
+            <a:r>
+              <a:rPr lang="pt-PT" sz="1400" dirty="0" err="1"/>
+              <a:t>starts</a:t>
+            </a:r>
+            <a:r>
+              <a:rPr lang="pt-PT" sz="1400" dirty="0"/>
+              <a:t> a </a:t>
+            </a:r>
+            <a:r>
+              <a:rPr lang="pt-PT" sz="1400" dirty="0" err="1"/>
+              <a:t>client</a:t>
+            </a:r>
+            <a:r>
+              <a:rPr lang="pt-PT" sz="1400" dirty="0"/>
+              <a:t>, </a:t>
+            </a:r>
+            <a:r>
+              <a:rPr lang="pt-PT" sz="1400" dirty="0" err="1"/>
+              <a:t>and</a:t>
+            </a:r>
+            <a:r>
+              <a:rPr lang="pt-PT" sz="1400" dirty="0"/>
+              <a:t> </a:t>
+            </a:r>
+            <a:r>
+              <a:rPr lang="pt-PT" sz="1400" dirty="0" err="1"/>
+              <a:t>send</a:t>
+            </a:r>
+            <a:r>
+              <a:rPr lang="pt-PT" sz="1400" dirty="0"/>
+              <a:t> </a:t>
+            </a:r>
+            <a:r>
+              <a:rPr lang="pt-PT" sz="1400" dirty="0" err="1"/>
+              <a:t>the</a:t>
+            </a:r>
+            <a:r>
+              <a:rPr lang="pt-PT" sz="1400" dirty="0"/>
+              <a:t> </a:t>
+            </a:r>
+            <a:r>
+              <a:rPr lang="pt-PT" sz="1400" dirty="0" err="1"/>
+              <a:t>measurements</a:t>
+            </a:r>
+            <a:r>
+              <a:rPr lang="pt-PT" sz="1400" dirty="0"/>
+              <a:t> to </a:t>
+            </a:r>
+            <a:r>
+              <a:rPr lang="pt-PT" sz="1400" dirty="0" err="1"/>
+              <a:t>the</a:t>
+            </a:r>
+            <a:r>
+              <a:rPr lang="pt-PT" sz="1400" dirty="0"/>
+              <a:t> monitor</a:t>
+            </a:r>
+          </a:p>
+        </p:txBody>
+      </p:sp>
+      <p:sp>
+        <p:nvSpPr>
+          <p:cNvPr id="3" name="Date Placeholder 2">
+            <a:extLst>
+              <a:ext uri="{FF2B5EF4-FFF2-40B4-BE49-F238E27FC236}">
+                <a16:creationId xmlns:a16="http://schemas.microsoft.com/office/drawing/2014/main" id="{A349400B-3130-0744-9654-D08618C8589C}"/>
+              </a:ext>
+            </a:extLst>
+          </p:cNvPr>
           <p:cNvSpPr>
             <a:spLocks noGrp="1"/>
           </p:cNvSpPr>
@@ -8767,7 +9236,7 @@
           <a:bodyPr/>
           <a:lstStyle/>
           <a:p>
-            <a:fld id="{739B5859-568F-4FD8-B4E3-F5DED0E25631}" type="datetime1">
+            <a:fld id="{9F72D088-E9AC-0049-ACFB-7F9F1D8E616E}" type="datetime1">
               <a:rPr lang="en-US" smtClean="0"/>
               <a:t>9/17/18</a:t>
             </a:fld>
@@ -8777,7 +9246,13 @@
       </p:sp>
       <p:sp>
         <p:nvSpPr>
-          <p:cNvPr id="4" name="Marcador de Posição do Número do Diapositivo 3"/>
+          <p:cNvPr id="4" name="Slide Number Placeholder 3">
+            <a:extLst>
+              <a:ext uri="{FF2B5EF4-FFF2-40B4-BE49-F238E27FC236}">
+                <a16:creationId xmlns:a16="http://schemas.microsoft.com/office/drawing/2014/main" id="{3FBE17DB-BD1D-AE46-9B37-35605BCF654B}"/>
+              </a:ext>
+            </a:extLst>
+          </p:cNvPr>
           <p:cNvSpPr>
             <a:spLocks noGrp="1"/>
           </p:cNvSpPr>
@@ -8801,87 +9276,86 @@
       </p:sp>
       <p:sp>
         <p:nvSpPr>
-          <p:cNvPr id="6" name="Retângulo 5"/>
-          <p:cNvSpPr/>
+          <p:cNvPr id="5" name="Title 4">
+            <a:extLst>
+              <a:ext uri="{FF2B5EF4-FFF2-40B4-BE49-F238E27FC236}">
+                <a16:creationId xmlns:a16="http://schemas.microsoft.com/office/drawing/2014/main" id="{90C4DFB5-F43B-3A47-9E1D-15AC2184514C}"/>
+              </a:ext>
+            </a:extLst>
+          </p:cNvPr>
+          <p:cNvSpPr>
+            <a:spLocks noGrp="1"/>
+          </p:cNvSpPr>
+          <p:nvPr>
+            <p:ph type="title"/>
+          </p:nvPr>
+        </p:nvSpPr>
+        <p:spPr/>
+        <p:txBody>
+          <a:bodyPr/>
+          <a:lstStyle/>
+          <a:p>
+            <a:r>
+              <a:rPr lang="pt-PT" dirty="0" err="1"/>
+              <a:t>Probe</a:t>
+            </a:r>
+            <a:r>
+              <a:rPr lang="pt-PT" dirty="0"/>
+              <a:t> </a:t>
+            </a:r>
+            <a:r>
+              <a:rPr lang="pt-PT" dirty="0" err="1"/>
+              <a:t>Development</a:t>
+            </a:r>
+            <a:endParaRPr lang="en-US" dirty="0"/>
+          </a:p>
+        </p:txBody>
+      </p:sp>
+      <p:pic>
+        <p:nvPicPr>
+          <p:cNvPr id="8" name="Imagem 7">
+            <a:extLst>
+              <a:ext uri="{FF2B5EF4-FFF2-40B4-BE49-F238E27FC236}">
+                <a16:creationId xmlns:a16="http://schemas.microsoft.com/office/drawing/2014/main" id="{FD9AEBAD-D627-C240-B74C-06AC4D3CF747}"/>
+              </a:ext>
+            </a:extLst>
+          </p:cNvPr>
+          <p:cNvPicPr>
+            <a:picLocks noChangeAspect="1"/>
+          </p:cNvPicPr>
           <p:nvPr/>
-        </p:nvSpPr>
+        </p:nvPicPr>
+        <p:blipFill>
+          <a:blip r:embed="rId2">
+            <a:extLst>
+              <a:ext uri="{28A0092B-C50C-407E-A947-70E740481C1C}">
+                <a14:useLocalDpi xmlns:a14="http://schemas.microsoft.com/office/drawing/2010/main" val="0"/>
+              </a:ext>
+            </a:extLst>
+          </a:blip>
+          <a:stretch>
+            <a:fillRect/>
+          </a:stretch>
+        </p:blipFill>
         <p:spPr>
           <a:xfrm>
-            <a:off x="662121" y="3075057"/>
-            <a:ext cx="7819769" cy="707886"/>
+            <a:off x="2317750" y="2815370"/>
+            <a:ext cx="4508500" cy="2882900"/>
           </a:xfrm>
           <a:prstGeom prst="rect">
             <a:avLst/>
           </a:prstGeom>
+          <a:ln>
+            <a:solidFill>
+              <a:schemeClr val="tx1"/>
+            </a:solidFill>
+          </a:ln>
         </p:spPr>
-        <p:txBody>
-          <a:bodyPr wrap="none">
-            <a:spAutoFit/>
-          </a:bodyPr>
-          <a:lstStyle/>
-          <a:p>
-            <a:pPr marL="742950" lvl="0" indent="-742950" algn="ctr" fontAlgn="base">
-              <a:buFont typeface="+mj-lt"/>
-              <a:buAutoNum type="arabicPeriod" startAt="5"/>
-            </a:pPr>
-            <a:r>
-              <a:rPr lang="pt-PT" sz="4000" err="1">
-                <a:solidFill>
-                  <a:srgbClr val="262626"/>
-                </a:solidFill>
-                <a:latin typeface="Century Gothic" panose="020B0502020202020204" pitchFamily="34" charset="0"/>
-              </a:rPr>
-              <a:t>Container</a:t>
-            </a:r>
-            <a:r>
-              <a:rPr lang="pt-PT" sz="4000">
-                <a:solidFill>
-                  <a:srgbClr val="262626"/>
-                </a:solidFill>
-                <a:latin typeface="Century Gothic" panose="020B0502020202020204" pitchFamily="34" charset="0"/>
-              </a:rPr>
-              <a:t> </a:t>
-            </a:r>
-            <a:r>
-              <a:rPr lang="pt-PT" sz="4000" err="1">
-                <a:solidFill>
-                  <a:srgbClr val="262626"/>
-                </a:solidFill>
-                <a:latin typeface="Century Gothic" panose="020B0502020202020204" pitchFamily="34" charset="0"/>
-              </a:rPr>
-              <a:t>Metrics</a:t>
-            </a:r>
-            <a:r>
-              <a:rPr lang="pt-PT" sz="4000">
-                <a:solidFill>
-                  <a:srgbClr val="262626"/>
-                </a:solidFill>
-                <a:latin typeface="Century Gothic" panose="020B0502020202020204" pitchFamily="34" charset="0"/>
-              </a:rPr>
-              <a:t> </a:t>
-            </a:r>
-            <a:r>
-              <a:rPr lang="pt-PT" sz="4000" err="1">
-                <a:solidFill>
-                  <a:srgbClr val="262626"/>
-                </a:solidFill>
-                <a:latin typeface="Century Gothic" panose="020B0502020202020204" pitchFamily="34" charset="0"/>
-              </a:rPr>
-              <a:t>Reported</a:t>
-            </a:r>
-            <a:endParaRPr lang="pt-PT" sz="4000">
-              <a:solidFill>
-                <a:srgbClr val="A53010"/>
-              </a:solidFill>
-              <a:latin typeface="Century Gothic" panose="020B0502020202020204" pitchFamily="34" charset="0"/>
-            </a:endParaRPr>
-          </a:p>
-        </p:txBody>
-      </p:sp>
+      </p:pic>
     </p:spTree>
     <p:extLst>
       <p:ext uri="{BB962C8B-B14F-4D97-AF65-F5344CB8AC3E}">
-        <p14:creationId xmlns:p14="http://schemas.microsoft.com/office/powerpoint/2010/main" val="3525021425"/>
+        <p14:creationId xmlns:p14="http://schemas.microsoft.com/office/powerpoint/2010/main" val="564543967"/>
       </p:ext>
     </p:extLst>
   </p:cSld>
@@ -8910,6 +9384,162 @@
       </p:grpSpPr>
       <p:sp>
         <p:nvSpPr>
+          <p:cNvPr id="3" name="Marcador de Posição da Data 2"/>
+          <p:cNvSpPr>
+            <a:spLocks noGrp="1"/>
+          </p:cNvSpPr>
+          <p:nvPr>
+            <p:ph type="dt" sz="half" idx="10"/>
+          </p:nvPr>
+        </p:nvSpPr>
+        <p:spPr/>
+        <p:txBody>
+          <a:bodyPr/>
+          <a:lstStyle/>
+          <a:p>
+            <a:fld id="{739B5859-568F-4FD8-B4E3-F5DED0E25631}" type="datetime1">
+              <a:rPr lang="en-US" smtClean="0"/>
+              <a:t>9/17/18</a:t>
+            </a:fld>
+            <a:endParaRPr lang="en-US"/>
+          </a:p>
+        </p:txBody>
+      </p:sp>
+      <p:sp>
+        <p:nvSpPr>
+          <p:cNvPr id="4" name="Marcador de Posição do Número do Diapositivo 3"/>
+          <p:cNvSpPr>
+            <a:spLocks noGrp="1"/>
+          </p:cNvSpPr>
+          <p:nvPr>
+            <p:ph type="sldNum" sz="quarter" idx="12"/>
+          </p:nvPr>
+        </p:nvSpPr>
+        <p:spPr/>
+        <p:txBody>
+          <a:bodyPr/>
+          <a:lstStyle/>
+          <a:p>
+            <a:fld id="{B6F15528-21DE-4FAA-801E-634DDDAF4B2B}" type="slidenum">
+              <a:rPr lang="en-US" smtClean="0"/>
+              <a:pPr/>
+              <a:t>28</a:t>
+            </a:fld>
+            <a:endParaRPr lang="en-US"/>
+          </a:p>
+        </p:txBody>
+      </p:sp>
+      <p:sp>
+        <p:nvSpPr>
+          <p:cNvPr id="6" name="Retângulo 5"/>
+          <p:cNvSpPr/>
+          <p:nvPr/>
+        </p:nvSpPr>
+        <p:spPr>
+          <a:xfrm>
+            <a:off x="662121" y="3075057"/>
+            <a:ext cx="7819769" cy="707886"/>
+          </a:xfrm>
+          <a:prstGeom prst="rect">
+            <a:avLst/>
+          </a:prstGeom>
+        </p:spPr>
+        <p:txBody>
+          <a:bodyPr wrap="none">
+            <a:spAutoFit/>
+          </a:bodyPr>
+          <a:lstStyle/>
+          <a:p>
+            <a:pPr marL="742950" lvl="0" indent="-742950" algn="ctr" fontAlgn="base">
+              <a:buFont typeface="+mj-lt"/>
+              <a:buAutoNum type="arabicPeriod" startAt="5"/>
+            </a:pPr>
+            <a:r>
+              <a:rPr lang="pt-PT" sz="4000" err="1">
+                <a:solidFill>
+                  <a:srgbClr val="262626"/>
+                </a:solidFill>
+                <a:latin typeface="Century Gothic" panose="020B0502020202020204" pitchFamily="34" charset="0"/>
+              </a:rPr>
+              <a:t>Container</a:t>
+            </a:r>
+            <a:r>
+              <a:rPr lang="pt-PT" sz="4000">
+                <a:solidFill>
+                  <a:srgbClr val="262626"/>
+                </a:solidFill>
+                <a:latin typeface="Century Gothic" panose="020B0502020202020204" pitchFamily="34" charset="0"/>
+              </a:rPr>
+              <a:t> </a:t>
+            </a:r>
+            <a:r>
+              <a:rPr lang="pt-PT" sz="4000" err="1">
+                <a:solidFill>
+                  <a:srgbClr val="262626"/>
+                </a:solidFill>
+                <a:latin typeface="Century Gothic" panose="020B0502020202020204" pitchFamily="34" charset="0"/>
+              </a:rPr>
+              <a:t>Metrics</a:t>
+            </a:r>
+            <a:r>
+              <a:rPr lang="pt-PT" sz="4000">
+                <a:solidFill>
+                  <a:srgbClr val="262626"/>
+                </a:solidFill>
+                <a:latin typeface="Century Gothic" panose="020B0502020202020204" pitchFamily="34" charset="0"/>
+              </a:rPr>
+              <a:t> </a:t>
+            </a:r>
+            <a:r>
+              <a:rPr lang="pt-PT" sz="4000" err="1">
+                <a:solidFill>
+                  <a:srgbClr val="262626"/>
+                </a:solidFill>
+                <a:latin typeface="Century Gothic" panose="020B0502020202020204" pitchFamily="34" charset="0"/>
+              </a:rPr>
+              <a:t>Reported</a:t>
+            </a:r>
+            <a:endParaRPr lang="pt-PT" sz="4000">
+              <a:solidFill>
+                <a:srgbClr val="A53010"/>
+              </a:solidFill>
+              <a:latin typeface="Century Gothic" panose="020B0502020202020204" pitchFamily="34" charset="0"/>
+            </a:endParaRPr>
+          </a:p>
+        </p:txBody>
+      </p:sp>
+    </p:spTree>
+    <p:extLst>
+      <p:ext uri="{BB962C8B-B14F-4D97-AF65-F5344CB8AC3E}">
+        <p14:creationId xmlns:p14="http://schemas.microsoft.com/office/powerpoint/2010/main" val="3525021425"/>
+      </p:ext>
+    </p:extLst>
+  </p:cSld>
+  <p:clrMapOvr>
+    <a:masterClrMapping/>
+  </p:clrMapOvr>
+</p:sld>
+</file>
+
+<file path=ppt/slides/slide29.xml><?xml version="1.0" encoding="utf-8"?>
+<p:sld xmlns:a="http://schemas.openxmlformats.org/drawingml/2006/main" xmlns:r="http://schemas.openxmlformats.org/officeDocument/2006/relationships" xmlns:p="http://schemas.openxmlformats.org/presentationml/2006/main">
+  <p:cSld>
+    <p:spTree>
+      <p:nvGrpSpPr>
+        <p:cNvPr id="1" name=""/>
+        <p:cNvGrpSpPr/>
+        <p:nvPr/>
+      </p:nvGrpSpPr>
+      <p:grpSpPr>
+        <a:xfrm>
+          <a:off x="0" y="0"/>
+          <a:ext cx="0" cy="0"/>
+          <a:chOff x="0" y="0"/>
+          <a:chExt cx="0" cy="0"/>
+        </a:xfrm>
+      </p:grpSpPr>
+      <p:sp>
+        <p:nvSpPr>
           <p:cNvPr id="2" name="Marcador de Posição de Conteúdo 1"/>
           <p:cNvSpPr>
             <a:spLocks noGrp="1"/>
@@ -9068,7 +9698,7 @@
             <a:fld id="{B6F15528-21DE-4FAA-801E-634DDDAF4B2B}" type="slidenum">
               <a:rPr lang="en-US" smtClean="0"/>
               <a:pPr/>
-              <a:t>28</a:t>
+              <a:t>29</a:t>
             </a:fld>
             <a:endParaRPr lang="en-US"/>
           </a:p>
@@ -9172,231 +9802,6 @@
 </p:sld>
 </file>
 
-<file path=ppt/slides/slide29.xml><?xml version="1.0" encoding="utf-8"?>
-<p:sld xmlns:a="http://schemas.openxmlformats.org/drawingml/2006/main" xmlns:r="http://schemas.openxmlformats.org/officeDocument/2006/relationships" xmlns:p="http://schemas.openxmlformats.org/presentationml/2006/main">
-  <p:cSld>
-    <p:spTree>
-      <p:nvGrpSpPr>
-        <p:cNvPr id="1" name=""/>
-        <p:cNvGrpSpPr/>
-        <p:nvPr/>
-      </p:nvGrpSpPr>
-      <p:grpSpPr>
-        <a:xfrm>
-          <a:off x="0" y="0"/>
-          <a:ext cx="0" cy="0"/>
-          <a:chOff x="0" y="0"/>
-          <a:chExt cx="0" cy="0"/>
-        </a:xfrm>
-      </p:grpSpPr>
-      <p:sp>
-        <p:nvSpPr>
-          <p:cNvPr id="2" name="Marcador de Posição de Conteúdo 1"/>
-          <p:cNvSpPr>
-            <a:spLocks noGrp="1"/>
-          </p:cNvSpPr>
-          <p:nvPr>
-            <p:ph idx="1"/>
-          </p:nvPr>
-        </p:nvSpPr>
-        <p:spPr/>
-        <p:txBody>
-          <a:bodyPr/>
-          <a:lstStyle/>
-          <a:p>
-            <a:pPr fontAlgn="base">
-              <a:lnSpc>
-                <a:spcPct val="150000"/>
-              </a:lnSpc>
-            </a:pPr>
-            <a:r>
-              <a:rPr lang="en-US" sz="1600"/>
-              <a:t>dockerAPI.py</a:t>
-            </a:r>
-          </a:p>
-          <a:p>
-            <a:pPr lvl="1" fontAlgn="base">
-              <a:lnSpc>
-                <a:spcPct val="150000"/>
-              </a:lnSpc>
-            </a:pPr>
-            <a:r>
-              <a:rPr lang="en-US" sz="1600"/>
-              <a:t>Metrics such as </a:t>
-            </a:r>
-            <a:r>
-              <a:rPr lang="en-US" sz="1600" err="1"/>
-              <a:t>cpu</a:t>
-            </a:r>
-            <a:r>
-              <a:rPr lang="en-US" sz="1600"/>
-              <a:t> values, memory usage and disk accesses are collected;</a:t>
-            </a:r>
-          </a:p>
-          <a:p>
-            <a:pPr lvl="1" fontAlgn="base">
-              <a:lnSpc>
-                <a:spcPct val="150000"/>
-              </a:lnSpc>
-            </a:pPr>
-            <a:r>
-              <a:rPr lang="en-US" sz="1600"/>
-              <a:t>It sends these metrics in a format of </a:t>
-            </a:r>
-            <a:r>
-              <a:rPr lang="en-US" sz="1600" err="1"/>
-              <a:t>json</a:t>
-            </a:r>
-            <a:r>
-              <a:rPr lang="en-US" sz="1600"/>
-              <a:t> to TMA-Monitor;</a:t>
-            </a:r>
-          </a:p>
-          <a:p>
-            <a:pPr lvl="1" fontAlgn="base">
-              <a:lnSpc>
-                <a:spcPct val="150000"/>
-              </a:lnSpc>
-            </a:pPr>
-            <a:r>
-              <a:rPr lang="en-US" sz="1600"/>
-              <a:t>The format of the messages respects the schema of this project.</a:t>
-            </a:r>
-          </a:p>
-          <a:p>
-            <a:pPr fontAlgn="base">
-              <a:lnSpc>
-                <a:spcPct val="150000"/>
-              </a:lnSpc>
-            </a:pPr>
-            <a:r>
-              <a:rPr lang="en-US" sz="1600"/>
-              <a:t>message.py</a:t>
-            </a:r>
-          </a:p>
-          <a:p>
-            <a:pPr lvl="1" fontAlgn="base">
-              <a:lnSpc>
-                <a:spcPct val="150000"/>
-              </a:lnSpc>
-            </a:pPr>
-            <a:r>
-              <a:rPr lang="en-US" sz="1600"/>
-              <a:t>Builds the message to send to Monitor API.</a:t>
-            </a:r>
-          </a:p>
-          <a:p>
-            <a:pPr marL="0" indent="0">
-              <a:buNone/>
-            </a:pPr>
-            <a:endParaRPr lang="pt-PT"/>
-          </a:p>
-        </p:txBody>
-      </p:sp>
-      <p:sp>
-        <p:nvSpPr>
-          <p:cNvPr id="3" name="Marcador de Posição da Data 2"/>
-          <p:cNvSpPr>
-            <a:spLocks noGrp="1"/>
-          </p:cNvSpPr>
-          <p:nvPr>
-            <p:ph type="dt" sz="half" idx="10"/>
-          </p:nvPr>
-        </p:nvSpPr>
-        <p:spPr/>
-        <p:txBody>
-          <a:bodyPr/>
-          <a:lstStyle/>
-          <a:p>
-            <a:fld id="{AF01AAA2-2263-4F56-8B2F-28186D5621FD}" type="datetime1">
-              <a:rPr lang="en-US" smtClean="0"/>
-              <a:t>9/17/18</a:t>
-            </a:fld>
-            <a:endParaRPr lang="en-US"/>
-          </a:p>
-        </p:txBody>
-      </p:sp>
-      <p:sp>
-        <p:nvSpPr>
-          <p:cNvPr id="4" name="Marcador de Posição do Número do Diapositivo 3"/>
-          <p:cNvSpPr>
-            <a:spLocks noGrp="1"/>
-          </p:cNvSpPr>
-          <p:nvPr>
-            <p:ph type="sldNum" sz="quarter" idx="12"/>
-          </p:nvPr>
-        </p:nvSpPr>
-        <p:spPr/>
-        <p:txBody>
-          <a:bodyPr/>
-          <a:lstStyle/>
-          <a:p>
-            <a:fld id="{B6F15528-21DE-4FAA-801E-634DDDAF4B2B}" type="slidenum">
-              <a:rPr lang="en-US" smtClean="0"/>
-              <a:pPr/>
-              <a:t>29</a:t>
-            </a:fld>
-            <a:endParaRPr lang="en-US"/>
-          </a:p>
-        </p:txBody>
-      </p:sp>
-      <p:sp>
-        <p:nvSpPr>
-          <p:cNvPr id="6" name="Título 4"/>
-          <p:cNvSpPr>
-            <a:spLocks noGrp="1"/>
-          </p:cNvSpPr>
-          <p:nvPr>
-            <p:ph type="title"/>
-          </p:nvPr>
-        </p:nvSpPr>
-        <p:spPr>
-          <a:xfrm>
-            <a:off x="4532395" y="399177"/>
-            <a:ext cx="3537908" cy="365527"/>
-          </a:xfrm>
-        </p:spPr>
-        <p:txBody>
-          <a:bodyPr/>
-          <a:lstStyle/>
-          <a:p>
-            <a:r>
-              <a:rPr lang="pt-PT" err="1"/>
-              <a:t>Container</a:t>
-            </a:r>
-            <a:r>
-              <a:rPr lang="pt-PT"/>
-              <a:t> </a:t>
-            </a:r>
-            <a:r>
-              <a:rPr lang="pt-PT" err="1"/>
-              <a:t>Metrics</a:t>
-            </a:r>
-            <a:r>
-              <a:rPr lang="pt-PT"/>
-              <a:t> </a:t>
-            </a:r>
-            <a:r>
-              <a:rPr lang="pt-PT" err="1"/>
-              <a:t>Reported</a:t>
-            </a:r>
-            <a:endParaRPr lang="pt-PT"/>
-          </a:p>
-        </p:txBody>
-      </p:sp>
-    </p:spTree>
-    <p:extLst>
-      <p:ext uri="{BB962C8B-B14F-4D97-AF65-F5344CB8AC3E}">
-        <p14:creationId xmlns:p14="http://schemas.microsoft.com/office/powerpoint/2010/main" val="3163480084"/>
-      </p:ext>
-    </p:extLst>
-  </p:cSld>
-  <p:clrMapOvr>
-    <a:masterClrMapping/>
-  </p:clrMapOvr>
-</p:sld>
-</file>
-
 <file path=ppt/slides/slide3.xml><?xml version="1.0" encoding="utf-8"?>
 <p:sld xmlns:a="http://schemas.openxmlformats.org/drawingml/2006/main" xmlns:r="http://schemas.openxmlformats.org/officeDocument/2006/relationships" xmlns:p="http://schemas.openxmlformats.org/presentationml/2006/main">
   <p:cSld>
@@ -9575,7 +9980,7 @@
             </a:pPr>
             <a:r>
               <a:rPr lang="en-US" sz="1600"/>
-              <a:t>data.py</a:t>
+              <a:t>dockerAPI.py</a:t>
             </a:r>
           </a:p>
           <a:p>
@@ -9586,15 +9991,45 @@
             </a:pPr>
             <a:r>
               <a:rPr lang="en-US" sz="1600"/>
-              <a:t>Class that represents data object of schema, specifies its type, </a:t>
+              <a:t>Metrics such as </a:t>
             </a:r>
             <a:r>
               <a:rPr lang="en-US" sz="1600" err="1"/>
-              <a:t>descriptionId</a:t>
+              <a:t>cpu</a:t>
             </a:r>
             <a:r>
               <a:rPr lang="en-US" sz="1600"/>
-              <a:t> and observations.</a:t>
+              <a:t> values, memory usage and disk accesses are collected;</a:t>
+            </a:r>
+          </a:p>
+          <a:p>
+            <a:pPr lvl="1" fontAlgn="base">
+              <a:lnSpc>
+                <a:spcPct val="150000"/>
+              </a:lnSpc>
+            </a:pPr>
+            <a:r>
+              <a:rPr lang="en-US" sz="1600"/>
+              <a:t>It sends these metrics in a format of </a:t>
+            </a:r>
+            <a:r>
+              <a:rPr lang="en-US" sz="1600" err="1"/>
+              <a:t>json</a:t>
+            </a:r>
+            <a:r>
+              <a:rPr lang="en-US" sz="1600"/>
+              <a:t> to TMA-Monitor;</a:t>
+            </a:r>
+          </a:p>
+          <a:p>
+            <a:pPr lvl="1" fontAlgn="base">
+              <a:lnSpc>
+                <a:spcPct val="150000"/>
+              </a:lnSpc>
+            </a:pPr>
+            <a:r>
+              <a:rPr lang="en-US" sz="1600"/>
+              <a:t>The format of the messages respects the schema of this project.</a:t>
             </a:r>
           </a:p>
           <a:p>
@@ -9605,7 +10040,7 @@
             </a:pPr>
             <a:r>
               <a:rPr lang="en-US" sz="1600"/>
-              <a:t>observation.py</a:t>
+              <a:t>message.py</a:t>
             </a:r>
           </a:p>
           <a:p>
@@ -9616,8 +10051,14 @@
             </a:pPr>
             <a:r>
               <a:rPr lang="en-US" sz="1600"/>
-              <a:t>Constructs observation object with values of time (timestamp) and value.</a:t>
-            </a:r>
+              <a:t>Builds the message to send to Monitor API.</a:t>
+            </a:r>
+          </a:p>
+          <a:p>
+            <a:pPr marL="0" indent="0">
+              <a:buNone/>
+            </a:pPr>
+            <a:endParaRPr lang="pt-PT"/>
           </a:p>
         </p:txBody>
       </p:sp>
@@ -9636,7 +10077,7 @@
           <a:bodyPr/>
           <a:lstStyle/>
           <a:p>
-            <a:fld id="{1686ABD0-C272-4E4D-B8CF-7551C55D4F4E}" type="datetime1">
+            <a:fld id="{AF01AAA2-2263-4F56-8B2F-28186D5621FD}" type="datetime1">
               <a:rPr lang="en-US" smtClean="0"/>
               <a:t>9/17/18</a:t>
             </a:fld>
@@ -9681,7 +10122,7 @@
         <p:spPr>
           <a:xfrm>
             <a:off x="4532395" y="399177"/>
-            <a:ext cx="3527611" cy="365527"/>
+            <a:ext cx="3537908" cy="365527"/>
           </a:xfrm>
         </p:spPr>
         <p:txBody>
@@ -9715,7 +10156,7 @@
     </p:spTree>
     <p:extLst>
       <p:ext uri="{BB962C8B-B14F-4D97-AF65-F5344CB8AC3E}">
-        <p14:creationId xmlns:p14="http://schemas.microsoft.com/office/powerpoint/2010/main" val="653218176"/>
+        <p14:creationId xmlns:p14="http://schemas.microsoft.com/office/powerpoint/2010/main" val="3163480084"/>
       </p:ext>
     </p:extLst>
   </p:cSld>
@@ -9754,6 +10195,195 @@
         </p:nvSpPr>
         <p:spPr/>
         <p:txBody>
+          <a:bodyPr/>
+          <a:lstStyle/>
+          <a:p>
+            <a:pPr fontAlgn="base">
+              <a:lnSpc>
+                <a:spcPct val="150000"/>
+              </a:lnSpc>
+            </a:pPr>
+            <a:r>
+              <a:rPr lang="en-US" sz="1600"/>
+              <a:t>data.py</a:t>
+            </a:r>
+          </a:p>
+          <a:p>
+            <a:pPr lvl="1" fontAlgn="base">
+              <a:lnSpc>
+                <a:spcPct val="150000"/>
+              </a:lnSpc>
+            </a:pPr>
+            <a:r>
+              <a:rPr lang="en-US" sz="1600"/>
+              <a:t>Class that represents data object of schema, specifies its type, </a:t>
+            </a:r>
+            <a:r>
+              <a:rPr lang="en-US" sz="1600" err="1"/>
+              <a:t>descriptionId</a:t>
+            </a:r>
+            <a:r>
+              <a:rPr lang="en-US" sz="1600"/>
+              <a:t> and observations.</a:t>
+            </a:r>
+          </a:p>
+          <a:p>
+            <a:pPr fontAlgn="base">
+              <a:lnSpc>
+                <a:spcPct val="150000"/>
+              </a:lnSpc>
+            </a:pPr>
+            <a:r>
+              <a:rPr lang="en-US" sz="1600"/>
+              <a:t>observation.py</a:t>
+            </a:r>
+          </a:p>
+          <a:p>
+            <a:pPr lvl="1" fontAlgn="base">
+              <a:lnSpc>
+                <a:spcPct val="150000"/>
+              </a:lnSpc>
+            </a:pPr>
+            <a:r>
+              <a:rPr lang="en-US" sz="1600"/>
+              <a:t>Constructs observation object with values of time (timestamp) and value.</a:t>
+            </a:r>
+          </a:p>
+        </p:txBody>
+      </p:sp>
+      <p:sp>
+        <p:nvSpPr>
+          <p:cNvPr id="3" name="Marcador de Posição da Data 2"/>
+          <p:cNvSpPr>
+            <a:spLocks noGrp="1"/>
+          </p:cNvSpPr>
+          <p:nvPr>
+            <p:ph type="dt" sz="half" idx="10"/>
+          </p:nvPr>
+        </p:nvSpPr>
+        <p:spPr/>
+        <p:txBody>
+          <a:bodyPr/>
+          <a:lstStyle/>
+          <a:p>
+            <a:fld id="{1686ABD0-C272-4E4D-B8CF-7551C55D4F4E}" type="datetime1">
+              <a:rPr lang="en-US" smtClean="0"/>
+              <a:t>9/17/18</a:t>
+            </a:fld>
+            <a:endParaRPr lang="en-US"/>
+          </a:p>
+        </p:txBody>
+      </p:sp>
+      <p:sp>
+        <p:nvSpPr>
+          <p:cNvPr id="4" name="Marcador de Posição do Número do Diapositivo 3"/>
+          <p:cNvSpPr>
+            <a:spLocks noGrp="1"/>
+          </p:cNvSpPr>
+          <p:nvPr>
+            <p:ph type="sldNum" sz="quarter" idx="12"/>
+          </p:nvPr>
+        </p:nvSpPr>
+        <p:spPr/>
+        <p:txBody>
+          <a:bodyPr/>
+          <a:lstStyle/>
+          <a:p>
+            <a:fld id="{B6F15528-21DE-4FAA-801E-634DDDAF4B2B}" type="slidenum">
+              <a:rPr lang="en-US" smtClean="0"/>
+              <a:pPr/>
+              <a:t>31</a:t>
+            </a:fld>
+            <a:endParaRPr lang="en-US"/>
+          </a:p>
+        </p:txBody>
+      </p:sp>
+      <p:sp>
+        <p:nvSpPr>
+          <p:cNvPr id="6" name="Título 4"/>
+          <p:cNvSpPr>
+            <a:spLocks noGrp="1"/>
+          </p:cNvSpPr>
+          <p:nvPr>
+            <p:ph type="title"/>
+          </p:nvPr>
+        </p:nvSpPr>
+        <p:spPr>
+          <a:xfrm>
+            <a:off x="4532395" y="399177"/>
+            <a:ext cx="3527611" cy="365527"/>
+          </a:xfrm>
+        </p:spPr>
+        <p:txBody>
+          <a:bodyPr/>
+          <a:lstStyle/>
+          <a:p>
+            <a:r>
+              <a:rPr lang="pt-PT" err="1"/>
+              <a:t>Container</a:t>
+            </a:r>
+            <a:r>
+              <a:rPr lang="pt-PT"/>
+              <a:t> </a:t>
+            </a:r>
+            <a:r>
+              <a:rPr lang="pt-PT" err="1"/>
+              <a:t>Metrics</a:t>
+            </a:r>
+            <a:r>
+              <a:rPr lang="pt-PT"/>
+              <a:t> </a:t>
+            </a:r>
+            <a:r>
+              <a:rPr lang="pt-PT" err="1"/>
+              <a:t>Reported</a:t>
+            </a:r>
+            <a:endParaRPr lang="pt-PT"/>
+          </a:p>
+        </p:txBody>
+      </p:sp>
+    </p:spTree>
+    <p:extLst>
+      <p:ext uri="{BB962C8B-B14F-4D97-AF65-F5344CB8AC3E}">
+        <p14:creationId xmlns:p14="http://schemas.microsoft.com/office/powerpoint/2010/main" val="653218176"/>
+      </p:ext>
+    </p:extLst>
+  </p:cSld>
+  <p:clrMapOvr>
+    <a:masterClrMapping/>
+  </p:clrMapOvr>
+</p:sld>
+</file>
+
+<file path=ppt/slides/slide32.xml><?xml version="1.0" encoding="utf-8"?>
+<p:sld xmlns:a="http://schemas.openxmlformats.org/drawingml/2006/main" xmlns:r="http://schemas.openxmlformats.org/officeDocument/2006/relationships" xmlns:p="http://schemas.openxmlformats.org/presentationml/2006/main">
+  <p:cSld>
+    <p:spTree>
+      <p:nvGrpSpPr>
+        <p:cNvPr id="1" name=""/>
+        <p:cNvGrpSpPr/>
+        <p:nvPr/>
+      </p:nvGrpSpPr>
+      <p:grpSpPr>
+        <a:xfrm>
+          <a:off x="0" y="0"/>
+          <a:ext cx="0" cy="0"/>
+          <a:chOff x="0" y="0"/>
+          <a:chExt cx="0" cy="0"/>
+        </a:xfrm>
+      </p:grpSpPr>
+      <p:sp>
+        <p:nvSpPr>
+          <p:cNvPr id="2" name="Marcador de Posição de Conteúdo 1"/>
+          <p:cNvSpPr>
+            <a:spLocks noGrp="1"/>
+          </p:cNvSpPr>
+          <p:nvPr>
+            <p:ph idx="1"/>
+          </p:nvPr>
+        </p:nvSpPr>
+        <p:spPr/>
+        <p:txBody>
           <a:bodyPr>
             <a:normAutofit/>
           </a:bodyPr>
@@ -9909,7 +10539,7 @@
             <a:fld id="{B6F15528-21DE-4FAA-801E-634DDDAF4B2B}" type="slidenum">
               <a:rPr lang="en-US" smtClean="0"/>
               <a:pPr/>
-              <a:t>31</a:t>
+              <a:t>32</a:t>
             </a:fld>
             <a:endParaRPr lang="en-US"/>
           </a:p>
@@ -10054,7 +10684,7 @@
 </p:sld>
 </file>
 
-<file path=ppt/slides/slide32.xml><?xml version="1.0" encoding="utf-8"?>
+<file path=ppt/slides/slide33.xml><?xml version="1.0" encoding="utf-8"?>
 <p:sld xmlns:a="http://schemas.openxmlformats.org/drawingml/2006/main" xmlns:r="http://schemas.openxmlformats.org/officeDocument/2006/relationships" xmlns:p="http://schemas.openxmlformats.org/presentationml/2006/main">
   <p:cSld>
     <p:spTree>
@@ -10250,7 +10880,7 @@
             <a:fld id="{B6F15528-21DE-4FAA-801E-634DDDAF4B2B}" type="slidenum">
               <a:rPr lang="en-US" smtClean="0"/>
               <a:pPr/>
-              <a:t>32</a:t>
+              <a:t>33</a:t>
             </a:fld>
             <a:endParaRPr lang="en-US"/>
           </a:p>
@@ -10395,7 +11025,7 @@
 </p:sld>
 </file>
 
-<file path=ppt/slides/slide33.xml><?xml version="1.0" encoding="utf-8"?>
+<file path=ppt/slides/slide34.xml><?xml version="1.0" encoding="utf-8"?>
 <p:sld xmlns:a="http://schemas.openxmlformats.org/drawingml/2006/main" xmlns:r="http://schemas.openxmlformats.org/officeDocument/2006/relationships" xmlns:p="http://schemas.openxmlformats.org/presentationml/2006/main">
   <p:cSld>
     <p:spTree>
@@ -10453,7 +11083,7 @@
             <a:fld id="{B6F15528-21DE-4FAA-801E-634DDDAF4B2B}" type="slidenum">
               <a:rPr lang="en-US" smtClean="0"/>
               <a:pPr/>
-              <a:t>33</a:t>
+              <a:t>34</a:t>
             </a:fld>
             <a:endParaRPr lang="en-US"/>
           </a:p>
@@ -10598,7 +11228,7 @@
 </p:sld>
 </file>
 
-<file path=ppt/slides/slide34.xml><?xml version="1.0" encoding="utf-8"?>
+<file path=ppt/slides/slide35.xml><?xml version="1.0" encoding="utf-8"?>
 <p:sld xmlns:a="http://schemas.openxmlformats.org/drawingml/2006/main" xmlns:r="http://schemas.openxmlformats.org/officeDocument/2006/relationships" xmlns:p="http://schemas.openxmlformats.org/presentationml/2006/main">
   <p:cSld>
     <p:bg>

--- a/documents/ATMOSPHERE_TMA_Framework_usage.pptx
+++ b/documents/ATMOSPHERE_TMA_Framework_usage.pptx
@@ -286,6 +286,45 @@
     </pc:docChg>
   </pc:docChgLst>
   <pc:docChgLst>
+    <pc:chgData name="Utilizador Convidado" providerId="Windows Live" clId="Web-{566E6ACB-294A-440D-A928-836B46D2CF0B}"/>
+    <pc:docChg chg="modSld">
+      <pc:chgData name="Utilizador Convidado" userId="" providerId="Windows Live" clId="Web-{566E6ACB-294A-440D-A928-836B46D2CF0B}" dt="2018-09-14T15:45:33.041" v="11" actId="20577"/>
+      <pc:docMkLst>
+        <pc:docMk/>
+      </pc:docMkLst>
+      <pc:sldChg chg="modSp">
+        <pc:chgData name="Utilizador Convidado" userId="" providerId="Windows Live" clId="Web-{566E6ACB-294A-440D-A928-836B46D2CF0B}" dt="2018-09-14T15:45:03.197" v="7" actId="20577"/>
+        <pc:sldMkLst>
+          <pc:docMk/>
+          <pc:sldMk cId="1929921646" sldId="262"/>
+        </pc:sldMkLst>
+        <pc:spChg chg="mod">
+          <ac:chgData name="Utilizador Convidado" userId="" providerId="Windows Live" clId="Web-{566E6ACB-294A-440D-A928-836B46D2CF0B}" dt="2018-09-14T15:45:03.197" v="7" actId="20577"/>
+          <ac:spMkLst>
+            <pc:docMk/>
+            <pc:sldMk cId="1929921646" sldId="262"/>
+            <ac:spMk id="4" creationId="{00000000-0000-0000-0000-000000000000}"/>
+          </ac:spMkLst>
+        </pc:spChg>
+      </pc:sldChg>
+      <pc:sldChg chg="modSp">
+        <pc:chgData name="Utilizador Convidado" userId="" providerId="Windows Live" clId="Web-{566E6ACB-294A-440D-A928-836B46D2CF0B}" dt="2018-09-14T15:45:33.041" v="10" actId="20577"/>
+        <pc:sldMkLst>
+          <pc:docMk/>
+          <pc:sldMk cId="3350067708" sldId="269"/>
+        </pc:sldMkLst>
+        <pc:spChg chg="mod">
+          <ac:chgData name="Utilizador Convidado" userId="" providerId="Windows Live" clId="Web-{566E6ACB-294A-440D-A928-836B46D2CF0B}" dt="2018-09-14T15:45:33.041" v="10" actId="20577"/>
+          <ac:spMkLst>
+            <pc:docMk/>
+            <pc:sldMk cId="3350067708" sldId="269"/>
+            <ac:spMk id="7" creationId="{00000000-0000-0000-0000-000000000000}"/>
+          </ac:spMkLst>
+        </pc:spChg>
+      </pc:sldChg>
+    </pc:docChg>
+  </pc:docChgLst>
+  <pc:docChgLst>
     <pc:chgData name="Rui Silva" userId="983dbe091f6df825" providerId="Windows Live" clId="Web-{A22F9900-BDA3-480D-9150-FFCC842C65CF}"/>
     <pc:docChg chg="modSld">
       <pc:chgData name="Rui Silva" userId="983dbe091f6df825" providerId="Windows Live" clId="Web-{A22F9900-BDA3-480D-9150-FFCC842C65CF}" dt="2018-09-12T16:15:58.881" v="28" actId="20577"/>
@@ -449,45 +488,6 @@
             <pc:docMk/>
             <pc:sldMk cId="530664432" sldId="296"/>
             <ac:spMk id="6" creationId="{00000000-0000-0000-0000-000000000000}"/>
-          </ac:spMkLst>
-        </pc:spChg>
-      </pc:sldChg>
-    </pc:docChg>
-  </pc:docChgLst>
-  <pc:docChgLst>
-    <pc:chgData name="Utilizador Convidado" providerId="Windows Live" clId="Web-{566E6ACB-294A-440D-A928-836B46D2CF0B}"/>
-    <pc:docChg chg="modSld">
-      <pc:chgData name="Utilizador Convidado" userId="" providerId="Windows Live" clId="Web-{566E6ACB-294A-440D-A928-836B46D2CF0B}" dt="2018-09-14T15:45:33.041" v="11" actId="20577"/>
-      <pc:docMkLst>
-        <pc:docMk/>
-      </pc:docMkLst>
-      <pc:sldChg chg="modSp">
-        <pc:chgData name="Utilizador Convidado" userId="" providerId="Windows Live" clId="Web-{566E6ACB-294A-440D-A928-836B46D2CF0B}" dt="2018-09-14T15:45:03.197" v="7" actId="20577"/>
-        <pc:sldMkLst>
-          <pc:docMk/>
-          <pc:sldMk cId="1929921646" sldId="262"/>
-        </pc:sldMkLst>
-        <pc:spChg chg="mod">
-          <ac:chgData name="Utilizador Convidado" userId="" providerId="Windows Live" clId="Web-{566E6ACB-294A-440D-A928-836B46D2CF0B}" dt="2018-09-14T15:45:03.197" v="7" actId="20577"/>
-          <ac:spMkLst>
-            <pc:docMk/>
-            <pc:sldMk cId="1929921646" sldId="262"/>
-            <ac:spMk id="4" creationId="{00000000-0000-0000-0000-000000000000}"/>
-          </ac:spMkLst>
-        </pc:spChg>
-      </pc:sldChg>
-      <pc:sldChg chg="modSp">
-        <pc:chgData name="Utilizador Convidado" userId="" providerId="Windows Live" clId="Web-{566E6ACB-294A-440D-A928-836B46D2CF0B}" dt="2018-09-14T15:45:33.041" v="10" actId="20577"/>
-        <pc:sldMkLst>
-          <pc:docMk/>
-          <pc:sldMk cId="3350067708" sldId="269"/>
-        </pc:sldMkLst>
-        <pc:spChg chg="mod">
-          <ac:chgData name="Utilizador Convidado" userId="" providerId="Windows Live" clId="Web-{566E6ACB-294A-440D-A928-836B46D2CF0B}" dt="2018-09-14T15:45:33.041" v="10" actId="20577"/>
-          <ac:spMkLst>
-            <pc:docMk/>
-            <pc:sldMk cId="3350067708" sldId="269"/>
-            <ac:spMk id="7" creationId="{00000000-0000-0000-0000-000000000000}"/>
           </ac:spMkLst>
         </pc:spChg>
       </pc:sldChg>
@@ -4711,7 +4711,7 @@
               <a:buNone/>
             </a:pPr>
             <a:r>
-              <a:rPr lang="pt-PT"/>
+              <a:rPr lang="pt-PT" dirty="0"/>
               <a:t>        </a:t>
             </a:r>
           </a:p>
@@ -4720,23 +4720,23 @@
               <a:buNone/>
             </a:pPr>
             <a:r>
-              <a:rPr lang="pt-PT"/>
+              <a:rPr lang="pt-PT" dirty="0"/>
               <a:t>	</a:t>
             </a:r>
             <a:r>
-              <a:rPr lang="pt-PT">
+              <a:rPr lang="pt-PT" dirty="0">
                 <a:hlinkClick r:id="rId2"/>
               </a:rPr>
               <a:t>https://monitor-server-0.monitor-server.default.svc.cluster.local:5000/monitor</a:t>
             </a:r>
             <a:r>
-              <a:rPr lang="pt-PT"/>
+              <a:rPr lang="pt-PT" dirty="0"/>
               <a:t> </a:t>
             </a:r>
           </a:p>
           <a:p>
             <a:pPr fontAlgn="base"/>
-            <a:endParaRPr lang="en-US" sz="1600"/>
+            <a:endParaRPr lang="en-US" sz="1600" dirty="0"/>
           </a:p>
           <a:p>
             <a:pPr fontAlgn="base"/>
@@ -4754,11 +4754,11 @@
           </a:p>
           <a:p>
             <a:pPr lvl="1" fontAlgn="base"/>
-            <a:endParaRPr lang="en-US" sz="1600"/>
+            <a:endParaRPr lang="en-US" sz="1600" dirty="0"/>
           </a:p>
           <a:p>
             <a:pPr lvl="1" fontAlgn="base"/>
-            <a:endParaRPr lang="en-US" sz="1600"/>
+            <a:endParaRPr lang="en-US" sz="1600" dirty="0"/>
           </a:p>
           <a:p>
             <a:pPr fontAlgn="base"/>
@@ -4769,40 +4769,41 @@
           </a:p>
           <a:p>
             <a:pPr fontAlgn="base"/>
-            <a:endParaRPr lang="en-US" sz="1600" u="sng"/>
-          </a:p>
-          <a:p>
-            <a:pPr marL="1828800" lvl="4" indent="0" algn="just" fontAlgn="base">
+            <a:endParaRPr lang="en-US" sz="1600">
+              <a:hlinkClick r:id="rId3"/>
+            </a:endParaRPr>
+          </a:p>
+          <a:p>
+            <a:pPr marL="0" indent="0" algn="ctr" fontAlgn="base">
               <a:buNone/>
             </a:pPr>
-            <a:r>
-              <a:rPr lang="en-US" sz="1600"/>
-              <a:t>               </a:t>
-            </a:r>
             <a:r>
               <a:rPr lang="en-US" sz="1600">
                 <a:hlinkClick r:id="rId3"/>
               </a:rPr>
-              <a:t>https://10.244.1.12:5000/monitor</a:t>
-            </a:r>
-            <a:r>
-              <a:rPr lang="en-US" sz="1600"/>
-              <a:t>  </a:t>
-            </a:r>
+              <a:t>https</a:t>
+            </a:r>
+            <a:r>
+              <a:rPr lang="en-US" sz="1600" dirty="0">
+                <a:hlinkClick r:id="rId3"/>
+              </a:rPr>
+              <a:t>://10.100.166.233:5000/monitor</a:t>
+            </a:r>
+            <a:endParaRPr lang="en-US" sz="1600" dirty="0"/>
           </a:p>
           <a:p>
             <a:pPr fontAlgn="base"/>
-            <a:endParaRPr lang="en-US" sz="1600"/>
+            <a:endParaRPr lang="en-US" sz="1600" dirty="0"/>
           </a:p>
           <a:p>
             <a:pPr marL="457200" lvl="1" indent="0" fontAlgn="base">
               <a:buNone/>
             </a:pPr>
-            <a:endParaRPr lang="pt-PT"/>
+            <a:endParaRPr lang="pt-PT" dirty="0"/>
           </a:p>
           <a:p>
             <a:pPr fontAlgn="base"/>
-            <a:endParaRPr lang="pt-PT"/>
+            <a:endParaRPr lang="pt-PT" dirty="0"/>
           </a:p>
         </p:txBody>
       </p:sp>

--- a/documents/ATMOSPHERE_TMA_Framework_usage.pptx
+++ b/documents/ATMOSPHERE_TMA_Framework_usage.pptx
@@ -5,7 +5,7 @@
     <p:sldMasterId id="2147483664" r:id="rId1"/>
   </p:sldMasterIdLst>
   <p:notesMasterIdLst>
-    <p:notesMasterId r:id="rId37"/>
+    <p:notesMasterId r:id="rId36"/>
   </p:notesMasterIdLst>
   <p:sldIdLst>
     <p:sldId id="262" r:id="rId2"/>
@@ -18,31 +18,30 @@
     <p:sldId id="272" r:id="rId9"/>
     <p:sldId id="273" r:id="rId10"/>
     <p:sldId id="274" r:id="rId11"/>
-    <p:sldId id="275" r:id="rId12"/>
-    <p:sldId id="276" r:id="rId13"/>
-    <p:sldId id="277" r:id="rId14"/>
-    <p:sldId id="278" r:id="rId15"/>
-    <p:sldId id="279" r:id="rId16"/>
-    <p:sldId id="280" r:id="rId17"/>
-    <p:sldId id="281" r:id="rId18"/>
-    <p:sldId id="282" r:id="rId19"/>
-    <p:sldId id="283" r:id="rId20"/>
-    <p:sldId id="284" r:id="rId21"/>
-    <p:sldId id="285" r:id="rId22"/>
-    <p:sldId id="286" r:id="rId23"/>
-    <p:sldId id="287" r:id="rId24"/>
-    <p:sldId id="288" r:id="rId25"/>
-    <p:sldId id="289" r:id="rId26"/>
-    <p:sldId id="297" r:id="rId27"/>
-    <p:sldId id="298" r:id="rId28"/>
-    <p:sldId id="290" r:id="rId29"/>
-    <p:sldId id="291" r:id="rId30"/>
-    <p:sldId id="292" r:id="rId31"/>
-    <p:sldId id="293" r:id="rId32"/>
-    <p:sldId id="294" r:id="rId33"/>
-    <p:sldId id="295" r:id="rId34"/>
-    <p:sldId id="296" r:id="rId35"/>
-    <p:sldId id="264" r:id="rId36"/>
+    <p:sldId id="276" r:id="rId12"/>
+    <p:sldId id="277" r:id="rId13"/>
+    <p:sldId id="278" r:id="rId14"/>
+    <p:sldId id="279" r:id="rId15"/>
+    <p:sldId id="280" r:id="rId16"/>
+    <p:sldId id="281" r:id="rId17"/>
+    <p:sldId id="282" r:id="rId18"/>
+    <p:sldId id="283" r:id="rId19"/>
+    <p:sldId id="284" r:id="rId20"/>
+    <p:sldId id="285" r:id="rId21"/>
+    <p:sldId id="286" r:id="rId22"/>
+    <p:sldId id="287" r:id="rId23"/>
+    <p:sldId id="288" r:id="rId24"/>
+    <p:sldId id="289" r:id="rId25"/>
+    <p:sldId id="297" r:id="rId26"/>
+    <p:sldId id="298" r:id="rId27"/>
+    <p:sldId id="290" r:id="rId28"/>
+    <p:sldId id="291" r:id="rId29"/>
+    <p:sldId id="292" r:id="rId30"/>
+    <p:sldId id="293" r:id="rId31"/>
+    <p:sldId id="294" r:id="rId32"/>
+    <p:sldId id="295" r:id="rId33"/>
+    <p:sldId id="296" r:id="rId34"/>
+    <p:sldId id="264" r:id="rId35"/>
   </p:sldIdLst>
   <p:sldSz cx="9144000" cy="6858000" type="screen4x3"/>
   <p:notesSz cx="6858000" cy="9144000"/>
@@ -578,7 +577,7 @@
           <a:p>
             <a:fld id="{05016906-B6A1-4E52-BE69-9D249F819B11}" type="datetimeFigureOut">
               <a:rPr lang="it-IT" smtClean="0"/>
-              <a:t>17/09/18</a:t>
+              <a:t>28/10/2018</a:t>
             </a:fld>
             <a:endParaRPr lang="it-IT"/>
           </a:p>
@@ -1357,7 +1356,7 @@
             <a:fld id="{1D8BD707-D9CF-40AE-B4C6-C98DA3205C09}" type="datetimeFigureOut">
               <a:rPr lang="en-US" smtClean="0"/>
               <a:pPr/>
-              <a:t>9/17/18</a:t>
+              <a:t>10/28/2018</a:t>
             </a:fld>
             <a:endParaRPr lang="en-US"/>
           </a:p>
@@ -1565,7 +1564,7 @@
             <a:fld id="{1D8BD707-D9CF-40AE-B4C6-C98DA3205C09}" type="datetimeFigureOut">
               <a:rPr lang="en-US" smtClean="0"/>
               <a:pPr/>
-              <a:t>9/17/18</a:t>
+              <a:t>10/28/2018</a:t>
             </a:fld>
             <a:endParaRPr lang="en-US"/>
           </a:p>
@@ -2057,7 +2056,7 @@
             <a:fld id="{1D8BD707-D9CF-40AE-B4C6-C98DA3205C09}" type="datetimeFigureOut">
               <a:rPr lang="en-US" smtClean="0"/>
               <a:pPr/>
-              <a:t>9/17/18</a:t>
+              <a:t>10/28/2018</a:t>
             </a:fld>
             <a:endParaRPr lang="en-US"/>
           </a:p>
@@ -2805,7 +2804,7 @@
             <a:fld id="{1D8BD707-D9CF-40AE-B4C6-C98DA3205C09}" type="datetimeFigureOut">
               <a:rPr lang="en-US" smtClean="0"/>
               <a:pPr/>
-              <a:t>9/17/18</a:t>
+              <a:t>10/28/2018</a:t>
             </a:fld>
             <a:endParaRPr lang="en-US"/>
           </a:p>
@@ -3340,7 +3339,7 @@
             <a:fld id="{1D8BD707-D9CF-40AE-B4C6-C98DA3205C09}" type="datetimeFigureOut">
               <a:rPr lang="en-US" smtClean="0"/>
               <a:pPr/>
-              <a:t>9/17/18</a:t>
+              <a:t>10/28/2018</a:t>
             </a:fld>
             <a:endParaRPr lang="en-US"/>
           </a:p>
@@ -4218,7 +4217,7 @@
           <p:cNvPr id="10" name="CasellaDiTesto 9">
             <a:extLst>
               <a:ext uri="{FF2B5EF4-FFF2-40B4-BE49-F238E27FC236}">
-                <a16:creationId xmlns:a16="http://schemas.microsoft.com/office/drawing/2014/main" id="{ADBFA676-7A39-4B21-A987-A16EAEA08E2B}"/>
+                <a16:creationId xmlns="" xmlns:a16="http://schemas.microsoft.com/office/drawing/2014/main" id="{ADBFA676-7A39-4B21-A987-A16EAEA08E2B}"/>
               </a:ext>
             </a:extLst>
           </p:cNvPr>
@@ -4285,6 +4284,13 @@
   <p:clrMapOvr>
     <a:masterClrMapping/>
   </p:clrMapOvr>
+  <p:timing>
+    <p:tnLst>
+      <p:par>
+        <p:cTn id="1" dur="indefinite" restart="never" nodeType="tmRoot"/>
+      </p:par>
+    </p:tnLst>
+  </p:timing>
 </p:sld>
 </file>
 
@@ -4322,7 +4328,7 @@
           <a:p>
             <a:fld id="{BB2FBFAD-36C6-4EAF-BC61-E3B691D16EB1}" type="datetime1">
               <a:rPr lang="en-US" smtClean="0"/>
-              <a:t>9/17/18</a:t>
+              <a:t>10/28/2018</a:t>
             </a:fld>
             <a:endParaRPr lang="en-US"/>
           </a:p>
@@ -4412,7 +4418,7 @@
               <a:buNone/>
             </a:pPr>
             <a:r>
-              <a:rPr lang="pt-PT" sz="1600" b="1"/>
+              <a:rPr lang="pt-PT" sz="1600" b="1" dirty="0"/>
               <a:t>Master Node</a:t>
             </a:r>
           </a:p>
@@ -4420,42 +4426,42 @@
             <a:pPr marL="0" indent="0">
               <a:buNone/>
             </a:pPr>
-            <a:endParaRPr lang="pt-PT" sz="1600" b="1"/>
+            <a:endParaRPr lang="pt-PT" sz="1600" b="1" dirty="0"/>
           </a:p>
           <a:p>
             <a:pPr fontAlgn="base"/>
             <a:r>
-              <a:rPr lang="pt-PT" err="1"/>
+              <a:rPr lang="pt-PT" dirty="0" err="1"/>
               <a:t>Deployment</a:t>
             </a:r>
             <a:r>
-              <a:rPr lang="pt-PT"/>
+              <a:rPr lang="pt-PT" dirty="0"/>
               <a:t> </a:t>
             </a:r>
             <a:r>
-              <a:rPr lang="pt-PT" err="1"/>
+              <a:rPr lang="pt-PT" dirty="0" err="1"/>
               <a:t>of</a:t>
             </a:r>
             <a:r>
-              <a:rPr lang="pt-PT"/>
+              <a:rPr lang="pt-PT" dirty="0"/>
               <a:t> Monitor</a:t>
             </a:r>
           </a:p>
           <a:p>
             <a:pPr fontAlgn="base"/>
-            <a:endParaRPr lang="pt-PT"/>
+            <a:endParaRPr lang="pt-PT" dirty="0"/>
           </a:p>
           <a:p>
             <a:pPr fontAlgn="base"/>
-            <a:endParaRPr lang="pt-PT"/>
+            <a:endParaRPr lang="pt-PT" dirty="0"/>
           </a:p>
           <a:p>
             <a:pPr fontAlgn="base"/>
-            <a:endParaRPr lang="en-US" sz="1600"/>
+            <a:endParaRPr lang="en-US" sz="1600" dirty="0"/>
           </a:p>
           <a:p>
             <a:pPr fontAlgn="base"/>
-            <a:endParaRPr lang="en-US" sz="1600"/>
+            <a:endParaRPr lang="en-US" sz="1600" dirty="0"/>
           </a:p>
           <a:p>
             <a:pPr fontAlgn="base">
@@ -4464,30 +4470,12 @@
               </a:lnSpc>
             </a:pPr>
             <a:r>
-              <a:rPr lang="en-US" sz="1600"/>
-              <a:t>With Monitor deployed, it can be accessed by two endpoints:</a:t>
-            </a:r>
-          </a:p>
-          <a:p>
-            <a:pPr lvl="1" fontAlgn="base">
-              <a:lnSpc>
-                <a:spcPct val="150000"/>
-              </a:lnSpc>
-            </a:pPr>
-            <a:r>
-              <a:rPr lang="en-US" sz="1600"/>
-              <a:t>Inside Kubernetes Cluster</a:t>
-            </a:r>
-          </a:p>
-          <a:p>
-            <a:pPr lvl="1" fontAlgn="base">
-              <a:lnSpc>
-                <a:spcPct val="150000"/>
-              </a:lnSpc>
-            </a:pPr>
-            <a:r>
-              <a:rPr lang="en-US" sz="1600"/>
-              <a:t>Outside Kubernetes Cluster</a:t>
+              <a:rPr lang="en-US" sz="1600" dirty="0"/>
+              <a:t>With Monitor deployed, it can be accessed by </a:t>
+            </a:r>
+            <a:r>
+              <a:rPr lang="en-US" sz="1600" dirty="0" smtClean="0"/>
+              <a:t>the following endpoint:</a:t>
             </a:r>
           </a:p>
           <a:p>
@@ -4497,11 +4485,64 @@
               </a:lnSpc>
               <a:buNone/>
             </a:pPr>
-            <a:endParaRPr lang="pt-PT"/>
+            <a:endParaRPr lang="en-US" sz="1600" dirty="0" smtClean="0"/>
+          </a:p>
+          <a:p>
+            <a:pPr marL="0" lvl="0" indent="0" algn="ctr" fontAlgn="base">
+              <a:buNone/>
+            </a:pPr>
+            <a:r>
+              <a:rPr lang="pt-PT" dirty="0">
+                <a:solidFill>
+                  <a:srgbClr val="515151">
+                    <a:lumMod val="75000"/>
+                  </a:srgbClr>
+                </a:solidFill>
+                <a:hlinkClick r:id="rId2"/>
+              </a:rPr>
+              <a:t>https://</a:t>
+            </a:r>
+            <a:r>
+              <a:rPr lang="pt-PT" dirty="0" smtClean="0">
+                <a:solidFill>
+                  <a:srgbClr val="515151">
+                    <a:lumMod val="75000"/>
+                  </a:srgbClr>
+                </a:solidFill>
+                <a:hlinkClick r:id="rId2"/>
+              </a:rPr>
+              <a:t>IP_MASTER:32025/monitor</a:t>
+            </a:r>
+            <a:r>
+              <a:rPr lang="pt-PT" dirty="0" smtClean="0">
+                <a:solidFill>
+                  <a:srgbClr val="515151">
+                    <a:lumMod val="75000"/>
+                  </a:srgbClr>
+                </a:solidFill>
+              </a:rPr>
+              <a:t> </a:t>
+            </a:r>
+            <a:endParaRPr lang="pt-PT" dirty="0">
+              <a:solidFill>
+                <a:srgbClr val="515151">
+                  <a:lumMod val="75000"/>
+                </a:srgbClr>
+              </a:solidFill>
+            </a:endParaRPr>
+          </a:p>
+          <a:p>
+            <a:pPr marL="0" indent="0" fontAlgn="base">
+              <a:lnSpc>
+                <a:spcPct val="150000"/>
+              </a:lnSpc>
+              <a:buNone/>
+            </a:pPr>
+            <a:endParaRPr lang="pt-PT" dirty="0" smtClean="0"/>
           </a:p>
           <a:p>
             <a:pPr fontAlgn="base"/>
-            <a:endParaRPr lang="pt-PT"/>
+            <a:endParaRPr lang="pt-PT" dirty="0"/>
           </a:p>
         </p:txBody>
       </p:sp>
@@ -4514,7 +4555,7 @@
           <p:nvPr/>
         </p:nvPicPr>
         <p:blipFill>
-          <a:blip r:embed="rId2">
+          <a:blip r:embed="rId3">
             <a:extLst>
               <a:ext uri="{28A0092B-C50C-407E-A947-70E740481C1C}">
                 <a14:useLocalDpi xmlns:a14="http://schemas.microsoft.com/office/drawing/2010/main" val="0"/>
@@ -4556,6 +4597,13 @@
   <p:clrMapOvr>
     <a:masterClrMapping/>
   </p:clrMapOvr>
+  <p:timing>
+    <p:tnLst>
+      <p:par>
+        <p:cTn id="1" dur="indefinite" restart="never" nodeType="tmRoot"/>
+      </p:par>
+    </p:tnLst>
+  </p:timing>
 </p:sld>
 </file>
 
@@ -4591,9 +4639,9 @@
           <a:bodyPr/>
           <a:lstStyle/>
           <a:p>
-            <a:fld id="{5A54DB44-2A1D-4B4F-B9CB-061E165B3EB3}" type="datetime1">
+            <a:fld id="{A2391675-04AE-4E53-A05C-A09F82C85312}" type="datetime1">
               <a:rPr lang="en-US" smtClean="0"/>
-              <a:t>9/17/18</a:t>
+              <a:t>10/28/2018</a:t>
             </a:fld>
             <a:endParaRPr lang="en-US"/>
           </a:p>
@@ -4625,239 +4673,83 @@
       </p:sp>
       <p:sp>
         <p:nvSpPr>
-          <p:cNvPr id="6" name="Título 6"/>
-          <p:cNvSpPr>
-            <a:spLocks noGrp="1"/>
-          </p:cNvSpPr>
-          <p:nvPr>
-            <p:ph type="title"/>
-          </p:nvPr>
+          <p:cNvPr id="6" name="Retângulo 5"/>
+          <p:cNvSpPr/>
+          <p:nvPr/>
         </p:nvSpPr>
         <p:spPr>
           <a:xfrm>
-            <a:off x="4532395" y="399177"/>
-            <a:ext cx="3331963" cy="365527"/>
-          </a:xfrm>
-        </p:spPr>
-        <p:txBody>
-          <a:bodyPr/>
-          <a:lstStyle/>
-          <a:p>
-            <a:r>
-              <a:rPr lang="pt-PT" dirty="0" err="1"/>
-              <a:t>TMA_Monitor</a:t>
-            </a:r>
-            <a:r>
-              <a:rPr lang="pt-PT" dirty="0"/>
-              <a:t> </a:t>
-            </a:r>
-            <a:r>
-              <a:rPr lang="pt-PT" dirty="0" err="1"/>
-              <a:t>Deployment</a:t>
-            </a:r>
-            <a:endParaRPr lang="pt-PT" dirty="0"/>
-          </a:p>
-        </p:txBody>
-      </p:sp>
-      <p:sp>
-        <p:nvSpPr>
-          <p:cNvPr id="7" name="Marcador de Posição de Conteúdo 1"/>
-          <p:cNvSpPr>
-            <a:spLocks noGrp="1"/>
-          </p:cNvSpPr>
-          <p:nvPr>
-            <p:ph idx="1"/>
-          </p:nvPr>
-        </p:nvSpPr>
-        <p:spPr>
-          <a:xfrm>
-            <a:off x="457200" y="1772816"/>
-            <a:ext cx="8229600" cy="4124747"/>
-          </a:xfrm>
-        </p:spPr>
-        <p:txBody>
-          <a:bodyPr/>
-          <a:lstStyle/>
-          <a:p>
-            <a:pPr marL="0" indent="0">
-              <a:buNone/>
-            </a:pPr>
-            <a:r>
-              <a:rPr lang="pt-PT" sz="1600" b="1" dirty="0"/>
-              <a:t>Master Node</a:t>
-            </a:r>
-          </a:p>
-          <a:p>
-            <a:pPr fontAlgn="base"/>
-            <a:r>
-              <a:rPr lang="pt-PT" dirty="0" err="1"/>
-              <a:t>Inside</a:t>
-            </a:r>
-            <a:r>
-              <a:rPr lang="pt-PT" dirty="0"/>
-              <a:t> </a:t>
-            </a:r>
-            <a:r>
-              <a:rPr lang="pt-PT" dirty="0" err="1"/>
-              <a:t>Kubernetes</a:t>
-            </a:r>
-            <a:r>
-              <a:rPr lang="pt-PT" dirty="0"/>
-              <a:t> Cluster</a:t>
-            </a:r>
-          </a:p>
-          <a:p>
-            <a:pPr marL="0" indent="0" fontAlgn="base">
-              <a:buNone/>
-            </a:pPr>
-            <a:r>
-              <a:rPr lang="pt-PT" dirty="0"/>
-              <a:t>        </a:t>
-            </a:r>
-          </a:p>
-          <a:p>
-            <a:pPr marL="0" indent="0" algn="ctr" fontAlgn="base">
-              <a:buNone/>
-            </a:pPr>
-            <a:r>
-              <a:rPr lang="pt-PT" dirty="0"/>
-              <a:t>	</a:t>
-            </a:r>
-            <a:r>
-              <a:rPr lang="pt-PT" dirty="0">
-                <a:hlinkClick r:id="rId2"/>
-              </a:rPr>
-              <a:t>https://monitor-server-0.monitor-server.default.svc.cluster.local:5000/monitor</a:t>
-            </a:r>
-            <a:r>
-              <a:rPr lang="pt-PT" dirty="0"/>
-              <a:t> </a:t>
-            </a:r>
-          </a:p>
-          <a:p>
-            <a:pPr fontAlgn="base"/>
-            <a:endParaRPr lang="en-US" sz="1600" dirty="0"/>
-          </a:p>
-          <a:p>
-            <a:pPr fontAlgn="base"/>
-            <a:r>
-              <a:rPr lang="en-US" sz="1600" dirty="0"/>
-              <a:t>Outside Kubernetes Cluster</a:t>
-            </a:r>
-          </a:p>
-          <a:p>
-            <a:pPr lvl="1" fontAlgn="base"/>
-            <a:r>
-              <a:rPr lang="en-US" sz="1600" dirty="0"/>
-              <a:t>For instance, to check the Monitor pod IP:</a:t>
-            </a:r>
-          </a:p>
-          <a:p>
-            <a:pPr lvl="1" fontAlgn="base"/>
-            <a:endParaRPr lang="en-US" sz="1600" dirty="0"/>
-          </a:p>
-          <a:p>
-            <a:pPr lvl="1" fontAlgn="base"/>
-            <a:endParaRPr lang="en-US" sz="1600" dirty="0"/>
-          </a:p>
-          <a:p>
-            <a:pPr fontAlgn="base"/>
-            <a:r>
-              <a:rPr lang="en-US" sz="1600" dirty="0"/>
-              <a:t>To access Monitor, the endpoint is: </a:t>
-            </a:r>
-          </a:p>
-          <a:p>
-            <a:pPr fontAlgn="base"/>
-            <a:endParaRPr lang="en-US" sz="1600">
-              <a:hlinkClick r:id="rId3"/>
-            </a:endParaRPr>
-          </a:p>
-          <a:p>
-            <a:pPr marL="0" indent="0" algn="ctr" fontAlgn="base">
-              <a:buNone/>
-            </a:pPr>
-            <a:r>
-              <a:rPr lang="en-US" sz="1600">
-                <a:hlinkClick r:id="rId3"/>
-              </a:rPr>
-              <a:t>https</a:t>
-            </a:r>
-            <a:r>
-              <a:rPr lang="en-US" sz="1600" dirty="0">
-                <a:hlinkClick r:id="rId3"/>
-              </a:rPr>
-              <a:t>://10.100.166.233:5000/monitor</a:t>
-            </a:r>
-            <a:endParaRPr lang="en-US" sz="1600" dirty="0"/>
-          </a:p>
-          <a:p>
-            <a:pPr fontAlgn="base"/>
-            <a:endParaRPr lang="en-US" sz="1600" dirty="0"/>
-          </a:p>
-          <a:p>
-            <a:pPr marL="457200" lvl="1" indent="0" fontAlgn="base">
-              <a:buNone/>
-            </a:pPr>
-            <a:endParaRPr lang="pt-PT" dirty="0"/>
-          </a:p>
-          <a:p>
-            <a:pPr fontAlgn="base"/>
-            <a:endParaRPr lang="pt-PT" dirty="0"/>
-          </a:p>
-        </p:txBody>
-      </p:sp>
-      <p:pic>
-        <p:nvPicPr>
-          <p:cNvPr id="3074" name="Picture 2" descr="https://lh5.googleusercontent.com/kpl6S2UjNhXia0HfcBPXkp3CsSsQN6f2d3fMIZQ6N0PiFYnUZrg8Rz-g303RG6xck8_AwW7tF9jQwdDLE2ueXJU6GxshmqjKqBIntEf5MAYGyOII1_y9UtOyoeX3nUGDoYdIKWQ_cTI"/>
-          <p:cNvPicPr>
-            <a:picLocks noChangeAspect="1" noChangeArrowheads="1"/>
-          </p:cNvPicPr>
-          <p:nvPr/>
-        </p:nvPicPr>
-        <p:blipFill>
-          <a:blip r:embed="rId4">
-            <a:extLst>
-              <a:ext uri="{28A0092B-C50C-407E-A947-70E740481C1C}">
-                <a14:useLocalDpi xmlns:a14="http://schemas.microsoft.com/office/drawing/2010/main" val="0"/>
-              </a:ext>
-            </a:extLst>
-          </a:blip>
-          <a:srcRect/>
-          <a:stretch>
-            <a:fillRect/>
-          </a:stretch>
-        </p:blipFill>
-        <p:spPr bwMode="auto">
-          <a:xfrm>
-            <a:off x="82098" y="3933056"/>
-            <a:ext cx="8979804" cy="212614"/>
+            <a:off x="2521332" y="2996952"/>
+            <a:ext cx="4083170" cy="707886"/>
           </a:xfrm>
           <a:prstGeom prst="rect">
             <a:avLst/>
           </a:prstGeom>
-          <a:noFill/>
-          <a:extLst>
-            <a:ext uri="{909E8E84-426E-40DD-AFC4-6F175D3DCCD1}">
-              <a14:hiddenFill xmlns:a14="http://schemas.microsoft.com/office/drawing/2010/main">
+        </p:spPr>
+        <p:txBody>
+          <a:bodyPr wrap="none">
+            <a:spAutoFit/>
+          </a:bodyPr>
+          <a:lstStyle/>
+          <a:p>
+            <a:pPr marL="742950" indent="-742950" algn="ctr" fontAlgn="base">
+              <a:buFont typeface="+mj-lt"/>
+              <a:buAutoNum type="arabicPeriod" startAt="3"/>
+            </a:pPr>
+            <a:r>
+              <a:rPr lang="pt-PT" sz="4000" dirty="0" err="1">
                 <a:solidFill>
-                  <a:srgbClr val="FFFFFF"/>
+                  <a:srgbClr val="262626"/>
                 </a:solidFill>
-              </a14:hiddenFill>
-            </a:ext>
-          </a:extLst>
-        </p:spPr>
-      </p:pic>
+                <a:latin typeface="Century Gothic" panose="020B0502020202020204" pitchFamily="34" charset="0"/>
+              </a:rPr>
+              <a:t>Client</a:t>
+            </a:r>
+            <a:r>
+              <a:rPr lang="pt-PT" sz="4000" dirty="0">
+                <a:solidFill>
+                  <a:srgbClr val="262626"/>
+                </a:solidFill>
+                <a:latin typeface="Century Gothic" panose="020B0502020202020204" pitchFamily="34" charset="0"/>
+              </a:rPr>
+              <a:t> </a:t>
+            </a:r>
+            <a:r>
+              <a:rPr lang="pt-PT" sz="4000" dirty="0" err="1">
+                <a:solidFill>
+                  <a:srgbClr val="262626"/>
+                </a:solidFill>
+                <a:latin typeface="Century Gothic" panose="020B0502020202020204" pitchFamily="34" charset="0"/>
+              </a:rPr>
+              <a:t>Usage</a:t>
+            </a:r>
+            <a:endParaRPr lang="pt-PT" sz="4000" b="0" i="0" u="none" strike="noStrike" dirty="0">
+              <a:solidFill>
+                <a:srgbClr val="A53010"/>
+              </a:solidFill>
+              <a:effectLst/>
+              <a:latin typeface="Century Gothic" panose="020B0502020202020204" pitchFamily="34" charset="0"/>
+            </a:endParaRPr>
+          </a:p>
+        </p:txBody>
+      </p:sp>
     </p:spTree>
     <p:extLst>
       <p:ext uri="{BB962C8B-B14F-4D97-AF65-F5344CB8AC3E}">
-        <p14:creationId xmlns:p14="http://schemas.microsoft.com/office/powerpoint/2010/main" val="1170090262"/>
+        <p14:creationId xmlns:p14="http://schemas.microsoft.com/office/powerpoint/2010/main" val="1812723119"/>
       </p:ext>
     </p:extLst>
   </p:cSld>
   <p:clrMapOvr>
     <a:masterClrMapping/>
   </p:clrMapOvr>
+  <p:timing>
+    <p:tnLst>
+      <p:par>
+        <p:cTn id="1" dur="indefinite" restart="never" nodeType="tmRoot"/>
+      </p:par>
+    </p:tnLst>
+  </p:timing>
 </p:sld>
 </file>
 
@@ -4880,145 +4772,6 @@
       </p:grpSpPr>
       <p:sp>
         <p:nvSpPr>
-          <p:cNvPr id="3" name="Marcador de Posição da Data 2"/>
-          <p:cNvSpPr>
-            <a:spLocks noGrp="1"/>
-          </p:cNvSpPr>
-          <p:nvPr>
-            <p:ph type="dt" sz="half" idx="10"/>
-          </p:nvPr>
-        </p:nvSpPr>
-        <p:spPr/>
-        <p:txBody>
-          <a:bodyPr/>
-          <a:lstStyle/>
-          <a:p>
-            <a:fld id="{A2391675-04AE-4E53-A05C-A09F82C85312}" type="datetime1">
-              <a:rPr lang="en-US" smtClean="0"/>
-              <a:t>9/17/18</a:t>
-            </a:fld>
-            <a:endParaRPr lang="en-US"/>
-          </a:p>
-        </p:txBody>
-      </p:sp>
-      <p:sp>
-        <p:nvSpPr>
-          <p:cNvPr id="4" name="Marcador de Posição do Número do Diapositivo 3"/>
-          <p:cNvSpPr>
-            <a:spLocks noGrp="1"/>
-          </p:cNvSpPr>
-          <p:nvPr>
-            <p:ph type="sldNum" sz="quarter" idx="12"/>
-          </p:nvPr>
-        </p:nvSpPr>
-        <p:spPr/>
-        <p:txBody>
-          <a:bodyPr/>
-          <a:lstStyle/>
-          <a:p>
-            <a:fld id="{B6F15528-21DE-4FAA-801E-634DDDAF4B2B}" type="slidenum">
-              <a:rPr lang="en-US" smtClean="0"/>
-              <a:pPr/>
-              <a:t>12</a:t>
-            </a:fld>
-            <a:endParaRPr lang="en-US"/>
-          </a:p>
-        </p:txBody>
-      </p:sp>
-      <p:sp>
-        <p:nvSpPr>
-          <p:cNvPr id="6" name="Retângulo 5"/>
-          <p:cNvSpPr/>
-          <p:nvPr/>
-        </p:nvSpPr>
-        <p:spPr>
-          <a:xfrm>
-            <a:off x="2521332" y="2996952"/>
-            <a:ext cx="4083170" cy="707886"/>
-          </a:xfrm>
-          <a:prstGeom prst="rect">
-            <a:avLst/>
-          </a:prstGeom>
-        </p:spPr>
-        <p:txBody>
-          <a:bodyPr wrap="none">
-            <a:spAutoFit/>
-          </a:bodyPr>
-          <a:lstStyle/>
-          <a:p>
-            <a:pPr marL="742950" indent="-742950" algn="ctr" fontAlgn="base">
-              <a:buFont typeface="+mj-lt"/>
-              <a:buAutoNum type="arabicPeriod" startAt="3"/>
-            </a:pPr>
-            <a:r>
-              <a:rPr lang="pt-PT" sz="4000" dirty="0" err="1">
-                <a:solidFill>
-                  <a:srgbClr val="262626"/>
-                </a:solidFill>
-                <a:latin typeface="Century Gothic" panose="020B0502020202020204" pitchFamily="34" charset="0"/>
-              </a:rPr>
-              <a:t>Client</a:t>
-            </a:r>
-            <a:r>
-              <a:rPr lang="pt-PT" sz="4000" dirty="0">
-                <a:solidFill>
-                  <a:srgbClr val="262626"/>
-                </a:solidFill>
-                <a:latin typeface="Century Gothic" panose="020B0502020202020204" pitchFamily="34" charset="0"/>
-              </a:rPr>
-              <a:t> </a:t>
-            </a:r>
-            <a:r>
-              <a:rPr lang="pt-PT" sz="4000" dirty="0" err="1">
-                <a:solidFill>
-                  <a:srgbClr val="262626"/>
-                </a:solidFill>
-                <a:latin typeface="Century Gothic" panose="020B0502020202020204" pitchFamily="34" charset="0"/>
-              </a:rPr>
-              <a:t>Usage</a:t>
-            </a:r>
-            <a:endParaRPr lang="pt-PT" sz="4000" b="0" i="0" u="none" strike="noStrike" dirty="0">
-              <a:solidFill>
-                <a:srgbClr val="A53010"/>
-              </a:solidFill>
-              <a:effectLst/>
-              <a:latin typeface="Century Gothic" panose="020B0502020202020204" pitchFamily="34" charset="0"/>
-            </a:endParaRPr>
-          </a:p>
-        </p:txBody>
-      </p:sp>
-    </p:spTree>
-    <p:extLst>
-      <p:ext uri="{BB962C8B-B14F-4D97-AF65-F5344CB8AC3E}">
-        <p14:creationId xmlns:p14="http://schemas.microsoft.com/office/powerpoint/2010/main" val="1812723119"/>
-      </p:ext>
-    </p:extLst>
-  </p:cSld>
-  <p:clrMapOvr>
-    <a:masterClrMapping/>
-  </p:clrMapOvr>
-</p:sld>
-</file>
-
-<file path=ppt/slides/slide13.xml><?xml version="1.0" encoding="utf-8"?>
-<p:sld xmlns:a="http://schemas.openxmlformats.org/drawingml/2006/main" xmlns:r="http://schemas.openxmlformats.org/officeDocument/2006/relationships" xmlns:p="http://schemas.openxmlformats.org/presentationml/2006/main">
-  <p:cSld>
-    <p:spTree>
-      <p:nvGrpSpPr>
-        <p:cNvPr id="1" name=""/>
-        <p:cNvGrpSpPr/>
-        <p:nvPr/>
-      </p:nvGrpSpPr>
-      <p:grpSpPr>
-        <a:xfrm>
-          <a:off x="0" y="0"/>
-          <a:ext cx="0" cy="0"/>
-          <a:chOff x="0" y="0"/>
-          <a:chExt cx="0" cy="0"/>
-        </a:xfrm>
-      </p:grpSpPr>
-      <p:sp>
-        <p:nvSpPr>
           <p:cNvPr id="2" name="Marcador de Posição de Conteúdo 1"/>
           <p:cNvSpPr>
             <a:spLocks noGrp="1"/>
@@ -5162,7 +4915,7 @@
           <a:p>
             <a:fld id="{59369529-FDEC-4F1E-9863-2D97A31EC001}" type="datetime1">
               <a:rPr lang="en-US" smtClean="0"/>
-              <a:t>9/17/18</a:t>
+              <a:t>10/28/2018</a:t>
             </a:fld>
             <a:endParaRPr lang="en-US"/>
           </a:p>
@@ -5186,7 +4939,7 @@
             <a:fld id="{B6F15528-21DE-4FAA-801E-634DDDAF4B2B}" type="slidenum">
               <a:rPr lang="en-US" smtClean="0"/>
               <a:pPr/>
-              <a:t>13</a:t>
+              <a:t>12</a:t>
             </a:fld>
             <a:endParaRPr lang="en-US"/>
           </a:p>
@@ -5315,10 +5068,17 @@
   <p:clrMapOvr>
     <a:masterClrMapping/>
   </p:clrMapOvr>
+  <p:timing>
+    <p:tnLst>
+      <p:par>
+        <p:cTn id="1" dur="indefinite" restart="never" nodeType="tmRoot"/>
+      </p:par>
+    </p:tnLst>
+  </p:timing>
 </p:sld>
 </file>
 
-<file path=ppt/slides/slide14.xml><?xml version="1.0" encoding="utf-8"?>
+<file path=ppt/slides/slide13.xml><?xml version="1.0" encoding="utf-8"?>
 <p:sld xmlns:a="http://schemas.openxmlformats.org/drawingml/2006/main" xmlns:r="http://schemas.openxmlformats.org/officeDocument/2006/relationships" xmlns:p="http://schemas.openxmlformats.org/presentationml/2006/main">
   <p:cSld>
     <p:spTree>
@@ -5357,13 +5117,10 @@
               <a:buNone/>
             </a:pPr>
             <a:r>
-              <a:rPr lang="pt-PT" sz="1600" b="1" err="1"/>
-              <a:t>Worker</a:t>
-            </a:r>
-            <a:r>
-              <a:rPr lang="pt-PT" sz="1600" b="1"/>
-              <a:t> Node</a:t>
-            </a:r>
+              <a:rPr lang="pt-PT" sz="1600" b="1" dirty="0" smtClean="0"/>
+              <a:t>Master Node</a:t>
+            </a:r>
+            <a:endParaRPr lang="pt-PT" sz="1600" b="1" dirty="0"/>
           </a:p>
           <a:p>
             <a:pPr>
@@ -5372,26 +5129,26 @@
               </a:lnSpc>
             </a:pPr>
             <a:r>
-              <a:rPr lang="pt-PT" err="1"/>
+              <a:rPr lang="pt-PT" dirty="0" err="1"/>
               <a:t>Deployment</a:t>
             </a:r>
             <a:r>
-              <a:rPr lang="pt-PT"/>
+              <a:rPr lang="pt-PT" dirty="0"/>
               <a:t> </a:t>
             </a:r>
             <a:r>
-              <a:rPr lang="pt-PT" err="1"/>
+              <a:rPr lang="pt-PT" dirty="0" err="1"/>
               <a:t>of</a:t>
             </a:r>
             <a:r>
-              <a:rPr lang="pt-PT"/>
+              <a:rPr lang="pt-PT" dirty="0"/>
               <a:t> </a:t>
             </a:r>
             <a:r>
-              <a:rPr lang="pt-PT" err="1"/>
+              <a:rPr lang="pt-PT" dirty="0" err="1"/>
               <a:t>Probe</a:t>
             </a:r>
-            <a:endParaRPr lang="pt-PT"/>
+            <a:endParaRPr lang="pt-PT" dirty="0"/>
           </a:p>
           <a:p>
             <a:pPr marL="0" indent="0">
@@ -5400,7 +5157,7 @@
               </a:lnSpc>
               <a:buNone/>
             </a:pPr>
-            <a:endParaRPr lang="pt-PT"/>
+            <a:endParaRPr lang="pt-PT" dirty="0"/>
           </a:p>
           <a:p>
             <a:pPr marL="0" indent="0">
@@ -5409,7 +5166,7 @@
               </a:lnSpc>
               <a:buNone/>
             </a:pPr>
-            <a:endParaRPr lang="pt-PT" sz="1600" b="1"/>
+            <a:endParaRPr lang="pt-PT" sz="1600" b="1" dirty="0"/>
           </a:p>
           <a:p>
             <a:pPr marL="0" indent="0">
@@ -5419,10 +5176,10 @@
               <a:buNone/>
             </a:pPr>
             <a:r>
-              <a:rPr lang="pt-PT" sz="1600" b="1" err="1"/>
+              <a:rPr lang="pt-PT" sz="1600" b="1" dirty="0" err="1"/>
               <a:t>Testing</a:t>
             </a:r>
-            <a:endParaRPr lang="pt-PT"/>
+            <a:endParaRPr lang="pt-PT" dirty="0"/>
           </a:p>
           <a:p>
             <a:pPr>
@@ -5431,7 +5188,7 @@
               </a:lnSpc>
             </a:pPr>
             <a:r>
-              <a:rPr lang="en-US"/>
+              <a:rPr lang="en-US" dirty="0"/>
               <a:t>Start an Apache Kafka consumer that receives all monitor data inside Apache Kafka pod.</a:t>
             </a:r>
           </a:p>
@@ -5439,10 +5196,10 @@
             <a:pPr marL="0" indent="0">
               <a:buNone/>
             </a:pPr>
-            <a:endParaRPr lang="pt-PT"/>
-          </a:p>
-          <a:p>
-            <a:endParaRPr lang="pt-PT"/>
+            <a:endParaRPr lang="pt-PT" dirty="0"/>
+          </a:p>
+          <a:p>
+            <a:endParaRPr lang="pt-PT" dirty="0"/>
           </a:p>
         </p:txBody>
       </p:sp>
@@ -5463,7 +5220,7 @@
           <a:p>
             <a:fld id="{3BCA0E88-FF4E-44D7-8622-2E94978C22BC}" type="datetime1">
               <a:rPr lang="en-US" smtClean="0"/>
-              <a:t>9/17/18</a:t>
+              <a:t>10/28/2018</a:t>
             </a:fld>
             <a:endParaRPr lang="en-US"/>
           </a:p>
@@ -5487,7 +5244,7 @@
             <a:fld id="{B6F15528-21DE-4FAA-801E-634DDDAF4B2B}" type="slidenum">
               <a:rPr lang="en-US" smtClean="0"/>
               <a:pPr/>
-              <a:t>14</a:t>
+              <a:t>13</a:t>
             </a:fld>
             <a:endParaRPr lang="en-US"/>
           </a:p>
@@ -5572,43 +5329,26 @@
       </p:pic>
       <p:pic>
         <p:nvPicPr>
-          <p:cNvPr id="5124" name="Picture 4" descr="https://lh4.googleusercontent.com/xQM58pC8SLccPwEx02ypEzZq2Fv80VFJ3TDxRhoSkZSB-bZjDiyvI6LJ8afYdAVGSRHyEE8eagQDyP5HdOAlFpGi33ORm3nan5zAVo-3a7ZU9adLnFLjntWw15qQhf1qeviNV6cn9K8"/>
+          <p:cNvPr id="5" name="Imagem 4"/>
           <p:cNvPicPr>
-            <a:picLocks noChangeAspect="1" noChangeArrowheads="1"/>
+            <a:picLocks noChangeAspect="1"/>
           </p:cNvPicPr>
           <p:nvPr/>
         </p:nvPicPr>
         <p:blipFill>
-          <a:blip r:embed="rId3">
-            <a:extLst>
-              <a:ext uri="{28A0092B-C50C-407E-A947-70E740481C1C}">
-                <a14:useLocalDpi xmlns:a14="http://schemas.microsoft.com/office/drawing/2010/main" val="0"/>
-              </a:ext>
-            </a:extLst>
-          </a:blip>
-          <a:srcRect/>
+          <a:blip r:embed="rId3"/>
           <a:stretch>
             <a:fillRect/>
           </a:stretch>
         </p:blipFill>
-        <p:spPr bwMode="auto">
+        <p:spPr>
           <a:xfrm>
-            <a:off x="57051" y="4509120"/>
-            <a:ext cx="8950687" cy="242183"/>
+            <a:off x="0" y="4565716"/>
+            <a:ext cx="9144000" cy="252301"/>
           </a:xfrm>
           <a:prstGeom prst="rect">
             <a:avLst/>
           </a:prstGeom>
-          <a:noFill/>
-          <a:extLst>
-            <a:ext uri="{909E8E84-426E-40DD-AFC4-6F175D3DCCD1}">
-              <a14:hiddenFill xmlns:a14="http://schemas.microsoft.com/office/drawing/2010/main">
-                <a:solidFill>
-                  <a:srgbClr val="FFFFFF"/>
-                </a:solidFill>
-              </a14:hiddenFill>
-            </a:ext>
-          </a:extLst>
         </p:spPr>
       </p:pic>
     </p:spTree>
@@ -5621,10 +5361,17 @@
   <p:clrMapOvr>
     <a:masterClrMapping/>
   </p:clrMapOvr>
+  <p:timing>
+    <p:tnLst>
+      <p:par>
+        <p:cTn id="1" dur="indefinite" restart="never" nodeType="tmRoot"/>
+      </p:par>
+    </p:tnLst>
+  </p:timing>
 </p:sld>
 </file>
 
-<file path=ppt/slides/slide15.xml><?xml version="1.0" encoding="utf-8"?>
+<file path=ppt/slides/slide14.xml><?xml version="1.0" encoding="utf-8"?>
 <p:sld xmlns:a="http://schemas.openxmlformats.org/drawingml/2006/main" xmlns:r="http://schemas.openxmlformats.org/officeDocument/2006/relationships" xmlns:p="http://schemas.openxmlformats.org/presentationml/2006/main">
   <p:cSld>
     <p:spTree>
@@ -5658,7 +5405,7 @@
           <a:p>
             <a:fld id="{A30667A4-78ED-4BFD-A566-A8CF1F67A54B}" type="datetime1">
               <a:rPr lang="en-US" smtClean="0"/>
-              <a:t>9/17/18</a:t>
+              <a:t>10/28/2018</a:t>
             </a:fld>
             <a:endParaRPr lang="en-US"/>
           </a:p>
@@ -5682,7 +5429,7 @@
             <a:fld id="{B6F15528-21DE-4FAA-801E-634DDDAF4B2B}" type="slidenum">
               <a:rPr lang="en-US" smtClean="0"/>
               <a:pPr/>
-              <a:t>15</a:t>
+              <a:t>14</a:t>
             </a:fld>
             <a:endParaRPr lang="en-US"/>
           </a:p>
@@ -5811,6 +5558,158 @@
   <p:clrMapOvr>
     <a:masterClrMapping/>
   </p:clrMapOvr>
+  <p:timing>
+    <p:tnLst>
+      <p:par>
+        <p:cTn id="1" dur="indefinite" restart="never" nodeType="tmRoot"/>
+      </p:par>
+    </p:tnLst>
+  </p:timing>
+</p:sld>
+</file>
+
+<file path=ppt/slides/slide15.xml><?xml version="1.0" encoding="utf-8"?>
+<p:sld xmlns:a="http://schemas.openxmlformats.org/drawingml/2006/main" xmlns:r="http://schemas.openxmlformats.org/officeDocument/2006/relationships" xmlns:p="http://schemas.openxmlformats.org/presentationml/2006/main">
+  <p:cSld>
+    <p:spTree>
+      <p:nvGrpSpPr>
+        <p:cNvPr id="1" name=""/>
+        <p:cNvGrpSpPr/>
+        <p:nvPr/>
+      </p:nvGrpSpPr>
+      <p:grpSpPr>
+        <a:xfrm>
+          <a:off x="0" y="0"/>
+          <a:ext cx="0" cy="0"/>
+          <a:chOff x="0" y="0"/>
+          <a:chExt cx="0" cy="0"/>
+        </a:xfrm>
+      </p:grpSpPr>
+      <p:sp>
+        <p:nvSpPr>
+          <p:cNvPr id="3" name="Marcador de Posição da Data 2"/>
+          <p:cNvSpPr>
+            <a:spLocks noGrp="1"/>
+          </p:cNvSpPr>
+          <p:nvPr>
+            <p:ph type="dt" sz="half" idx="10"/>
+          </p:nvPr>
+        </p:nvSpPr>
+        <p:spPr/>
+        <p:txBody>
+          <a:bodyPr/>
+          <a:lstStyle/>
+          <a:p>
+            <a:fld id="{6021ED2E-EDFE-47F4-80DA-06FC8C8A6629}" type="datetime1">
+              <a:rPr lang="en-US" smtClean="0"/>
+              <a:t>10/28/2018</a:t>
+            </a:fld>
+            <a:endParaRPr lang="en-US"/>
+          </a:p>
+        </p:txBody>
+      </p:sp>
+      <p:sp>
+        <p:nvSpPr>
+          <p:cNvPr id="4" name="Marcador de Posição do Número do Diapositivo 3"/>
+          <p:cNvSpPr>
+            <a:spLocks noGrp="1"/>
+          </p:cNvSpPr>
+          <p:nvPr>
+            <p:ph type="sldNum" sz="quarter" idx="12"/>
+          </p:nvPr>
+        </p:nvSpPr>
+        <p:spPr/>
+        <p:txBody>
+          <a:bodyPr/>
+          <a:lstStyle/>
+          <a:p>
+            <a:fld id="{B6F15528-21DE-4FAA-801E-634DDDAF4B2B}" type="slidenum">
+              <a:rPr lang="en-US" smtClean="0"/>
+              <a:pPr/>
+              <a:t>15</a:t>
+            </a:fld>
+            <a:endParaRPr lang="en-US"/>
+          </a:p>
+        </p:txBody>
+      </p:sp>
+      <p:sp>
+        <p:nvSpPr>
+          <p:cNvPr id="8" name="Retângulo 7"/>
+          <p:cNvSpPr/>
+          <p:nvPr/>
+        </p:nvSpPr>
+        <p:spPr>
+          <a:xfrm>
+            <a:off x="1485260" y="3075057"/>
+            <a:ext cx="6173485" cy="707886"/>
+          </a:xfrm>
+          <a:prstGeom prst="rect">
+            <a:avLst/>
+          </a:prstGeom>
+        </p:spPr>
+        <p:txBody>
+          <a:bodyPr wrap="none">
+            <a:spAutoFit/>
+          </a:bodyPr>
+          <a:lstStyle/>
+          <a:p>
+            <a:pPr marL="742950" lvl="0" indent="-742950" algn="ctr" fontAlgn="base">
+              <a:buFont typeface="+mj-lt"/>
+              <a:buAutoNum type="arabicPeriod" startAt="4"/>
+            </a:pPr>
+            <a:r>
+              <a:rPr lang="pt-PT" sz="4000" err="1">
+                <a:solidFill>
+                  <a:srgbClr val="262626"/>
+                </a:solidFill>
+                <a:latin typeface="Century Gothic" panose="020B0502020202020204" pitchFamily="34" charset="0"/>
+              </a:rPr>
+              <a:t>Probe</a:t>
+            </a:r>
+            <a:r>
+              <a:rPr lang="pt-PT" sz="4000">
+                <a:solidFill>
+                  <a:srgbClr val="262626"/>
+                </a:solidFill>
+                <a:latin typeface="Century Gothic" panose="020B0502020202020204" pitchFamily="34" charset="0"/>
+              </a:rPr>
+              <a:t> </a:t>
+            </a:r>
+            <a:r>
+              <a:rPr lang="pt-PT" sz="4000" err="1">
+                <a:solidFill>
+                  <a:srgbClr val="262626"/>
+                </a:solidFill>
+                <a:latin typeface="Century Gothic" panose="020B0502020202020204" pitchFamily="34" charset="0"/>
+              </a:rPr>
+              <a:t>Development</a:t>
+            </a:r>
+            <a:endParaRPr lang="pt-PT" sz="4000">
+              <a:solidFill>
+                <a:srgbClr val="A53010"/>
+              </a:solidFill>
+              <a:latin typeface="Century Gothic" panose="020B0502020202020204" pitchFamily="34" charset="0"/>
+            </a:endParaRPr>
+          </a:p>
+        </p:txBody>
+      </p:sp>
+    </p:spTree>
+    <p:extLst>
+      <p:ext uri="{BB962C8B-B14F-4D97-AF65-F5344CB8AC3E}">
+        <p14:creationId xmlns:p14="http://schemas.microsoft.com/office/powerpoint/2010/main" val="4247487288"/>
+      </p:ext>
+    </p:extLst>
+  </p:cSld>
+  <p:clrMapOvr>
+    <a:masterClrMapping/>
+  </p:clrMapOvr>
+  <p:timing>
+    <p:tnLst>
+      <p:par>
+        <p:cTn id="1" dur="indefinite" restart="never" nodeType="tmRoot"/>
+      </p:par>
+    </p:tnLst>
+  </p:timing>
 </p:sld>
 </file>
 
@@ -5833,144 +5732,6 @@
       </p:grpSpPr>
       <p:sp>
         <p:nvSpPr>
-          <p:cNvPr id="3" name="Marcador de Posição da Data 2"/>
-          <p:cNvSpPr>
-            <a:spLocks noGrp="1"/>
-          </p:cNvSpPr>
-          <p:nvPr>
-            <p:ph type="dt" sz="half" idx="10"/>
-          </p:nvPr>
-        </p:nvSpPr>
-        <p:spPr/>
-        <p:txBody>
-          <a:bodyPr/>
-          <a:lstStyle/>
-          <a:p>
-            <a:fld id="{6021ED2E-EDFE-47F4-80DA-06FC8C8A6629}" type="datetime1">
-              <a:rPr lang="en-US" smtClean="0"/>
-              <a:t>9/17/18</a:t>
-            </a:fld>
-            <a:endParaRPr lang="en-US"/>
-          </a:p>
-        </p:txBody>
-      </p:sp>
-      <p:sp>
-        <p:nvSpPr>
-          <p:cNvPr id="4" name="Marcador de Posição do Número do Diapositivo 3"/>
-          <p:cNvSpPr>
-            <a:spLocks noGrp="1"/>
-          </p:cNvSpPr>
-          <p:nvPr>
-            <p:ph type="sldNum" sz="quarter" idx="12"/>
-          </p:nvPr>
-        </p:nvSpPr>
-        <p:spPr/>
-        <p:txBody>
-          <a:bodyPr/>
-          <a:lstStyle/>
-          <a:p>
-            <a:fld id="{B6F15528-21DE-4FAA-801E-634DDDAF4B2B}" type="slidenum">
-              <a:rPr lang="en-US" smtClean="0"/>
-              <a:pPr/>
-              <a:t>16</a:t>
-            </a:fld>
-            <a:endParaRPr lang="en-US"/>
-          </a:p>
-        </p:txBody>
-      </p:sp>
-      <p:sp>
-        <p:nvSpPr>
-          <p:cNvPr id="8" name="Retângulo 7"/>
-          <p:cNvSpPr/>
-          <p:nvPr/>
-        </p:nvSpPr>
-        <p:spPr>
-          <a:xfrm>
-            <a:off x="1485260" y="3075057"/>
-            <a:ext cx="6173485" cy="707886"/>
-          </a:xfrm>
-          <a:prstGeom prst="rect">
-            <a:avLst/>
-          </a:prstGeom>
-        </p:spPr>
-        <p:txBody>
-          <a:bodyPr wrap="none">
-            <a:spAutoFit/>
-          </a:bodyPr>
-          <a:lstStyle/>
-          <a:p>
-            <a:pPr marL="742950" lvl="0" indent="-742950" algn="ctr" fontAlgn="base">
-              <a:buFont typeface="+mj-lt"/>
-              <a:buAutoNum type="arabicPeriod" startAt="4"/>
-            </a:pPr>
-            <a:r>
-              <a:rPr lang="pt-PT" sz="4000" err="1">
-                <a:solidFill>
-                  <a:srgbClr val="262626"/>
-                </a:solidFill>
-                <a:latin typeface="Century Gothic" panose="020B0502020202020204" pitchFamily="34" charset="0"/>
-              </a:rPr>
-              <a:t>Probe</a:t>
-            </a:r>
-            <a:r>
-              <a:rPr lang="pt-PT" sz="4000">
-                <a:solidFill>
-                  <a:srgbClr val="262626"/>
-                </a:solidFill>
-                <a:latin typeface="Century Gothic" panose="020B0502020202020204" pitchFamily="34" charset="0"/>
-              </a:rPr>
-              <a:t> </a:t>
-            </a:r>
-            <a:r>
-              <a:rPr lang="pt-PT" sz="4000" err="1">
-                <a:solidFill>
-                  <a:srgbClr val="262626"/>
-                </a:solidFill>
-                <a:latin typeface="Century Gothic" panose="020B0502020202020204" pitchFamily="34" charset="0"/>
-              </a:rPr>
-              <a:t>Development</a:t>
-            </a:r>
-            <a:endParaRPr lang="pt-PT" sz="4000">
-              <a:solidFill>
-                <a:srgbClr val="A53010"/>
-              </a:solidFill>
-              <a:latin typeface="Century Gothic" panose="020B0502020202020204" pitchFamily="34" charset="0"/>
-            </a:endParaRPr>
-          </a:p>
-        </p:txBody>
-      </p:sp>
-    </p:spTree>
-    <p:extLst>
-      <p:ext uri="{BB962C8B-B14F-4D97-AF65-F5344CB8AC3E}">
-        <p14:creationId xmlns:p14="http://schemas.microsoft.com/office/powerpoint/2010/main" val="4247487288"/>
-      </p:ext>
-    </p:extLst>
-  </p:cSld>
-  <p:clrMapOvr>
-    <a:masterClrMapping/>
-  </p:clrMapOvr>
-</p:sld>
-</file>
-
-<file path=ppt/slides/slide17.xml><?xml version="1.0" encoding="utf-8"?>
-<p:sld xmlns:a="http://schemas.openxmlformats.org/drawingml/2006/main" xmlns:r="http://schemas.openxmlformats.org/officeDocument/2006/relationships" xmlns:p="http://schemas.openxmlformats.org/presentationml/2006/main">
-  <p:cSld>
-    <p:spTree>
-      <p:nvGrpSpPr>
-        <p:cNvPr id="1" name=""/>
-        <p:cNvGrpSpPr/>
-        <p:nvPr/>
-      </p:nvGrpSpPr>
-      <p:grpSpPr>
-        <a:xfrm>
-          <a:off x="0" y="0"/>
-          <a:ext cx="0" cy="0"/>
-          <a:chOff x="0" y="0"/>
-          <a:chExt cx="0" cy="0"/>
-        </a:xfrm>
-      </p:grpSpPr>
-      <p:sp>
-        <p:nvSpPr>
           <p:cNvPr id="2" name="Marcador de Posição de Conteúdo 1"/>
           <p:cNvSpPr>
             <a:spLocks noGrp="1"/>
@@ -6103,7 +5864,7 @@
           <a:p>
             <a:fld id="{F69CF9BC-F8A2-4DAE-851A-461938A26B07}" type="datetime1">
               <a:rPr lang="en-US" smtClean="0"/>
-              <a:t>9/17/18</a:t>
+              <a:t>10/28/2018</a:t>
             </a:fld>
             <a:endParaRPr lang="en-US"/>
           </a:p>
@@ -6127,7 +5888,7 @@
             <a:fld id="{B6F15528-21DE-4FAA-801E-634DDDAF4B2B}" type="slidenum">
               <a:rPr lang="en-US" smtClean="0"/>
               <a:pPr/>
-              <a:t>17</a:t>
+              <a:t>16</a:t>
             </a:fld>
             <a:endParaRPr lang="en-US"/>
           </a:p>
@@ -6215,6 +5976,205 @@
   <p:clrMapOvr>
     <a:masterClrMapping/>
   </p:clrMapOvr>
+  <p:timing>
+    <p:tnLst>
+      <p:par>
+        <p:cTn id="1" dur="indefinite" restart="never" nodeType="tmRoot"/>
+      </p:par>
+    </p:tnLst>
+  </p:timing>
+</p:sld>
+</file>
+
+<file path=ppt/slides/slide17.xml><?xml version="1.0" encoding="utf-8"?>
+<p:sld xmlns:a="http://schemas.openxmlformats.org/drawingml/2006/main" xmlns:r="http://schemas.openxmlformats.org/officeDocument/2006/relationships" xmlns:p="http://schemas.openxmlformats.org/presentationml/2006/main">
+  <p:cSld>
+    <p:spTree>
+      <p:nvGrpSpPr>
+        <p:cNvPr id="1" name=""/>
+        <p:cNvGrpSpPr/>
+        <p:nvPr/>
+      </p:nvGrpSpPr>
+      <p:grpSpPr>
+        <a:xfrm>
+          <a:off x="0" y="0"/>
+          <a:ext cx="0" cy="0"/>
+          <a:chOff x="0" y="0"/>
+          <a:chExt cx="0" cy="0"/>
+        </a:xfrm>
+      </p:grpSpPr>
+      <p:sp>
+        <p:nvSpPr>
+          <p:cNvPr id="2" name="Marcador de Posição de Conteúdo 1"/>
+          <p:cNvSpPr>
+            <a:spLocks noGrp="1"/>
+          </p:cNvSpPr>
+          <p:nvPr>
+            <p:ph idx="1"/>
+          </p:nvPr>
+        </p:nvSpPr>
+        <p:spPr/>
+        <p:txBody>
+          <a:bodyPr/>
+          <a:lstStyle/>
+          <a:p>
+            <a:pPr>
+              <a:lnSpc>
+                <a:spcPct val="150000"/>
+              </a:lnSpc>
+            </a:pPr>
+            <a:r>
+              <a:rPr lang="en-US"/>
+              <a:t>There are base Docker images that support probes written both in Java and Python that can be used;</a:t>
+            </a:r>
+          </a:p>
+          <a:p>
+            <a:pPr>
+              <a:lnSpc>
+                <a:spcPct val="200000"/>
+              </a:lnSpc>
+            </a:pPr>
+            <a:r>
+              <a:rPr lang="en-US"/>
+              <a:t>All base images already have the Monitor needed certificate to establish a session with it;</a:t>
+            </a:r>
+          </a:p>
+          <a:p>
+            <a:pPr>
+              <a:lnSpc>
+                <a:spcPct val="200000"/>
+              </a:lnSpc>
+            </a:pPr>
+            <a:r>
+              <a:rPr lang="en-US"/>
+              <a:t>All base images are in dependency folder of the </a:t>
+            </a:r>
+            <a:r>
+              <a:rPr lang="en-US" u="sng" err="1">
+                <a:hlinkClick r:id="rId2"/>
+              </a:rPr>
+              <a:t>tma</a:t>
+            </a:r>
+            <a:r>
+              <a:rPr lang="en-US" u="sng">
+                <a:hlinkClick r:id="rId2"/>
+              </a:rPr>
+              <a:t>-framework-m</a:t>
+            </a:r>
+            <a:r>
+              <a:rPr lang="en-US"/>
+              <a:t> repository;</a:t>
+            </a:r>
+          </a:p>
+          <a:p>
+            <a:pPr>
+              <a:lnSpc>
+                <a:spcPct val="200000"/>
+              </a:lnSpc>
+            </a:pPr>
+            <a:r>
+              <a:rPr lang="en-US"/>
+              <a:t>All Docker images of probes to be developed must be built from the respective Docker base image. </a:t>
+            </a:r>
+            <a:endParaRPr lang="pt-PT"/>
+          </a:p>
+        </p:txBody>
+      </p:sp>
+      <p:sp>
+        <p:nvSpPr>
+          <p:cNvPr id="3" name="Marcador de Posição da Data 2"/>
+          <p:cNvSpPr>
+            <a:spLocks noGrp="1"/>
+          </p:cNvSpPr>
+          <p:nvPr>
+            <p:ph type="dt" sz="half" idx="10"/>
+          </p:nvPr>
+        </p:nvSpPr>
+        <p:spPr/>
+        <p:txBody>
+          <a:bodyPr/>
+          <a:lstStyle/>
+          <a:p>
+            <a:fld id="{8A6B746E-7DA2-452D-9D1A-FC055AF1F854}" type="datetime1">
+              <a:rPr lang="en-US" smtClean="0"/>
+              <a:t>10/28/2018</a:t>
+            </a:fld>
+            <a:endParaRPr lang="en-US"/>
+          </a:p>
+        </p:txBody>
+      </p:sp>
+      <p:sp>
+        <p:nvSpPr>
+          <p:cNvPr id="4" name="Marcador de Posição do Número do Diapositivo 3"/>
+          <p:cNvSpPr>
+            <a:spLocks noGrp="1"/>
+          </p:cNvSpPr>
+          <p:nvPr>
+            <p:ph type="sldNum" sz="quarter" idx="12"/>
+          </p:nvPr>
+        </p:nvSpPr>
+        <p:spPr/>
+        <p:txBody>
+          <a:bodyPr/>
+          <a:lstStyle/>
+          <a:p>
+            <a:fld id="{B6F15528-21DE-4FAA-801E-634DDDAF4B2B}" type="slidenum">
+              <a:rPr lang="en-US" smtClean="0"/>
+              <a:pPr/>
+              <a:t>17</a:t>
+            </a:fld>
+            <a:endParaRPr lang="en-US"/>
+          </a:p>
+        </p:txBody>
+      </p:sp>
+      <p:sp>
+        <p:nvSpPr>
+          <p:cNvPr id="5" name="Título 4"/>
+          <p:cNvSpPr>
+            <a:spLocks noGrp="1"/>
+          </p:cNvSpPr>
+          <p:nvPr>
+            <p:ph type="title"/>
+          </p:nvPr>
+        </p:nvSpPr>
+        <p:spPr/>
+        <p:txBody>
+          <a:bodyPr/>
+          <a:lstStyle/>
+          <a:p>
+            <a:r>
+              <a:rPr lang="pt-PT" err="1"/>
+              <a:t>Probe</a:t>
+            </a:r>
+            <a:r>
+              <a:rPr lang="pt-PT"/>
+              <a:t> </a:t>
+            </a:r>
+            <a:r>
+              <a:rPr lang="pt-PT" err="1"/>
+              <a:t>Development</a:t>
+            </a:r>
+            <a:endParaRPr lang="pt-PT"/>
+          </a:p>
+        </p:txBody>
+      </p:sp>
+    </p:spTree>
+    <p:extLst>
+      <p:ext uri="{BB962C8B-B14F-4D97-AF65-F5344CB8AC3E}">
+        <p14:creationId xmlns:p14="http://schemas.microsoft.com/office/powerpoint/2010/main" val="1585490819"/>
+      </p:ext>
+    </p:extLst>
+  </p:cSld>
+  <p:clrMapOvr>
+    <a:masterClrMapping/>
+  </p:clrMapOvr>
+  <p:timing>
+    <p:tnLst>
+      <p:par>
+        <p:cTn id="1" dur="indefinite" restart="never" nodeType="tmRoot"/>
+      </p:par>
+    </p:tnLst>
+  </p:timing>
 </p:sld>
 </file>
 
@@ -6247,191 +6207,6 @@
         </p:nvSpPr>
         <p:spPr/>
         <p:txBody>
-          <a:bodyPr/>
-          <a:lstStyle/>
-          <a:p>
-            <a:pPr>
-              <a:lnSpc>
-                <a:spcPct val="150000"/>
-              </a:lnSpc>
-            </a:pPr>
-            <a:r>
-              <a:rPr lang="en-US"/>
-              <a:t>There are base Docker images that support probes written both in Java and Python that can be used;</a:t>
-            </a:r>
-          </a:p>
-          <a:p>
-            <a:pPr>
-              <a:lnSpc>
-                <a:spcPct val="200000"/>
-              </a:lnSpc>
-            </a:pPr>
-            <a:r>
-              <a:rPr lang="en-US"/>
-              <a:t>All base images already have the Monitor needed certificate to establish a session with it;</a:t>
-            </a:r>
-          </a:p>
-          <a:p>
-            <a:pPr>
-              <a:lnSpc>
-                <a:spcPct val="200000"/>
-              </a:lnSpc>
-            </a:pPr>
-            <a:r>
-              <a:rPr lang="en-US"/>
-              <a:t>All base images are in dependency folder of the </a:t>
-            </a:r>
-            <a:r>
-              <a:rPr lang="en-US" u="sng" err="1">
-                <a:hlinkClick r:id="rId2"/>
-              </a:rPr>
-              <a:t>tma</a:t>
-            </a:r>
-            <a:r>
-              <a:rPr lang="en-US" u="sng">
-                <a:hlinkClick r:id="rId2"/>
-              </a:rPr>
-              <a:t>-framework-m</a:t>
-            </a:r>
-            <a:r>
-              <a:rPr lang="en-US"/>
-              <a:t> repository;</a:t>
-            </a:r>
-          </a:p>
-          <a:p>
-            <a:pPr>
-              <a:lnSpc>
-                <a:spcPct val="200000"/>
-              </a:lnSpc>
-            </a:pPr>
-            <a:r>
-              <a:rPr lang="en-US"/>
-              <a:t>All Docker images of probes to be developed must be built from the respective Docker base image. </a:t>
-            </a:r>
-            <a:endParaRPr lang="pt-PT"/>
-          </a:p>
-        </p:txBody>
-      </p:sp>
-      <p:sp>
-        <p:nvSpPr>
-          <p:cNvPr id="3" name="Marcador de Posição da Data 2"/>
-          <p:cNvSpPr>
-            <a:spLocks noGrp="1"/>
-          </p:cNvSpPr>
-          <p:nvPr>
-            <p:ph type="dt" sz="half" idx="10"/>
-          </p:nvPr>
-        </p:nvSpPr>
-        <p:spPr/>
-        <p:txBody>
-          <a:bodyPr/>
-          <a:lstStyle/>
-          <a:p>
-            <a:fld id="{8A6B746E-7DA2-452D-9D1A-FC055AF1F854}" type="datetime1">
-              <a:rPr lang="en-US" smtClean="0"/>
-              <a:t>9/17/18</a:t>
-            </a:fld>
-            <a:endParaRPr lang="en-US"/>
-          </a:p>
-        </p:txBody>
-      </p:sp>
-      <p:sp>
-        <p:nvSpPr>
-          <p:cNvPr id="4" name="Marcador de Posição do Número do Diapositivo 3"/>
-          <p:cNvSpPr>
-            <a:spLocks noGrp="1"/>
-          </p:cNvSpPr>
-          <p:nvPr>
-            <p:ph type="sldNum" sz="quarter" idx="12"/>
-          </p:nvPr>
-        </p:nvSpPr>
-        <p:spPr/>
-        <p:txBody>
-          <a:bodyPr/>
-          <a:lstStyle/>
-          <a:p>
-            <a:fld id="{B6F15528-21DE-4FAA-801E-634DDDAF4B2B}" type="slidenum">
-              <a:rPr lang="en-US" smtClean="0"/>
-              <a:pPr/>
-              <a:t>18</a:t>
-            </a:fld>
-            <a:endParaRPr lang="en-US"/>
-          </a:p>
-        </p:txBody>
-      </p:sp>
-      <p:sp>
-        <p:nvSpPr>
-          <p:cNvPr id="5" name="Título 4"/>
-          <p:cNvSpPr>
-            <a:spLocks noGrp="1"/>
-          </p:cNvSpPr>
-          <p:nvPr>
-            <p:ph type="title"/>
-          </p:nvPr>
-        </p:nvSpPr>
-        <p:spPr/>
-        <p:txBody>
-          <a:bodyPr/>
-          <a:lstStyle/>
-          <a:p>
-            <a:r>
-              <a:rPr lang="pt-PT" err="1"/>
-              <a:t>Probe</a:t>
-            </a:r>
-            <a:r>
-              <a:rPr lang="pt-PT"/>
-              <a:t> </a:t>
-            </a:r>
-            <a:r>
-              <a:rPr lang="pt-PT" err="1"/>
-              <a:t>Development</a:t>
-            </a:r>
-            <a:endParaRPr lang="pt-PT"/>
-          </a:p>
-        </p:txBody>
-      </p:sp>
-    </p:spTree>
-    <p:extLst>
-      <p:ext uri="{BB962C8B-B14F-4D97-AF65-F5344CB8AC3E}">
-        <p14:creationId xmlns:p14="http://schemas.microsoft.com/office/powerpoint/2010/main" val="1585490819"/>
-      </p:ext>
-    </p:extLst>
-  </p:cSld>
-  <p:clrMapOvr>
-    <a:masterClrMapping/>
-  </p:clrMapOvr>
-</p:sld>
-</file>
-
-<file path=ppt/slides/slide19.xml><?xml version="1.0" encoding="utf-8"?>
-<p:sld xmlns:a="http://schemas.openxmlformats.org/drawingml/2006/main" xmlns:r="http://schemas.openxmlformats.org/officeDocument/2006/relationships" xmlns:p="http://schemas.openxmlformats.org/presentationml/2006/main">
-  <p:cSld>
-    <p:spTree>
-      <p:nvGrpSpPr>
-        <p:cNvPr id="1" name=""/>
-        <p:cNvGrpSpPr/>
-        <p:nvPr/>
-      </p:nvGrpSpPr>
-      <p:grpSpPr>
-        <a:xfrm>
-          <a:off x="0" y="0"/>
-          <a:ext cx="0" cy="0"/>
-          <a:chOff x="0" y="0"/>
-          <a:chExt cx="0" cy="0"/>
-        </a:xfrm>
-      </p:grpSpPr>
-      <p:sp>
-        <p:nvSpPr>
-          <p:cNvPr id="2" name="Marcador de Posição de Conteúdo 1"/>
-          <p:cNvSpPr>
-            <a:spLocks noGrp="1"/>
-          </p:cNvSpPr>
-          <p:nvPr>
-            <p:ph idx="1"/>
-          </p:nvPr>
-        </p:nvSpPr>
-        <p:spPr/>
-        <p:txBody>
           <a:bodyPr>
             <a:normAutofit fontScale="92500" lnSpcReduction="10000"/>
           </a:bodyPr>
@@ -6444,27 +6219,27 @@
               <a:buNone/>
             </a:pPr>
             <a:r>
-              <a:rPr lang="pt-PT" sz="1600" b="1" err="1"/>
+              <a:rPr lang="pt-PT" sz="1600" b="1" dirty="0" err="1"/>
               <a:t>Example</a:t>
             </a:r>
             <a:r>
-              <a:rPr lang="pt-PT" sz="1600" b="1"/>
+              <a:rPr lang="pt-PT" sz="1600" b="1" dirty="0"/>
               <a:t>: </a:t>
             </a:r>
             <a:r>
-              <a:rPr lang="pt-PT" sz="1600" b="1" err="1"/>
+              <a:rPr lang="pt-PT" sz="1600" b="1" dirty="0" err="1"/>
               <a:t>Probe</a:t>
             </a:r>
             <a:r>
-              <a:rPr lang="pt-PT" sz="1600" b="1"/>
+              <a:rPr lang="pt-PT" sz="1600" b="1" dirty="0"/>
               <a:t> </a:t>
             </a:r>
             <a:r>
-              <a:rPr lang="pt-PT" sz="1600" b="1" err="1"/>
+              <a:rPr lang="pt-PT" sz="1600" b="1" dirty="0" err="1"/>
               <a:t>Python</a:t>
             </a:r>
             <a:r>
-              <a:rPr lang="pt-PT" sz="1600" b="1"/>
+              <a:rPr lang="pt-PT" sz="1600" b="1" dirty="0"/>
               <a:t> Demo</a:t>
             </a:r>
           </a:p>
@@ -6475,35 +6250,35 @@
               </a:lnSpc>
             </a:pPr>
             <a:r>
-              <a:rPr lang="pt-PT" sz="1600" err="1"/>
+              <a:rPr lang="pt-PT" sz="1600" dirty="0" err="1"/>
               <a:t>It</a:t>
             </a:r>
             <a:r>
-              <a:rPr lang="pt-PT" sz="1600"/>
+              <a:rPr lang="pt-PT" sz="1600" dirty="0"/>
               <a:t> </a:t>
             </a:r>
             <a:r>
-              <a:rPr lang="pt-PT" sz="1600" err="1"/>
+              <a:rPr lang="pt-PT" sz="1600" dirty="0" err="1"/>
               <a:t>generates</a:t>
             </a:r>
             <a:r>
-              <a:rPr lang="pt-PT" sz="1600"/>
+              <a:rPr lang="pt-PT" sz="1600" dirty="0"/>
               <a:t> </a:t>
             </a:r>
             <a:r>
-              <a:rPr lang="pt-PT" sz="1600" err="1"/>
+              <a:rPr lang="pt-PT" sz="1600" dirty="0" err="1"/>
               <a:t>random</a:t>
             </a:r>
             <a:r>
-              <a:rPr lang="pt-PT" sz="1600"/>
+              <a:rPr lang="pt-PT" sz="1600" dirty="0"/>
               <a:t> </a:t>
             </a:r>
             <a:r>
-              <a:rPr lang="pt-PT" sz="1600" err="1"/>
+              <a:rPr lang="pt-PT" sz="1600" dirty="0" err="1"/>
               <a:t>valid</a:t>
             </a:r>
             <a:r>
-              <a:rPr lang="pt-PT" sz="1600"/>
+              <a:rPr lang="pt-PT" sz="1600" dirty="0"/>
               <a:t> data;</a:t>
             </a:r>
           </a:p>
@@ -6514,7 +6289,7 @@
               </a:lnSpc>
             </a:pPr>
             <a:r>
-              <a:rPr lang="en-US" sz="1600"/>
+              <a:rPr lang="en-US" sz="1600" dirty="0"/>
               <a:t>All files are presented in this directory:</a:t>
             </a:r>
           </a:p>
@@ -6524,7 +6299,7 @@
                 <a:spcPct val="150000"/>
               </a:lnSpc>
             </a:pPr>
-            <a:endParaRPr lang="en-US" sz="1600"/>
+            <a:endParaRPr lang="en-US" sz="1600" dirty="0"/>
           </a:p>
           <a:p>
             <a:pPr>
@@ -6532,7 +6307,7 @@
                 <a:spcPct val="150000"/>
               </a:lnSpc>
             </a:pPr>
-            <a:endParaRPr lang="en-US" sz="1600"/>
+            <a:endParaRPr lang="en-US" sz="1600" dirty="0"/>
           </a:p>
           <a:p>
             <a:pPr fontAlgn="base">
@@ -6541,7 +6316,7 @@
               </a:lnSpc>
             </a:pPr>
             <a:r>
-              <a:rPr lang="en-US" sz="1600"/>
+              <a:rPr lang="en-US" sz="1600" dirty="0"/>
               <a:t>This probe is composed by:</a:t>
             </a:r>
           </a:p>
@@ -6552,7 +6327,7 @@
               </a:lnSpc>
             </a:pPr>
             <a:r>
-              <a:rPr lang="en-US" sz="1600"/>
+              <a:rPr lang="en-US" sz="1600" dirty="0"/>
               <a:t>probe-python-demo.py;</a:t>
             </a:r>
           </a:p>
@@ -6563,8 +6338,12 @@
               </a:lnSpc>
             </a:pPr>
             <a:r>
-              <a:rPr lang="en-US" sz="1600"/>
-              <a:t>communication.py;</a:t>
+              <a:rPr lang="en-US" sz="1600" dirty="0" smtClean="0"/>
+              <a:t>communication.py</a:t>
+            </a:r>
+            <a:r>
+              <a:rPr lang="en-US" sz="1600" dirty="0"/>
+              <a:t>;</a:t>
             </a:r>
           </a:p>
           <a:p>
@@ -6574,7 +6353,7 @@
               </a:lnSpc>
             </a:pPr>
             <a:r>
-              <a:rPr lang="en-US" sz="1600"/>
+              <a:rPr lang="en-US" sz="1600" dirty="0"/>
               <a:t>data.py;</a:t>
             </a:r>
           </a:p>
@@ -6585,7 +6364,7 @@
               </a:lnSpc>
             </a:pPr>
             <a:r>
-              <a:rPr lang="en-US" sz="1600"/>
+              <a:rPr lang="en-US" sz="1600" dirty="0"/>
               <a:t>message.py;</a:t>
             </a:r>
           </a:p>
@@ -6596,7 +6375,7 @@
               </a:lnSpc>
             </a:pPr>
             <a:r>
-              <a:rPr lang="en-US" sz="1600"/>
+              <a:rPr lang="en-US" sz="1600" dirty="0"/>
               <a:t>observation.py.</a:t>
             </a:r>
           </a:p>
@@ -6604,7 +6383,7 @@
             <a:pPr marL="0" indent="0">
               <a:buNone/>
             </a:pPr>
-            <a:endParaRPr lang="en-US" sz="1600"/>
+            <a:endParaRPr lang="en-US" sz="1600" dirty="0"/>
           </a:p>
         </p:txBody>
       </p:sp>
@@ -6625,7 +6404,7 @@
           <a:p>
             <a:fld id="{737FC8EF-D9A7-4B23-9242-B2B496D2673E}" type="datetime1">
               <a:rPr lang="en-US" smtClean="0"/>
-              <a:t>9/17/18</a:t>
+              <a:t>10/28/2018</a:t>
             </a:fld>
             <a:endParaRPr lang="en-US"/>
           </a:p>
@@ -6649,7 +6428,7 @@
             <a:fld id="{B6F15528-21DE-4FAA-801E-634DDDAF4B2B}" type="slidenum">
               <a:rPr lang="en-US" smtClean="0"/>
               <a:pPr/>
-              <a:t>19</a:t>
+              <a:t>18</a:t>
             </a:fld>
             <a:endParaRPr lang="en-US"/>
           </a:p>
@@ -6737,6 +6516,279 @@
   <p:clrMapOvr>
     <a:masterClrMapping/>
   </p:clrMapOvr>
+  <p:timing>
+    <p:tnLst>
+      <p:par>
+        <p:cTn id="1" dur="indefinite" restart="never" nodeType="tmRoot"/>
+      </p:par>
+    </p:tnLst>
+  </p:timing>
+</p:sld>
+</file>
+
+<file path=ppt/slides/slide19.xml><?xml version="1.0" encoding="utf-8"?>
+<p:sld xmlns:a="http://schemas.openxmlformats.org/drawingml/2006/main" xmlns:r="http://schemas.openxmlformats.org/officeDocument/2006/relationships" xmlns:p="http://schemas.openxmlformats.org/presentationml/2006/main">
+  <p:cSld>
+    <p:spTree>
+      <p:nvGrpSpPr>
+        <p:cNvPr id="1" name=""/>
+        <p:cNvGrpSpPr/>
+        <p:nvPr/>
+      </p:nvGrpSpPr>
+      <p:grpSpPr>
+        <a:xfrm>
+          <a:off x="0" y="0"/>
+          <a:ext cx="0" cy="0"/>
+          <a:chOff x="0" y="0"/>
+          <a:chExt cx="0" cy="0"/>
+        </a:xfrm>
+      </p:grpSpPr>
+      <p:sp>
+        <p:nvSpPr>
+          <p:cNvPr id="3" name="Marcador de Posição da Data 2"/>
+          <p:cNvSpPr>
+            <a:spLocks noGrp="1"/>
+          </p:cNvSpPr>
+          <p:nvPr>
+            <p:ph type="dt" sz="half" idx="10"/>
+          </p:nvPr>
+        </p:nvSpPr>
+        <p:spPr/>
+        <p:txBody>
+          <a:bodyPr/>
+          <a:lstStyle/>
+          <a:p>
+            <a:fld id="{4D7C3C44-BC60-4E44-B9C3-A9510DCB7FDD}" type="datetime1">
+              <a:rPr lang="en-US" smtClean="0"/>
+              <a:t>10/28/2018</a:t>
+            </a:fld>
+            <a:endParaRPr lang="en-US"/>
+          </a:p>
+        </p:txBody>
+      </p:sp>
+      <p:sp>
+        <p:nvSpPr>
+          <p:cNvPr id="4" name="Marcador de Posição do Número do Diapositivo 3"/>
+          <p:cNvSpPr>
+            <a:spLocks noGrp="1"/>
+          </p:cNvSpPr>
+          <p:nvPr>
+            <p:ph type="sldNum" sz="quarter" idx="12"/>
+          </p:nvPr>
+        </p:nvSpPr>
+        <p:spPr/>
+        <p:txBody>
+          <a:bodyPr/>
+          <a:lstStyle/>
+          <a:p>
+            <a:fld id="{B6F15528-21DE-4FAA-801E-634DDDAF4B2B}" type="slidenum">
+              <a:rPr lang="en-US" smtClean="0"/>
+              <a:pPr/>
+              <a:t>19</a:t>
+            </a:fld>
+            <a:endParaRPr lang="en-US"/>
+          </a:p>
+        </p:txBody>
+      </p:sp>
+      <p:sp>
+        <p:nvSpPr>
+          <p:cNvPr id="6" name="Título 4"/>
+          <p:cNvSpPr>
+            <a:spLocks noGrp="1"/>
+          </p:cNvSpPr>
+          <p:nvPr>
+            <p:ph type="title"/>
+          </p:nvPr>
+        </p:nvSpPr>
+        <p:spPr>
+          <a:xfrm>
+            <a:off x="4532395" y="399177"/>
+            <a:ext cx="2775909" cy="365527"/>
+          </a:xfrm>
+        </p:spPr>
+        <p:txBody>
+          <a:bodyPr/>
+          <a:lstStyle/>
+          <a:p>
+            <a:r>
+              <a:rPr lang="pt-PT" err="1"/>
+              <a:t>Probe</a:t>
+            </a:r>
+            <a:r>
+              <a:rPr lang="pt-PT"/>
+              <a:t> </a:t>
+            </a:r>
+            <a:r>
+              <a:rPr lang="pt-PT" err="1"/>
+              <a:t>Development</a:t>
+            </a:r>
+            <a:endParaRPr lang="pt-PT"/>
+          </a:p>
+        </p:txBody>
+      </p:sp>
+      <p:sp>
+        <p:nvSpPr>
+          <p:cNvPr id="7" name="Marcador de Posição de Conteúdo 1"/>
+          <p:cNvSpPr>
+            <a:spLocks noGrp="1"/>
+          </p:cNvSpPr>
+          <p:nvPr>
+            <p:ph idx="1"/>
+          </p:nvPr>
+        </p:nvSpPr>
+        <p:spPr>
+          <a:xfrm>
+            <a:off x="457200" y="1772816"/>
+            <a:ext cx="8229600" cy="4124747"/>
+          </a:xfrm>
+        </p:spPr>
+        <p:txBody>
+          <a:bodyPr/>
+          <a:lstStyle/>
+          <a:p>
+            <a:pPr marL="0" indent="0">
+              <a:lnSpc>
+                <a:spcPct val="150000"/>
+              </a:lnSpc>
+              <a:buNone/>
+            </a:pPr>
+            <a:r>
+              <a:rPr lang="pt-PT" sz="1600" b="1" dirty="0" err="1"/>
+              <a:t>Example</a:t>
+            </a:r>
+            <a:r>
+              <a:rPr lang="pt-PT" sz="1600" b="1" dirty="0"/>
+              <a:t>: </a:t>
+            </a:r>
+            <a:r>
+              <a:rPr lang="pt-PT" sz="1600" b="1" dirty="0" err="1"/>
+              <a:t>Probe</a:t>
+            </a:r>
+            <a:r>
+              <a:rPr lang="pt-PT" sz="1600" b="1" dirty="0"/>
+              <a:t> </a:t>
+            </a:r>
+            <a:r>
+              <a:rPr lang="pt-PT" sz="1600" b="1" dirty="0" err="1"/>
+              <a:t>Python</a:t>
+            </a:r>
+            <a:r>
+              <a:rPr lang="pt-PT" sz="1600" b="1" dirty="0"/>
+              <a:t> Demo</a:t>
+            </a:r>
+          </a:p>
+          <a:p>
+            <a:pPr fontAlgn="base">
+              <a:lnSpc>
+                <a:spcPct val="150000"/>
+              </a:lnSpc>
+            </a:pPr>
+            <a:r>
+              <a:rPr lang="en-US" sz="1600" dirty="0"/>
+              <a:t>probe-python-demo.py</a:t>
+            </a:r>
+          </a:p>
+          <a:p>
+            <a:pPr lvl="1" fontAlgn="base">
+              <a:lnSpc>
+                <a:spcPct val="150000"/>
+              </a:lnSpc>
+            </a:pPr>
+            <a:r>
+              <a:rPr lang="en-US" sz="1600" dirty="0"/>
+              <a:t>Main file of the probe;</a:t>
+            </a:r>
+          </a:p>
+          <a:p>
+            <a:pPr lvl="1" fontAlgn="base">
+              <a:lnSpc>
+                <a:spcPct val="150000"/>
+              </a:lnSpc>
+            </a:pPr>
+            <a:r>
+              <a:rPr lang="en-US" sz="1600" dirty="0"/>
+              <a:t>Generates random values for:</a:t>
+            </a:r>
+          </a:p>
+          <a:p>
+            <a:pPr lvl="2" fontAlgn="base">
+              <a:lnSpc>
+                <a:spcPct val="150000"/>
+              </a:lnSpc>
+            </a:pPr>
+            <a:r>
+              <a:rPr lang="en-US" sz="1600" dirty="0" err="1"/>
+              <a:t>descriptionId</a:t>
+            </a:r>
+            <a:r>
+              <a:rPr lang="en-US" sz="1600" dirty="0"/>
+              <a:t>;</a:t>
+            </a:r>
+          </a:p>
+          <a:p>
+            <a:pPr lvl="2" fontAlgn="base">
+              <a:lnSpc>
+                <a:spcPct val="150000"/>
+              </a:lnSpc>
+            </a:pPr>
+            <a:r>
+              <a:rPr lang="en-US" sz="1600" dirty="0"/>
+              <a:t>value;</a:t>
+            </a:r>
+          </a:p>
+          <a:p>
+            <a:pPr lvl="1" fontAlgn="base">
+              <a:lnSpc>
+                <a:spcPct val="150000"/>
+              </a:lnSpc>
+            </a:pPr>
+            <a:r>
+              <a:rPr lang="en-US" sz="1600" dirty="0"/>
+              <a:t>Time field gets the value of timestamp.  </a:t>
+            </a:r>
+          </a:p>
+          <a:p>
+            <a:pPr fontAlgn="base">
+              <a:lnSpc>
+                <a:spcPct val="150000"/>
+              </a:lnSpc>
+            </a:pPr>
+            <a:r>
+              <a:rPr lang="en-US" sz="1600" dirty="0" smtClean="0"/>
+              <a:t>communication.py</a:t>
+            </a:r>
+            <a:endParaRPr lang="en-US" sz="1600" dirty="0"/>
+          </a:p>
+          <a:p>
+            <a:pPr lvl="1" fontAlgn="base">
+              <a:lnSpc>
+                <a:spcPct val="150000"/>
+              </a:lnSpc>
+            </a:pPr>
+            <a:r>
+              <a:rPr lang="en-US" sz="1600" dirty="0"/>
+              <a:t>Class that sends message to Monitor endpoint.</a:t>
+            </a:r>
+          </a:p>
+        </p:txBody>
+      </p:sp>
+    </p:spTree>
+    <p:extLst>
+      <p:ext uri="{BB962C8B-B14F-4D97-AF65-F5344CB8AC3E}">
+        <p14:creationId xmlns:p14="http://schemas.microsoft.com/office/powerpoint/2010/main" val="551809934"/>
+      </p:ext>
+    </p:extLst>
+  </p:cSld>
+  <p:clrMapOvr>
+    <a:masterClrMapping/>
+  </p:clrMapOvr>
+  <p:timing>
+    <p:tnLst>
+      <p:par>
+        <p:cTn id="1" dur="indefinite" restart="never" nodeType="tmRoot"/>
+      </p:par>
+    </p:tnLst>
+  </p:timing>
 </p:sld>
 </file>
 
@@ -6762,7 +6814,7 @@
           <p:cNvPr id="2" name="Titolo 1">
             <a:extLst>
               <a:ext uri="{FF2B5EF4-FFF2-40B4-BE49-F238E27FC236}">
-                <a16:creationId xmlns:a16="http://schemas.microsoft.com/office/drawing/2014/main" id="{3F4C4C08-BB52-4544-BC06-149EBCE7F89D}"/>
+                <a16:creationId xmlns="" xmlns:a16="http://schemas.microsoft.com/office/drawing/2014/main" id="{3F4C4C08-BB52-4544-BC06-149EBCE7F89D}"/>
               </a:ext>
             </a:extLst>
           </p:cNvPr>
@@ -6790,7 +6842,7 @@
           <p:cNvPr id="3" name="Segnaposto numero diapositiva 2">
             <a:extLst>
               <a:ext uri="{FF2B5EF4-FFF2-40B4-BE49-F238E27FC236}">
-                <a16:creationId xmlns:a16="http://schemas.microsoft.com/office/drawing/2014/main" id="{437F7C08-48C6-4431-BE1C-1648EF0324D4}"/>
+                <a16:creationId xmlns="" xmlns:a16="http://schemas.microsoft.com/office/drawing/2014/main" id="{437F7C08-48C6-4431-BE1C-1648EF0324D4}"/>
               </a:ext>
             </a:extLst>
           </p:cNvPr>
@@ -6820,7 +6872,7 @@
           <p:cNvPr id="4" name="Segnaposto data 3">
             <a:extLst>
               <a:ext uri="{FF2B5EF4-FFF2-40B4-BE49-F238E27FC236}">
-                <a16:creationId xmlns:a16="http://schemas.microsoft.com/office/drawing/2014/main" id="{9130CF84-8AC4-4A16-ABE7-0D3AF3849987}"/>
+                <a16:creationId xmlns="" xmlns:a16="http://schemas.microsoft.com/office/drawing/2014/main" id="{9130CF84-8AC4-4A16-ABE7-0D3AF3849987}"/>
               </a:ext>
             </a:extLst>
           </p:cNvPr>
@@ -6838,7 +6890,7 @@
           <a:p>
             <a:fld id="{9C61C94A-14BD-4E06-BFC3-1156485F88F6}" type="datetime1">
               <a:rPr lang="en-US" smtClean="0"/>
-              <a:t>9/17/18</a:t>
+              <a:t>10/28/2018</a:t>
             </a:fld>
             <a:endParaRPr lang="en-US"/>
           </a:p>
@@ -6957,6 +7009,13 @@
   <p:clrMapOvr>
     <a:masterClrMapping/>
   </p:clrMapOvr>
+  <p:timing>
+    <p:tnLst>
+      <p:par>
+        <p:cTn id="1" dur="indefinite" restart="never" nodeType="tmRoot"/>
+      </p:par>
+    </p:tnLst>
+  </p:timing>
 </p:sld>
 </file>
 
@@ -6992,9 +7051,9 @@
           <a:bodyPr/>
           <a:lstStyle/>
           <a:p>
-            <a:fld id="{4D7C3C44-BC60-4E44-B9C3-A9510DCB7FDD}" type="datetime1">
+            <a:fld id="{22C5AF9B-4E1A-4A9A-A06C-6A72C418229F}" type="datetime1">
               <a:rPr lang="en-US" smtClean="0"/>
-              <a:t>9/17/18</a:t>
+              <a:t>10/28/2018</a:t>
             </a:fld>
             <a:endParaRPr lang="en-US"/>
           </a:p>
@@ -7026,7 +7085,7 @@
       </p:sp>
       <p:sp>
         <p:nvSpPr>
-          <p:cNvPr id="6" name="Título 4"/>
+          <p:cNvPr id="5" name="Título 4"/>
           <p:cNvSpPr>
             <a:spLocks noGrp="1"/>
           </p:cNvSpPr>
@@ -7034,12 +7093,7 @@
             <p:ph type="title"/>
           </p:nvPr>
         </p:nvSpPr>
-        <p:spPr>
-          <a:xfrm>
-            <a:off x="4532395" y="399177"/>
-            <a:ext cx="2775909" cy="365527"/>
-          </a:xfrm>
-        </p:spPr>
+        <p:spPr/>
         <p:txBody>
           <a:bodyPr/>
           <a:lstStyle/>
@@ -7062,7 +7116,7 @@
       </p:sp>
       <p:sp>
         <p:nvSpPr>
-          <p:cNvPr id="7" name="Marcador de Posição de Conteúdo 1"/>
+          <p:cNvPr id="6" name="Marcador de Posição de Conteúdo 1"/>
           <p:cNvSpPr>
             <a:spLocks noGrp="1"/>
           </p:cNvSpPr>
@@ -7119,7 +7173,7 @@
             </a:pPr>
             <a:r>
               <a:rPr lang="en-US" sz="1600"/>
-              <a:t>probe-python-demo.py</a:t>
+              <a:t>data.py</a:t>
             </a:r>
           </a:p>
           <a:p>
@@ -7130,18 +7184,7 @@
             </a:pPr>
             <a:r>
               <a:rPr lang="en-US" sz="1600"/>
-              <a:t>Main file of the probe;</a:t>
-            </a:r>
-          </a:p>
-          <a:p>
-            <a:pPr lvl="1" fontAlgn="base">
-              <a:lnSpc>
-                <a:spcPct val="150000"/>
-              </a:lnSpc>
-            </a:pPr>
-            <a:r>
-              <a:rPr lang="en-US" sz="1600"/>
-              <a:t>Generates random values for:</a:t>
+              <a:t>Class that builds data arrays with values of:</a:t>
             </a:r>
           </a:p>
           <a:p>
@@ -7151,12 +7194,8 @@
               </a:lnSpc>
             </a:pPr>
             <a:r>
-              <a:rPr lang="en-US" sz="1600" err="1"/>
-              <a:t>descriptionId</a:t>
-            </a:r>
-            <a:r>
               <a:rPr lang="en-US" sz="1600"/>
-              <a:t>;</a:t>
+              <a:t>type;</a:t>
             </a:r>
           </a:p>
           <a:p>
@@ -7166,41 +7205,23 @@
               </a:lnSpc>
             </a:pPr>
             <a:r>
+              <a:rPr lang="en-US" sz="1600" err="1"/>
+              <a:t>descriptionId</a:t>
+            </a:r>
+            <a:r>
               <a:rPr lang="en-US" sz="1600"/>
-              <a:t>value;</a:t>
-            </a:r>
-          </a:p>
-          <a:p>
-            <a:pPr lvl="1" fontAlgn="base">
+              <a:t>;</a:t>
+            </a:r>
+          </a:p>
+          <a:p>
+            <a:pPr lvl="2" fontAlgn="base">
               <a:lnSpc>
                 <a:spcPct val="150000"/>
               </a:lnSpc>
             </a:pPr>
             <a:r>
               <a:rPr lang="en-US" sz="1600"/>
-              <a:t>Time field gets the value of timestamp.  </a:t>
-            </a:r>
-          </a:p>
-          <a:p>
-            <a:pPr fontAlgn="base">
-              <a:lnSpc>
-                <a:spcPct val="150000"/>
-              </a:lnSpc>
-            </a:pPr>
-            <a:r>
-              <a:rPr lang="en-US" sz="1600"/>
-              <a:t>communication.py</a:t>
-            </a:r>
-          </a:p>
-          <a:p>
-            <a:pPr lvl="1" fontAlgn="base">
-              <a:lnSpc>
-                <a:spcPct val="150000"/>
-              </a:lnSpc>
-            </a:pPr>
-            <a:r>
-              <a:rPr lang="en-US" sz="1600"/>
-              <a:t>Class that sends message to Monitor endpoint.</a:t>
+              <a:t>observations arrays.</a:t>
             </a:r>
           </a:p>
         </p:txBody>
@@ -7208,13 +7229,20 @@
     </p:spTree>
     <p:extLst>
       <p:ext uri="{BB962C8B-B14F-4D97-AF65-F5344CB8AC3E}">
-        <p14:creationId xmlns:p14="http://schemas.microsoft.com/office/powerpoint/2010/main" val="551809934"/>
+        <p14:creationId xmlns:p14="http://schemas.microsoft.com/office/powerpoint/2010/main" val="1528951877"/>
       </p:ext>
     </p:extLst>
   </p:cSld>
   <p:clrMapOvr>
     <a:masterClrMapping/>
   </p:clrMapOvr>
+  <p:timing>
+    <p:tnLst>
+      <p:par>
+        <p:cTn id="1" dur="indefinite" restart="never" nodeType="tmRoot"/>
+      </p:par>
+    </p:tnLst>
+  </p:timing>
 </p:sld>
 </file>
 
@@ -7250,9 +7278,9 @@
           <a:bodyPr/>
           <a:lstStyle/>
           <a:p>
-            <a:fld id="{22C5AF9B-4E1A-4A9A-A06C-6A72C418229F}" type="datetime1">
+            <a:fld id="{33EF8AB6-88BE-426A-88D6-1E3557BB8A88}" type="datetime1">
               <a:rPr lang="en-US" smtClean="0"/>
-              <a:t>9/17/18</a:t>
+              <a:t>10/28/2018</a:t>
             </a:fld>
             <a:endParaRPr lang="en-US"/>
           </a:p>
@@ -7372,7 +7400,7 @@
             </a:pPr>
             <a:r>
               <a:rPr lang="en-US" sz="1600"/>
-              <a:t>data.py</a:t>
+              <a:t>message.py</a:t>
             </a:r>
           </a:p>
           <a:p>
@@ -7383,7 +7411,7 @@
             </a:pPr>
             <a:r>
               <a:rPr lang="en-US" sz="1600"/>
-              <a:t>Class that builds data arrays with values of:</a:t>
+              <a:t>Class that builds the message to send to Monitor with values of:</a:t>
             </a:r>
           </a:p>
           <a:p>
@@ -7393,8 +7421,12 @@
               </a:lnSpc>
             </a:pPr>
             <a:r>
+              <a:rPr lang="en-US" sz="1600" err="1"/>
+              <a:t>probeId</a:t>
+            </a:r>
+            <a:r>
               <a:rPr lang="en-US" sz="1600"/>
-              <a:t>type;</a:t>
+              <a:t>;</a:t>
             </a:r>
           </a:p>
           <a:p>
@@ -7405,7 +7437,7 @@
             </a:pPr>
             <a:r>
               <a:rPr lang="en-US" sz="1600" err="1"/>
-              <a:t>descriptionId</a:t>
+              <a:t>resourceId</a:t>
             </a:r>
             <a:r>
               <a:rPr lang="en-US" sz="1600"/>
@@ -7419,8 +7451,38 @@
               </a:lnSpc>
             </a:pPr>
             <a:r>
+              <a:rPr lang="en-US" sz="1600" err="1"/>
+              <a:t>messageId</a:t>
+            </a:r>
+            <a:r>
               <a:rPr lang="en-US" sz="1600"/>
-              <a:t>observations arrays.</a:t>
+              <a:t>;</a:t>
+            </a:r>
+          </a:p>
+          <a:p>
+            <a:pPr lvl="2" fontAlgn="base">
+              <a:lnSpc>
+                <a:spcPct val="150000"/>
+              </a:lnSpc>
+            </a:pPr>
+            <a:r>
+              <a:rPr lang="en-US" sz="1600" err="1"/>
+              <a:t>sentTime</a:t>
+            </a:r>
+            <a:r>
+              <a:rPr lang="en-US" sz="1600"/>
+              <a:t>;</a:t>
+            </a:r>
+          </a:p>
+          <a:p>
+            <a:pPr lvl="2" fontAlgn="base">
+              <a:lnSpc>
+                <a:spcPct val="150000"/>
+              </a:lnSpc>
+            </a:pPr>
+            <a:r>
+              <a:rPr lang="en-US" sz="1600"/>
+              <a:t>data object defined in data.py file.</a:t>
             </a:r>
           </a:p>
         </p:txBody>
@@ -7428,13 +7490,20 @@
     </p:spTree>
     <p:extLst>
       <p:ext uri="{BB962C8B-B14F-4D97-AF65-F5344CB8AC3E}">
-        <p14:creationId xmlns:p14="http://schemas.microsoft.com/office/powerpoint/2010/main" val="1528951877"/>
+        <p14:creationId xmlns:p14="http://schemas.microsoft.com/office/powerpoint/2010/main" val="1323123443"/>
       </p:ext>
     </p:extLst>
   </p:cSld>
   <p:clrMapOvr>
     <a:masterClrMapping/>
   </p:clrMapOvr>
+  <p:timing>
+    <p:tnLst>
+      <p:par>
+        <p:cTn id="1" dur="indefinite" restart="never" nodeType="tmRoot"/>
+      </p:par>
+    </p:tnLst>
+  </p:timing>
 </p:sld>
 </file>
 
@@ -7470,9 +7539,9 @@
           <a:bodyPr/>
           <a:lstStyle/>
           <a:p>
-            <a:fld id="{33EF8AB6-88BE-426A-88D6-1E3557BB8A88}" type="datetime1">
+            <a:fld id="{12ED5A45-37CB-4FA7-A113-4E3FB76A91CB}" type="datetime1">
               <a:rPr lang="en-US" smtClean="0"/>
-              <a:t>9/17/18</a:t>
+              <a:t>10/28/2018</a:t>
             </a:fld>
             <a:endParaRPr lang="en-US"/>
           </a:p>
@@ -7504,7 +7573,7 @@
       </p:sp>
       <p:sp>
         <p:nvSpPr>
-          <p:cNvPr id="5" name="Título 4"/>
+          <p:cNvPr id="6" name="Título 4"/>
           <p:cNvSpPr>
             <a:spLocks noGrp="1"/>
           </p:cNvSpPr>
@@ -7512,7 +7581,12 @@
             <p:ph type="title"/>
           </p:nvPr>
         </p:nvSpPr>
-        <p:spPr/>
+        <p:spPr>
+          <a:xfrm>
+            <a:off x="4532395" y="399177"/>
+            <a:ext cx="2775909" cy="365527"/>
+          </a:xfrm>
+        </p:spPr>
         <p:txBody>
           <a:bodyPr/>
           <a:lstStyle/>
@@ -7535,7 +7609,7 @@
       </p:sp>
       <p:sp>
         <p:nvSpPr>
-          <p:cNvPr id="6" name="Marcador de Posição de Conteúdo 1"/>
+          <p:cNvPr id="7" name="Marcador de Posição de Conteúdo 1"/>
           <p:cNvSpPr>
             <a:spLocks noGrp="1"/>
           </p:cNvSpPr>
@@ -7592,7 +7666,7 @@
             </a:pPr>
             <a:r>
               <a:rPr lang="en-US" sz="1600"/>
-              <a:t>message.py</a:t>
+              <a:t>observation.py</a:t>
             </a:r>
           </a:p>
           <a:p>
@@ -7603,7 +7677,7 @@
             </a:pPr>
             <a:r>
               <a:rPr lang="en-US" sz="1600"/>
-              <a:t>Class that builds the message to send to Monitor with values of:</a:t>
+              <a:t>Class that builds observation arrays with values of:</a:t>
             </a:r>
           </a:p>
           <a:p>
@@ -7613,12 +7687,8 @@
               </a:lnSpc>
             </a:pPr>
             <a:r>
-              <a:rPr lang="en-US" sz="1600" err="1"/>
-              <a:t>probeId</a:t>
-            </a:r>
-            <a:r>
               <a:rPr lang="en-US" sz="1600"/>
-              <a:t>;</a:t>
+              <a:t>time;</a:t>
             </a:r>
           </a:p>
           <a:p>
@@ -7628,53 +7698,8 @@
               </a:lnSpc>
             </a:pPr>
             <a:r>
-              <a:rPr lang="en-US" sz="1600" err="1"/>
-              <a:t>resourceId</a:t>
-            </a:r>
-            <a:r>
               <a:rPr lang="en-US" sz="1600"/>
-              <a:t>;</a:t>
-            </a:r>
-          </a:p>
-          <a:p>
-            <a:pPr lvl="2" fontAlgn="base">
-              <a:lnSpc>
-                <a:spcPct val="150000"/>
-              </a:lnSpc>
-            </a:pPr>
-            <a:r>
-              <a:rPr lang="en-US" sz="1600" err="1"/>
-              <a:t>messageId</a:t>
-            </a:r>
-            <a:r>
-              <a:rPr lang="en-US" sz="1600"/>
-              <a:t>;</a:t>
-            </a:r>
-          </a:p>
-          <a:p>
-            <a:pPr lvl="2" fontAlgn="base">
-              <a:lnSpc>
-                <a:spcPct val="150000"/>
-              </a:lnSpc>
-            </a:pPr>
-            <a:r>
-              <a:rPr lang="en-US" sz="1600" err="1"/>
-              <a:t>sentTime</a:t>
-            </a:r>
-            <a:r>
-              <a:rPr lang="en-US" sz="1600"/>
-              <a:t>;</a:t>
-            </a:r>
-          </a:p>
-          <a:p>
-            <a:pPr lvl="2" fontAlgn="base">
-              <a:lnSpc>
-                <a:spcPct val="150000"/>
-              </a:lnSpc>
-            </a:pPr>
-            <a:r>
-              <a:rPr lang="en-US" sz="1600"/>
-              <a:t>data object defined in data.py file.</a:t>
+              <a:t>value.</a:t>
             </a:r>
           </a:p>
         </p:txBody>
@@ -7682,13 +7707,20 @@
     </p:spTree>
     <p:extLst>
       <p:ext uri="{BB962C8B-B14F-4D97-AF65-F5344CB8AC3E}">
-        <p14:creationId xmlns:p14="http://schemas.microsoft.com/office/powerpoint/2010/main" val="1323123443"/>
+        <p14:creationId xmlns:p14="http://schemas.microsoft.com/office/powerpoint/2010/main" val="2563737382"/>
       </p:ext>
     </p:extLst>
   </p:cSld>
   <p:clrMapOvr>
     <a:masterClrMapping/>
   </p:clrMapOvr>
+  <p:timing>
+    <p:tnLst>
+      <p:par>
+        <p:cTn id="1" dur="indefinite" restart="never" nodeType="tmRoot"/>
+      </p:par>
+    </p:tnLst>
+  </p:timing>
 </p:sld>
 </file>
 
@@ -7724,9 +7756,9 @@
           <a:bodyPr/>
           <a:lstStyle/>
           <a:p>
-            <a:fld id="{12ED5A45-37CB-4FA7-A113-4E3FB76A91CB}" type="datetime1">
+            <a:fld id="{1FAFDD2C-ABA3-426D-AA42-4693EAD2B880}" type="datetime1">
               <a:rPr lang="en-US" smtClean="0"/>
-              <a:t>9/17/18</a:t>
+              <a:t>10/28/2018</a:t>
             </a:fld>
             <a:endParaRPr lang="en-US"/>
           </a:p>
@@ -7819,27 +7851,27 @@
               <a:buNone/>
             </a:pPr>
             <a:r>
-              <a:rPr lang="pt-PT" sz="1600" b="1" err="1"/>
+              <a:rPr lang="pt-PT" sz="1600" b="1" dirty="0" err="1"/>
               <a:t>Example</a:t>
             </a:r>
             <a:r>
-              <a:rPr lang="pt-PT" sz="1600" b="1"/>
+              <a:rPr lang="pt-PT" sz="1600" b="1" dirty="0"/>
               <a:t>: </a:t>
             </a:r>
             <a:r>
-              <a:rPr lang="pt-PT" sz="1600" b="1" err="1"/>
+              <a:rPr lang="pt-PT" sz="1600" b="1" dirty="0" err="1"/>
               <a:t>Probe</a:t>
             </a:r>
             <a:r>
-              <a:rPr lang="pt-PT" sz="1600" b="1"/>
+              <a:rPr lang="pt-PT" sz="1600" b="1" dirty="0"/>
               <a:t> </a:t>
             </a:r>
             <a:r>
-              <a:rPr lang="pt-PT" sz="1600" b="1" err="1"/>
+              <a:rPr lang="pt-PT" sz="1600" b="1" dirty="0" err="1"/>
               <a:t>Python</a:t>
             </a:r>
             <a:r>
-              <a:rPr lang="pt-PT" sz="1600" b="1"/>
+              <a:rPr lang="pt-PT" sz="1600" b="1" dirty="0"/>
               <a:t> Demo</a:t>
             </a:r>
           </a:p>
@@ -7850,217 +7882,7 @@
               </a:lnSpc>
             </a:pPr>
             <a:r>
-              <a:rPr lang="en-US" sz="1600"/>
-              <a:t>observation.py</a:t>
-            </a:r>
-          </a:p>
-          <a:p>
-            <a:pPr lvl="1" fontAlgn="base">
-              <a:lnSpc>
-                <a:spcPct val="150000"/>
-              </a:lnSpc>
-            </a:pPr>
-            <a:r>
-              <a:rPr lang="en-US" sz="1600"/>
-              <a:t>Class that builds observation arrays with values of:</a:t>
-            </a:r>
-          </a:p>
-          <a:p>
-            <a:pPr lvl="2" fontAlgn="base">
-              <a:lnSpc>
-                <a:spcPct val="150000"/>
-              </a:lnSpc>
-            </a:pPr>
-            <a:r>
-              <a:rPr lang="en-US" sz="1600"/>
-              <a:t>time;</a:t>
-            </a:r>
-          </a:p>
-          <a:p>
-            <a:pPr lvl="2" fontAlgn="base">
-              <a:lnSpc>
-                <a:spcPct val="150000"/>
-              </a:lnSpc>
-            </a:pPr>
-            <a:r>
-              <a:rPr lang="en-US" sz="1600"/>
-              <a:t>value.</a:t>
-            </a:r>
-          </a:p>
-        </p:txBody>
-      </p:sp>
-    </p:spTree>
-    <p:extLst>
-      <p:ext uri="{BB962C8B-B14F-4D97-AF65-F5344CB8AC3E}">
-        <p14:creationId xmlns:p14="http://schemas.microsoft.com/office/powerpoint/2010/main" val="2563737382"/>
-      </p:ext>
-    </p:extLst>
-  </p:cSld>
-  <p:clrMapOvr>
-    <a:masterClrMapping/>
-  </p:clrMapOvr>
-</p:sld>
-</file>
-
-<file path=ppt/slides/slide24.xml><?xml version="1.0" encoding="utf-8"?>
-<p:sld xmlns:a="http://schemas.openxmlformats.org/drawingml/2006/main" xmlns:r="http://schemas.openxmlformats.org/officeDocument/2006/relationships" xmlns:p="http://schemas.openxmlformats.org/presentationml/2006/main">
-  <p:cSld>
-    <p:spTree>
-      <p:nvGrpSpPr>
-        <p:cNvPr id="1" name=""/>
-        <p:cNvGrpSpPr/>
-        <p:nvPr/>
-      </p:nvGrpSpPr>
-      <p:grpSpPr>
-        <a:xfrm>
-          <a:off x="0" y="0"/>
-          <a:ext cx="0" cy="0"/>
-          <a:chOff x="0" y="0"/>
-          <a:chExt cx="0" cy="0"/>
-        </a:xfrm>
-      </p:grpSpPr>
-      <p:sp>
-        <p:nvSpPr>
-          <p:cNvPr id="3" name="Marcador de Posição da Data 2"/>
-          <p:cNvSpPr>
-            <a:spLocks noGrp="1"/>
-          </p:cNvSpPr>
-          <p:nvPr>
-            <p:ph type="dt" sz="half" idx="10"/>
-          </p:nvPr>
-        </p:nvSpPr>
-        <p:spPr/>
-        <p:txBody>
-          <a:bodyPr/>
-          <a:lstStyle/>
-          <a:p>
-            <a:fld id="{1FAFDD2C-ABA3-426D-AA42-4693EAD2B880}" type="datetime1">
-              <a:rPr lang="en-US" smtClean="0"/>
-              <a:t>9/17/18</a:t>
-            </a:fld>
-            <a:endParaRPr lang="en-US"/>
-          </a:p>
-        </p:txBody>
-      </p:sp>
-      <p:sp>
-        <p:nvSpPr>
-          <p:cNvPr id="4" name="Marcador de Posição do Número do Diapositivo 3"/>
-          <p:cNvSpPr>
-            <a:spLocks noGrp="1"/>
-          </p:cNvSpPr>
-          <p:nvPr>
-            <p:ph type="sldNum" sz="quarter" idx="12"/>
-          </p:nvPr>
-        </p:nvSpPr>
-        <p:spPr/>
-        <p:txBody>
-          <a:bodyPr/>
-          <a:lstStyle/>
-          <a:p>
-            <a:fld id="{B6F15528-21DE-4FAA-801E-634DDDAF4B2B}" type="slidenum">
-              <a:rPr lang="en-US" smtClean="0"/>
-              <a:pPr/>
-              <a:t>24</a:t>
-            </a:fld>
-            <a:endParaRPr lang="en-US"/>
-          </a:p>
-        </p:txBody>
-      </p:sp>
-      <p:sp>
-        <p:nvSpPr>
-          <p:cNvPr id="6" name="Título 4"/>
-          <p:cNvSpPr>
-            <a:spLocks noGrp="1"/>
-          </p:cNvSpPr>
-          <p:nvPr>
-            <p:ph type="title"/>
-          </p:nvPr>
-        </p:nvSpPr>
-        <p:spPr>
-          <a:xfrm>
-            <a:off x="4532395" y="399177"/>
-            <a:ext cx="2775909" cy="365527"/>
-          </a:xfrm>
-        </p:spPr>
-        <p:txBody>
-          <a:bodyPr/>
-          <a:lstStyle/>
-          <a:p>
-            <a:r>
-              <a:rPr lang="pt-PT" err="1"/>
-              <a:t>Probe</a:t>
-            </a:r>
-            <a:r>
-              <a:rPr lang="pt-PT"/>
-              <a:t> </a:t>
-            </a:r>
-            <a:r>
-              <a:rPr lang="pt-PT" err="1"/>
-              <a:t>Development</a:t>
-            </a:r>
-            <a:endParaRPr lang="pt-PT"/>
-          </a:p>
-        </p:txBody>
-      </p:sp>
-      <p:sp>
-        <p:nvSpPr>
-          <p:cNvPr id="7" name="Marcador de Posição de Conteúdo 1"/>
-          <p:cNvSpPr>
-            <a:spLocks noGrp="1"/>
-          </p:cNvSpPr>
-          <p:nvPr>
-            <p:ph idx="1"/>
-          </p:nvPr>
-        </p:nvSpPr>
-        <p:spPr>
-          <a:xfrm>
-            <a:off x="457200" y="1772816"/>
-            <a:ext cx="8229600" cy="4124747"/>
-          </a:xfrm>
-        </p:spPr>
-        <p:txBody>
-          <a:bodyPr/>
-          <a:lstStyle/>
-          <a:p>
-            <a:pPr marL="0" indent="0">
-              <a:lnSpc>
-                <a:spcPct val="150000"/>
-              </a:lnSpc>
-              <a:buNone/>
-            </a:pPr>
-            <a:r>
-              <a:rPr lang="pt-PT" sz="1600" b="1" err="1"/>
-              <a:t>Example</a:t>
-            </a:r>
-            <a:r>
-              <a:rPr lang="pt-PT" sz="1600" b="1"/>
-              <a:t>: </a:t>
-            </a:r>
-            <a:r>
-              <a:rPr lang="pt-PT" sz="1600" b="1" err="1"/>
-              <a:t>Probe</a:t>
-            </a:r>
-            <a:r>
-              <a:rPr lang="pt-PT" sz="1600" b="1"/>
-              <a:t> </a:t>
-            </a:r>
-            <a:r>
-              <a:rPr lang="pt-PT" sz="1600" b="1" err="1"/>
-              <a:t>Python</a:t>
-            </a:r>
-            <a:r>
-              <a:rPr lang="pt-PT" sz="1600" b="1"/>
-              <a:t> Demo</a:t>
-            </a:r>
-          </a:p>
-          <a:p>
-            <a:pPr fontAlgn="base">
-              <a:lnSpc>
-                <a:spcPct val="150000"/>
-              </a:lnSpc>
-            </a:pPr>
-            <a:r>
-              <a:rPr lang="en-US" sz="1600"/>
+              <a:rPr lang="en-US" sz="1600" dirty="0"/>
               <a:t>After writing all code files, it is needed to build probe Docker image in Worker node. In this case:</a:t>
             </a:r>
           </a:p>
@@ -8071,7 +7893,7 @@
               </a:lnSpc>
               <a:buNone/>
             </a:pPr>
-            <a:endParaRPr lang="en-US" sz="1600"/>
+            <a:endParaRPr lang="en-US" sz="1600" dirty="0"/>
           </a:p>
           <a:p>
             <a:pPr fontAlgn="base">
@@ -8079,7 +7901,7 @@
                 <a:spcPct val="150000"/>
               </a:lnSpc>
             </a:pPr>
-            <a:endParaRPr lang="en-US" sz="1600"/>
+            <a:endParaRPr lang="en-US" sz="1600" dirty="0"/>
           </a:p>
           <a:p>
             <a:pPr fontAlgn="base">
@@ -8088,9 +7910,14 @@
               </a:lnSpc>
             </a:pPr>
             <a:r>
-              <a:rPr lang="en-US" sz="1600"/>
-              <a:t>Finally, deploy the probe in Kubernetes:</a:t>
-            </a:r>
+              <a:rPr lang="en-US" sz="1600" dirty="0"/>
+              <a:t>Finally, deploy the probe in </a:t>
+            </a:r>
+            <a:r>
+              <a:rPr lang="en-US" sz="1600" dirty="0" smtClean="0"/>
+              <a:t>Kubernetes executing the following command in Kubernetes Master:</a:t>
+            </a:r>
+            <a:endParaRPr lang="en-US" sz="1600" dirty="0"/>
           </a:p>
           <a:p>
             <a:pPr marL="0" indent="0" fontAlgn="base">
@@ -8099,41 +7926,41 @@
               </a:lnSpc>
               <a:buNone/>
             </a:pPr>
-            <a:endParaRPr lang="en-US" sz="1600"/>
+            <a:endParaRPr lang="en-US" sz="1600" dirty="0"/>
           </a:p>
           <a:p>
             <a:pPr marL="0" indent="0" fontAlgn="base">
               <a:buNone/>
             </a:pPr>
-            <a:endParaRPr lang="en-US" sz="1600"/>
+            <a:endParaRPr lang="en-US" sz="1600" dirty="0"/>
           </a:p>
           <a:p>
             <a:pPr fontAlgn="base"/>
-            <a:endParaRPr lang="en-US" sz="1600"/>
+            <a:endParaRPr lang="en-US" sz="1600" dirty="0"/>
           </a:p>
           <a:p>
             <a:pPr fontAlgn="base"/>
-            <a:endParaRPr lang="en-US" sz="1600"/>
+            <a:endParaRPr lang="en-US" sz="1600" dirty="0"/>
           </a:p>
           <a:p>
             <a:pPr fontAlgn="base"/>
-            <a:endParaRPr lang="en-US" sz="1600"/>
+            <a:endParaRPr lang="en-US" sz="1600" dirty="0"/>
           </a:p>
           <a:p>
             <a:pPr fontAlgn="base"/>
-            <a:endParaRPr lang="en-US" sz="1600"/>
+            <a:endParaRPr lang="en-US" sz="1600" dirty="0"/>
           </a:p>
           <a:p>
             <a:pPr fontAlgn="base"/>
-            <a:endParaRPr lang="en-US" sz="1600"/>
+            <a:endParaRPr lang="en-US" sz="1600" dirty="0"/>
           </a:p>
           <a:p>
             <a:pPr fontAlgn="base"/>
-            <a:endParaRPr lang="en-US" sz="1600"/>
+            <a:endParaRPr lang="en-US" sz="1600" dirty="0"/>
           </a:p>
           <a:p>
             <a:pPr fontAlgn="base"/>
-            <a:endParaRPr lang="en-US" sz="1600"/>
+            <a:endParaRPr lang="en-US" sz="1600" dirty="0"/>
           </a:p>
         </p:txBody>
       </p:sp>
@@ -8201,7 +8028,7 @@
         </p:blipFill>
         <p:spPr bwMode="auto">
           <a:xfrm>
-            <a:off x="516872" y="4512336"/>
+            <a:off x="516872" y="4858436"/>
             <a:ext cx="8339481" cy="144000"/>
           </a:xfrm>
           <a:prstGeom prst="rect">
@@ -8229,6 +8056,360 @@
   <p:clrMapOvr>
     <a:masterClrMapping/>
   </p:clrMapOvr>
+  <p:timing>
+    <p:tnLst>
+      <p:par>
+        <p:cTn id="1" dur="indefinite" restart="never" nodeType="tmRoot"/>
+      </p:par>
+    </p:tnLst>
+  </p:timing>
+</p:sld>
+</file>
+
+<file path=ppt/slides/slide24.xml><?xml version="1.0" encoding="utf-8"?>
+<p:sld xmlns:a="http://schemas.openxmlformats.org/drawingml/2006/main" xmlns:r="http://schemas.openxmlformats.org/officeDocument/2006/relationships" xmlns:p="http://schemas.openxmlformats.org/presentationml/2006/main">
+  <p:cSld>
+    <p:spTree>
+      <p:nvGrpSpPr>
+        <p:cNvPr id="1" name=""/>
+        <p:cNvGrpSpPr/>
+        <p:nvPr/>
+      </p:nvGrpSpPr>
+      <p:grpSpPr>
+        <a:xfrm>
+          <a:off x="0" y="0"/>
+          <a:ext cx="0" cy="0"/>
+          <a:chOff x="0" y="0"/>
+          <a:chExt cx="0" cy="0"/>
+        </a:xfrm>
+      </p:grpSpPr>
+      <p:sp>
+        <p:nvSpPr>
+          <p:cNvPr id="3" name="Marcador de Posição da Data 2"/>
+          <p:cNvSpPr>
+            <a:spLocks noGrp="1"/>
+          </p:cNvSpPr>
+          <p:nvPr>
+            <p:ph type="dt" sz="half" idx="10"/>
+          </p:nvPr>
+        </p:nvSpPr>
+        <p:spPr/>
+        <p:txBody>
+          <a:bodyPr/>
+          <a:lstStyle/>
+          <a:p>
+            <a:fld id="{4CFC236F-E7C7-41FF-883B-934A96B39F05}" type="datetime1">
+              <a:rPr lang="en-US" smtClean="0"/>
+              <a:t>10/28/2018</a:t>
+            </a:fld>
+            <a:endParaRPr lang="en-US"/>
+          </a:p>
+        </p:txBody>
+      </p:sp>
+      <p:sp>
+        <p:nvSpPr>
+          <p:cNvPr id="4" name="Marcador de Posição do Número do Diapositivo 3"/>
+          <p:cNvSpPr>
+            <a:spLocks noGrp="1"/>
+          </p:cNvSpPr>
+          <p:nvPr>
+            <p:ph type="sldNum" sz="quarter" idx="12"/>
+          </p:nvPr>
+        </p:nvSpPr>
+        <p:spPr/>
+        <p:txBody>
+          <a:bodyPr/>
+          <a:lstStyle/>
+          <a:p>
+            <a:fld id="{B6F15528-21DE-4FAA-801E-634DDDAF4B2B}" type="slidenum">
+              <a:rPr lang="en-US" smtClean="0"/>
+              <a:pPr/>
+              <a:t>24</a:t>
+            </a:fld>
+            <a:endParaRPr lang="en-US"/>
+          </a:p>
+        </p:txBody>
+      </p:sp>
+      <p:sp>
+        <p:nvSpPr>
+          <p:cNvPr id="6" name="Título 4"/>
+          <p:cNvSpPr>
+            <a:spLocks noGrp="1"/>
+          </p:cNvSpPr>
+          <p:nvPr>
+            <p:ph type="title"/>
+          </p:nvPr>
+        </p:nvSpPr>
+        <p:spPr>
+          <a:xfrm>
+            <a:off x="4532395" y="399177"/>
+            <a:ext cx="2775909" cy="365527"/>
+          </a:xfrm>
+        </p:spPr>
+        <p:txBody>
+          <a:bodyPr/>
+          <a:lstStyle/>
+          <a:p>
+            <a:r>
+              <a:rPr lang="pt-PT" dirty="0" err="1"/>
+              <a:t>Probe</a:t>
+            </a:r>
+            <a:r>
+              <a:rPr lang="pt-PT" dirty="0"/>
+              <a:t> </a:t>
+            </a:r>
+            <a:r>
+              <a:rPr lang="pt-PT" dirty="0" err="1"/>
+              <a:t>Development</a:t>
+            </a:r>
+            <a:endParaRPr lang="pt-PT" dirty="0"/>
+          </a:p>
+        </p:txBody>
+      </p:sp>
+      <p:sp>
+        <p:nvSpPr>
+          <p:cNvPr id="7" name="Marcador de Posição de Conteúdo 1"/>
+          <p:cNvSpPr>
+            <a:spLocks noGrp="1"/>
+          </p:cNvSpPr>
+          <p:nvPr>
+            <p:ph idx="1"/>
+          </p:nvPr>
+        </p:nvSpPr>
+        <p:spPr>
+          <a:xfrm>
+            <a:off x="457200" y="1772816"/>
+            <a:ext cx="8229600" cy="4124747"/>
+          </a:xfrm>
+        </p:spPr>
+        <p:txBody>
+          <a:bodyPr/>
+          <a:lstStyle/>
+          <a:p>
+            <a:pPr marL="0" indent="0">
+              <a:buNone/>
+            </a:pPr>
+            <a:r>
+              <a:rPr lang="pt-PT" sz="1600" b="1" dirty="0" err="1"/>
+              <a:t>Example</a:t>
+            </a:r>
+            <a:r>
+              <a:rPr lang="pt-PT" sz="1600" b="1" dirty="0"/>
+              <a:t>: </a:t>
+            </a:r>
+            <a:r>
+              <a:rPr lang="pt-PT" sz="1600" b="1" dirty="0" err="1"/>
+              <a:t>Probe</a:t>
+            </a:r>
+            <a:r>
+              <a:rPr lang="pt-PT" sz="1600" b="1" dirty="0"/>
+              <a:t> </a:t>
+            </a:r>
+            <a:r>
+              <a:rPr lang="pt-PT" sz="1600" b="1" dirty="0" err="1"/>
+              <a:t>Python</a:t>
+            </a:r>
+            <a:r>
+              <a:rPr lang="pt-PT" sz="1600" b="1" dirty="0"/>
+              <a:t> Demo</a:t>
+            </a:r>
+          </a:p>
+          <a:p>
+            <a:pPr marL="0" indent="0">
+              <a:buNone/>
+            </a:pPr>
+            <a:endParaRPr lang="pt-PT" sz="1600" b="1" dirty="0"/>
+          </a:p>
+          <a:p>
+            <a:pPr fontAlgn="base"/>
+            <a:r>
+              <a:rPr lang="en-US" sz="1600" dirty="0"/>
+              <a:t>For testing purposes, execute an Apache Kafka consumer in Apache Kafka pod:</a:t>
+            </a:r>
+          </a:p>
+          <a:p>
+            <a:pPr marL="0" indent="0" fontAlgn="base">
+              <a:buNone/>
+            </a:pPr>
+            <a:endParaRPr lang="en-US" sz="1600" dirty="0"/>
+          </a:p>
+          <a:p>
+            <a:pPr fontAlgn="base"/>
+            <a:endParaRPr lang="pt-PT" sz="1600" dirty="0" smtClean="0"/>
+          </a:p>
+          <a:p>
+            <a:pPr fontAlgn="base"/>
+            <a:r>
+              <a:rPr lang="pt-PT" sz="1600" dirty="0" err="1" smtClean="0"/>
+              <a:t>The</a:t>
+            </a:r>
+            <a:r>
+              <a:rPr lang="pt-PT" sz="1600" dirty="0" smtClean="0"/>
+              <a:t> </a:t>
+            </a:r>
+            <a:r>
+              <a:rPr lang="pt-PT" sz="1600" dirty="0"/>
+              <a:t>data </a:t>
+            </a:r>
+            <a:r>
+              <a:rPr lang="pt-PT" sz="1600" dirty="0" err="1"/>
+              <a:t>is</a:t>
+            </a:r>
+            <a:r>
+              <a:rPr lang="pt-PT" sz="1600" dirty="0"/>
+              <a:t> </a:t>
+            </a:r>
+            <a:r>
+              <a:rPr lang="pt-PT" sz="1600" dirty="0" err="1"/>
+              <a:t>received</a:t>
+            </a:r>
+            <a:r>
+              <a:rPr lang="pt-PT" sz="1600" dirty="0"/>
+              <a:t>:</a:t>
+            </a:r>
+          </a:p>
+          <a:p>
+            <a:pPr marL="0" indent="0" fontAlgn="base">
+              <a:buNone/>
+            </a:pPr>
+            <a:endParaRPr lang="en-US" sz="1600" dirty="0"/>
+          </a:p>
+          <a:p>
+            <a:pPr marL="0" indent="0" fontAlgn="base">
+              <a:buNone/>
+            </a:pPr>
+            <a:endParaRPr lang="en-US" sz="1600" dirty="0"/>
+          </a:p>
+          <a:p>
+            <a:pPr fontAlgn="base"/>
+            <a:endParaRPr lang="en-US" sz="1600" dirty="0"/>
+          </a:p>
+          <a:p>
+            <a:pPr marL="0" indent="0" fontAlgn="base">
+              <a:buNone/>
+            </a:pPr>
+            <a:endParaRPr lang="en-US" sz="1600" dirty="0"/>
+          </a:p>
+          <a:p>
+            <a:pPr fontAlgn="base"/>
+            <a:endParaRPr lang="en-US" sz="1600" dirty="0"/>
+          </a:p>
+          <a:p>
+            <a:pPr fontAlgn="base"/>
+            <a:endParaRPr lang="en-US" sz="1600" dirty="0"/>
+          </a:p>
+          <a:p>
+            <a:pPr fontAlgn="base"/>
+            <a:endParaRPr lang="en-US" sz="1600" dirty="0"/>
+          </a:p>
+          <a:p>
+            <a:pPr fontAlgn="base"/>
+            <a:endParaRPr lang="en-US" sz="1600" dirty="0"/>
+          </a:p>
+          <a:p>
+            <a:pPr fontAlgn="base"/>
+            <a:endParaRPr lang="en-US" sz="1600" dirty="0"/>
+          </a:p>
+          <a:p>
+            <a:pPr fontAlgn="base"/>
+            <a:endParaRPr lang="en-US" sz="1600" dirty="0"/>
+          </a:p>
+          <a:p>
+            <a:pPr fontAlgn="base"/>
+            <a:endParaRPr lang="en-US" sz="1600" dirty="0"/>
+          </a:p>
+          <a:p>
+            <a:pPr fontAlgn="base"/>
+            <a:endParaRPr lang="en-US" sz="1600" dirty="0"/>
+          </a:p>
+          <a:p>
+            <a:pPr fontAlgn="base"/>
+            <a:endParaRPr lang="en-US" sz="1600" dirty="0"/>
+          </a:p>
+        </p:txBody>
+      </p:sp>
+      <p:pic>
+        <p:nvPicPr>
+          <p:cNvPr id="7172" name="Picture 4" descr="https://lh5.googleusercontent.com/TDDUF-z9YnzagWz43AHuRlNz9VYmFVt7EsKCAtzScwuyvOTmuvN3etgepzTKqv0px2S-1LYHqUPEag7OGztDwXkFO48wsEcAEksfmg1Upl5EEQnuuqxhQ1VXctHpwUYUrK8Zwc-OdUw"/>
+          <p:cNvPicPr>
+            <a:picLocks noChangeAspect="1" noChangeArrowheads="1"/>
+          </p:cNvPicPr>
+          <p:nvPr/>
+        </p:nvPicPr>
+        <p:blipFill>
+          <a:blip r:embed="rId2">
+            <a:extLst>
+              <a:ext uri="{28A0092B-C50C-407E-A947-70E740481C1C}">
+                <a14:useLocalDpi xmlns:a14="http://schemas.microsoft.com/office/drawing/2010/main" val="0"/>
+              </a:ext>
+            </a:extLst>
+          </a:blip>
+          <a:srcRect/>
+          <a:stretch>
+            <a:fillRect/>
+          </a:stretch>
+        </p:blipFill>
+        <p:spPr bwMode="auto">
+          <a:xfrm>
+            <a:off x="1109662" y="3639537"/>
+            <a:ext cx="6924675" cy="2133601"/>
+          </a:xfrm>
+          <a:prstGeom prst="rect">
+            <a:avLst/>
+          </a:prstGeom>
+          <a:noFill/>
+          <a:extLst>
+            <a:ext uri="{909E8E84-426E-40DD-AFC4-6F175D3DCCD1}">
+              <a14:hiddenFill xmlns:a14="http://schemas.microsoft.com/office/drawing/2010/main">
+                <a:solidFill>
+                  <a:srgbClr val="FFFFFF"/>
+                </a:solidFill>
+              </a14:hiddenFill>
+            </a:ext>
+          </a:extLst>
+        </p:spPr>
+      </p:pic>
+      <p:pic>
+        <p:nvPicPr>
+          <p:cNvPr id="2" name="Imagem 1"/>
+          <p:cNvPicPr>
+            <a:picLocks noChangeAspect="1"/>
+          </p:cNvPicPr>
+          <p:nvPr/>
+        </p:nvPicPr>
+        <p:blipFill>
+          <a:blip r:embed="rId3"/>
+          <a:stretch>
+            <a:fillRect/>
+          </a:stretch>
+        </p:blipFill>
+        <p:spPr>
+          <a:xfrm>
+            <a:off x="0" y="2767128"/>
+            <a:ext cx="9144000" cy="252301"/>
+          </a:xfrm>
+          <a:prstGeom prst="rect">
+            <a:avLst/>
+          </a:prstGeom>
+        </p:spPr>
+      </p:pic>
+    </p:spTree>
+    <p:extLst>
+      <p:ext uri="{BB962C8B-B14F-4D97-AF65-F5344CB8AC3E}">
+        <p14:creationId xmlns:p14="http://schemas.microsoft.com/office/powerpoint/2010/main" val="1909286332"/>
+      </p:ext>
+    </p:extLst>
+  </p:cSld>
+  <p:clrMapOvr>
+    <a:masterClrMapping/>
+  </p:clrMapOvr>
+  <p:timing>
+    <p:tnLst>
+      <p:par>
+        <p:cTn id="1" dur="indefinite" restart="never" nodeType="tmRoot"/>
+      </p:par>
+    </p:tnLst>
+  </p:timing>
 </p:sld>
 </file>
 
@@ -8251,12 +8432,18 @@
       </p:grpSpPr>
       <p:sp>
         <p:nvSpPr>
-          <p:cNvPr id="3" name="Marcador de Posição da Data 2"/>
-          <p:cNvSpPr>
-            <a:spLocks noGrp="1"/>
-          </p:cNvSpPr>
-          <p:nvPr>
-            <p:ph type="dt" sz="half" idx="10"/>
+          <p:cNvPr id="2" name="Content Placeholder 1">
+            <a:extLst>
+              <a:ext uri="{FF2B5EF4-FFF2-40B4-BE49-F238E27FC236}">
+                <a16:creationId xmlns="" xmlns:a16="http://schemas.microsoft.com/office/drawing/2014/main" id="{0E4E79BB-4D8D-CE43-ACDF-8AB49CE2CF08}"/>
+              </a:ext>
+            </a:extLst>
+          </p:cNvPr>
+          <p:cNvSpPr>
+            <a:spLocks noGrp="1"/>
+          </p:cNvSpPr>
+          <p:nvPr>
+            <p:ph idx="1"/>
           </p:nvPr>
         </p:nvSpPr>
         <p:spPr/>
@@ -8264,9 +8451,288 @@
           <a:bodyPr/>
           <a:lstStyle/>
           <a:p>
-            <a:fld id="{4CFC236F-E7C7-41FF-883B-934A96B39F05}" type="datetime1">
+            <a:pPr marL="0" indent="0">
+              <a:buNone/>
+            </a:pPr>
+            <a:r>
+              <a:rPr lang="pt-PT" sz="1400" b="1" dirty="0" err="1"/>
+              <a:t>Example</a:t>
+            </a:r>
+            <a:r>
+              <a:rPr lang="pt-PT" sz="1400" b="1" dirty="0"/>
+              <a:t>: </a:t>
+            </a:r>
+            <a:r>
+              <a:rPr lang="pt-PT" sz="1400" b="1" dirty="0" err="1"/>
+              <a:t>Probe</a:t>
+            </a:r>
+            <a:r>
+              <a:rPr lang="pt-PT" sz="1400" b="1" dirty="0"/>
+              <a:t> Java Demo</a:t>
+            </a:r>
+          </a:p>
+          <a:p>
+            <a:pPr marL="0" indent="0">
+              <a:buNone/>
+            </a:pPr>
+            <a:endParaRPr lang="pt-PT" sz="1400" b="1" dirty="0"/>
+          </a:p>
+          <a:p>
+            <a:pPr fontAlgn="base"/>
+            <a:r>
+              <a:rPr lang="pt-PT" sz="1400" dirty="0" err="1"/>
+              <a:t>The</a:t>
+            </a:r>
+            <a:r>
+              <a:rPr lang="pt-PT" sz="1400" dirty="0"/>
+              <a:t> </a:t>
+            </a:r>
+            <a:r>
+              <a:rPr lang="pt-PT" sz="1400" dirty="0" err="1"/>
+              <a:t>development</a:t>
+            </a:r>
+            <a:r>
+              <a:rPr lang="pt-PT" sz="1400" dirty="0"/>
+              <a:t> </a:t>
+            </a:r>
+            <a:r>
+              <a:rPr lang="pt-PT" sz="1400" dirty="0" err="1"/>
+              <a:t>of</a:t>
+            </a:r>
+            <a:r>
+              <a:rPr lang="pt-PT" sz="1400" dirty="0"/>
+              <a:t> Java </a:t>
+            </a:r>
+            <a:r>
+              <a:rPr lang="pt-PT" sz="1400" dirty="0" err="1"/>
+              <a:t>probes</a:t>
+            </a:r>
+            <a:r>
+              <a:rPr lang="pt-PT" sz="1400" dirty="0"/>
+              <a:t> can </a:t>
+            </a:r>
+            <a:r>
+              <a:rPr lang="pt-PT" sz="1400" dirty="0" err="1"/>
+              <a:t>be</a:t>
+            </a:r>
+            <a:r>
+              <a:rPr lang="pt-PT" sz="1400" dirty="0"/>
+              <a:t> </a:t>
+            </a:r>
+            <a:r>
+              <a:rPr lang="pt-PT" sz="1400" dirty="0" err="1"/>
+              <a:t>done</a:t>
+            </a:r>
+            <a:r>
+              <a:rPr lang="pt-PT" sz="1400" dirty="0"/>
+              <a:t> </a:t>
+            </a:r>
+            <a:r>
+              <a:rPr lang="pt-PT" sz="1400" dirty="0" err="1"/>
+              <a:t>by</a:t>
+            </a:r>
+            <a:r>
+              <a:rPr lang="pt-PT" sz="1400" dirty="0"/>
+              <a:t> </a:t>
+            </a:r>
+            <a:r>
+              <a:rPr lang="pt-PT" sz="1400" dirty="0" err="1"/>
+              <a:t>using</a:t>
+            </a:r>
+            <a:r>
+              <a:rPr lang="pt-PT" sz="1400" dirty="0"/>
+              <a:t> a </a:t>
+            </a:r>
+            <a:r>
+              <a:rPr lang="pt-PT" sz="1400" dirty="0" err="1"/>
+              <a:t>library</a:t>
+            </a:r>
+            <a:r>
+              <a:rPr lang="pt-PT" sz="1400" dirty="0"/>
+              <a:t> </a:t>
+            </a:r>
+            <a:r>
+              <a:rPr lang="pt-PT" sz="1400" dirty="0" err="1"/>
+              <a:t>which</a:t>
+            </a:r>
+            <a:r>
+              <a:rPr lang="pt-PT" sz="1400" dirty="0"/>
+              <a:t> </a:t>
+            </a:r>
+            <a:r>
+              <a:rPr lang="pt-PT" sz="1400" dirty="0" err="1"/>
+              <a:t>is</a:t>
+            </a:r>
+            <a:r>
+              <a:rPr lang="pt-PT" sz="1400" dirty="0"/>
+              <a:t> </a:t>
+            </a:r>
+            <a:r>
+              <a:rPr lang="pt-PT" sz="1400" dirty="0" err="1"/>
+              <a:t>available</a:t>
+            </a:r>
+            <a:r>
+              <a:rPr lang="pt-PT" sz="1400" dirty="0"/>
+              <a:t> </a:t>
+            </a:r>
+            <a:r>
+              <a:rPr lang="pt-PT" sz="1400" dirty="0" err="1"/>
+              <a:t>through</a:t>
+            </a:r>
+            <a:r>
+              <a:rPr lang="pt-PT" sz="1400" dirty="0"/>
+              <a:t> </a:t>
+            </a:r>
+            <a:r>
+              <a:rPr lang="pt-PT" sz="1400" dirty="0" err="1"/>
+              <a:t>Maven</a:t>
+            </a:r>
+            <a:r>
+              <a:rPr lang="pt-PT" sz="1400" dirty="0"/>
+              <a:t>:</a:t>
+            </a:r>
+          </a:p>
+          <a:p>
+            <a:pPr marL="0" indent="0" fontAlgn="base">
+              <a:buNone/>
+            </a:pPr>
+            <a:endParaRPr lang="pt-PT" sz="1400" dirty="0"/>
+          </a:p>
+          <a:p>
+            <a:pPr marL="0" indent="0" fontAlgn="base">
+              <a:buNone/>
+            </a:pPr>
+            <a:endParaRPr lang="pt-PT" sz="1400" dirty="0"/>
+          </a:p>
+          <a:p>
+            <a:pPr marL="0" indent="0" fontAlgn="base">
+              <a:buNone/>
+            </a:pPr>
+            <a:r>
+              <a:rPr lang="pt-PT" sz="1400" dirty="0"/>
+              <a:t> </a:t>
+            </a:r>
+            <a:r>
+              <a:rPr lang="pt-PT" sz="1400" dirty="0" err="1"/>
+              <a:t>Reference</a:t>
+            </a:r>
+            <a:r>
+              <a:rPr lang="pt-PT" sz="1400" dirty="0"/>
+              <a:t>: </a:t>
+            </a:r>
+            <a:r>
+              <a:rPr lang="pt-PT" sz="1400" dirty="0">
+                <a:hlinkClick r:id="rId2"/>
+              </a:rPr>
+              <a:t>https://github.com/eubr-atmosphere/tma-framework-m/tree/master/development/libraries</a:t>
+            </a:r>
+            <a:endParaRPr lang="pt-PT" sz="1400" dirty="0"/>
+          </a:p>
+          <a:p>
+            <a:pPr fontAlgn="base"/>
+            <a:endParaRPr lang="pt-PT" sz="1400" dirty="0"/>
+          </a:p>
+          <a:p>
+            <a:pPr fontAlgn="base"/>
+            <a:endParaRPr lang="pt-PT" sz="1400" dirty="0"/>
+          </a:p>
+          <a:p>
+            <a:pPr fontAlgn="base"/>
+            <a:r>
+              <a:rPr lang="pt-PT" sz="1400" dirty="0"/>
+              <a:t>To use </a:t>
+            </a:r>
+            <a:r>
+              <a:rPr lang="pt-PT" sz="1400" dirty="0" err="1"/>
+              <a:t>the</a:t>
+            </a:r>
+            <a:r>
+              <a:rPr lang="pt-PT" sz="1400" dirty="0"/>
+              <a:t> </a:t>
+            </a:r>
+            <a:r>
+              <a:rPr lang="pt-PT" sz="1400" dirty="0" err="1"/>
+              <a:t>library</a:t>
+            </a:r>
+            <a:r>
+              <a:rPr lang="pt-PT" sz="1400" dirty="0"/>
+              <a:t>, </a:t>
+            </a:r>
+            <a:r>
+              <a:rPr lang="pt-PT" sz="1400" dirty="0" err="1"/>
+              <a:t>add</a:t>
+            </a:r>
+            <a:r>
+              <a:rPr lang="pt-PT" sz="1400" dirty="0"/>
+              <a:t> </a:t>
+            </a:r>
+            <a:r>
+              <a:rPr lang="pt-PT" sz="1400" dirty="0" err="1"/>
+              <a:t>the</a:t>
+            </a:r>
+            <a:r>
+              <a:rPr lang="pt-PT" sz="1400" dirty="0"/>
+              <a:t> </a:t>
+            </a:r>
+            <a:r>
+              <a:rPr lang="pt-PT" sz="1400" dirty="0" err="1"/>
+              <a:t>following</a:t>
+            </a:r>
+            <a:r>
+              <a:rPr lang="pt-PT" sz="1400" dirty="0"/>
+              <a:t> </a:t>
+            </a:r>
+            <a:r>
+              <a:rPr lang="pt-PT" sz="1400" dirty="0" err="1"/>
+              <a:t>reference</a:t>
+            </a:r>
+            <a:r>
+              <a:rPr lang="pt-PT" sz="1400" dirty="0"/>
+              <a:t> to </a:t>
+            </a:r>
+            <a:r>
+              <a:rPr lang="pt-PT" sz="1400" dirty="0" err="1"/>
+              <a:t>the</a:t>
+            </a:r>
+            <a:r>
+              <a:rPr lang="pt-PT" sz="1400" dirty="0"/>
+              <a:t> </a:t>
+            </a:r>
+            <a:r>
+              <a:rPr lang="pt-PT" sz="1400" dirty="0" err="1"/>
+              <a:t>probe</a:t>
+            </a:r>
+            <a:r>
+              <a:rPr lang="pt-PT" sz="1400" dirty="0"/>
+              <a:t>:</a:t>
+            </a:r>
+          </a:p>
+        </p:txBody>
+      </p:sp>
+      <p:sp>
+        <p:nvSpPr>
+          <p:cNvPr id="3" name="Date Placeholder 2">
+            <a:extLst>
+              <a:ext uri="{FF2B5EF4-FFF2-40B4-BE49-F238E27FC236}">
+                <a16:creationId xmlns="" xmlns:a16="http://schemas.microsoft.com/office/drawing/2014/main" id="{A349400B-3130-0744-9654-D08618C8589C}"/>
+              </a:ext>
+            </a:extLst>
+          </p:cNvPr>
+          <p:cNvSpPr>
+            <a:spLocks noGrp="1"/>
+          </p:cNvSpPr>
+          <p:nvPr>
+            <p:ph type="dt" sz="half" idx="10"/>
+          </p:nvPr>
+        </p:nvSpPr>
+        <p:spPr/>
+        <p:txBody>
+          <a:bodyPr/>
+          <a:lstStyle/>
+          <a:p>
+            <a:fld id="{9F72D088-E9AC-0049-ACFB-7F9F1D8E616E}" type="datetime1">
               <a:rPr lang="en-US" smtClean="0"/>
-              <a:t>9/17/18</a:t>
+              <a:t>10/28/2018</a:t>
             </a:fld>
             <a:endParaRPr lang="en-US"/>
           </a:p>
@@ -8274,7 +8740,13 @@
       </p:sp>
       <p:sp>
         <p:nvSpPr>
-          <p:cNvPr id="4" name="Marcador de Posição do Número do Diapositivo 3"/>
+          <p:cNvPr id="4" name="Slide Number Placeholder 3">
+            <a:extLst>
+              <a:ext uri="{FF2B5EF4-FFF2-40B4-BE49-F238E27FC236}">
+                <a16:creationId xmlns="" xmlns:a16="http://schemas.microsoft.com/office/drawing/2014/main" id="{3FBE17DB-BD1D-AE46-9B37-35605BCF654B}"/>
+              </a:ext>
+            </a:extLst>
+          </p:cNvPr>
           <p:cNvSpPr>
             <a:spLocks noGrp="1"/>
           </p:cNvSpPr>
@@ -8298,650 +8770,10 @@
       </p:sp>
       <p:sp>
         <p:nvSpPr>
-          <p:cNvPr id="6" name="Título 4"/>
-          <p:cNvSpPr>
-            <a:spLocks noGrp="1"/>
-          </p:cNvSpPr>
-          <p:nvPr>
-            <p:ph type="title"/>
-          </p:nvPr>
-        </p:nvSpPr>
-        <p:spPr>
-          <a:xfrm>
-            <a:off x="4532395" y="399177"/>
-            <a:ext cx="2775909" cy="365527"/>
-          </a:xfrm>
-        </p:spPr>
-        <p:txBody>
-          <a:bodyPr/>
-          <a:lstStyle/>
-          <a:p>
-            <a:r>
-              <a:rPr lang="pt-PT" dirty="0" err="1"/>
-              <a:t>Probe</a:t>
-            </a:r>
-            <a:r>
-              <a:rPr lang="pt-PT" dirty="0"/>
-              <a:t> </a:t>
-            </a:r>
-            <a:r>
-              <a:rPr lang="pt-PT" dirty="0" err="1"/>
-              <a:t>Development</a:t>
-            </a:r>
-            <a:endParaRPr lang="pt-PT" dirty="0"/>
-          </a:p>
-        </p:txBody>
-      </p:sp>
-      <p:sp>
-        <p:nvSpPr>
-          <p:cNvPr id="7" name="Marcador de Posição de Conteúdo 1"/>
-          <p:cNvSpPr>
-            <a:spLocks noGrp="1"/>
-          </p:cNvSpPr>
-          <p:nvPr>
-            <p:ph idx="1"/>
-          </p:nvPr>
-        </p:nvSpPr>
-        <p:spPr>
-          <a:xfrm>
-            <a:off x="457200" y="1772816"/>
-            <a:ext cx="8229600" cy="4124747"/>
-          </a:xfrm>
-        </p:spPr>
-        <p:txBody>
-          <a:bodyPr/>
-          <a:lstStyle/>
-          <a:p>
-            <a:pPr marL="0" indent="0">
-              <a:buNone/>
-            </a:pPr>
-            <a:r>
-              <a:rPr lang="pt-PT" sz="1600" b="1" dirty="0" err="1"/>
-              <a:t>Example</a:t>
-            </a:r>
-            <a:r>
-              <a:rPr lang="pt-PT" sz="1600" b="1" dirty="0"/>
-              <a:t>: </a:t>
-            </a:r>
-            <a:r>
-              <a:rPr lang="pt-PT" sz="1600" b="1" dirty="0" err="1"/>
-              <a:t>Probe</a:t>
-            </a:r>
-            <a:r>
-              <a:rPr lang="pt-PT" sz="1600" b="1" dirty="0"/>
-              <a:t> </a:t>
-            </a:r>
-            <a:r>
-              <a:rPr lang="pt-PT" sz="1600" b="1" dirty="0" err="1"/>
-              <a:t>Python</a:t>
-            </a:r>
-            <a:r>
-              <a:rPr lang="pt-PT" sz="1600" b="1" dirty="0"/>
-              <a:t> Demo</a:t>
-            </a:r>
-          </a:p>
-          <a:p>
-            <a:pPr marL="0" indent="0">
-              <a:buNone/>
-            </a:pPr>
-            <a:endParaRPr lang="pt-PT" sz="1600" b="1" dirty="0"/>
-          </a:p>
-          <a:p>
-            <a:pPr fontAlgn="base"/>
-            <a:r>
-              <a:rPr lang="en-US" sz="1600" dirty="0"/>
-              <a:t>For testing purposes, execute an Apache Kafka consumer in Apache Kafka pod:</a:t>
-            </a:r>
-          </a:p>
-          <a:p>
-            <a:pPr marL="0" indent="0" fontAlgn="base">
-              <a:buNone/>
-            </a:pPr>
-            <a:endParaRPr lang="en-US" sz="1600" dirty="0"/>
-          </a:p>
-          <a:p>
-            <a:pPr fontAlgn="base"/>
-            <a:r>
-              <a:rPr lang="pt-PT" sz="1600" dirty="0" err="1"/>
-              <a:t>The</a:t>
-            </a:r>
-            <a:r>
-              <a:rPr lang="pt-PT" sz="1600" dirty="0"/>
-              <a:t> data </a:t>
-            </a:r>
-            <a:r>
-              <a:rPr lang="pt-PT" sz="1600" dirty="0" err="1"/>
-              <a:t>is</a:t>
-            </a:r>
-            <a:r>
-              <a:rPr lang="pt-PT" sz="1600" dirty="0"/>
-              <a:t> </a:t>
-            </a:r>
-            <a:r>
-              <a:rPr lang="pt-PT" sz="1600" dirty="0" err="1"/>
-              <a:t>received</a:t>
-            </a:r>
-            <a:r>
-              <a:rPr lang="pt-PT" sz="1600" dirty="0"/>
-              <a:t>:</a:t>
-            </a:r>
-          </a:p>
-          <a:p>
-            <a:pPr marL="0" indent="0" fontAlgn="base">
-              <a:buNone/>
-            </a:pPr>
-            <a:endParaRPr lang="en-US" sz="1600" dirty="0"/>
-          </a:p>
-          <a:p>
-            <a:pPr marL="0" indent="0" fontAlgn="base">
-              <a:buNone/>
-            </a:pPr>
-            <a:endParaRPr lang="en-US" sz="1600" dirty="0"/>
-          </a:p>
-          <a:p>
-            <a:pPr fontAlgn="base"/>
-            <a:endParaRPr lang="en-US" sz="1600" dirty="0"/>
-          </a:p>
-          <a:p>
-            <a:pPr marL="0" indent="0" fontAlgn="base">
-              <a:buNone/>
-            </a:pPr>
-            <a:endParaRPr lang="en-US" sz="1600" dirty="0"/>
-          </a:p>
-          <a:p>
-            <a:pPr fontAlgn="base"/>
-            <a:endParaRPr lang="en-US" sz="1600" dirty="0"/>
-          </a:p>
-          <a:p>
-            <a:pPr fontAlgn="base"/>
-            <a:endParaRPr lang="en-US" sz="1600" dirty="0"/>
-          </a:p>
-          <a:p>
-            <a:pPr fontAlgn="base"/>
-            <a:endParaRPr lang="en-US" sz="1600" dirty="0"/>
-          </a:p>
-          <a:p>
-            <a:pPr fontAlgn="base"/>
-            <a:endParaRPr lang="en-US" sz="1600" dirty="0"/>
-          </a:p>
-          <a:p>
-            <a:pPr fontAlgn="base"/>
-            <a:endParaRPr lang="en-US" sz="1600" dirty="0"/>
-          </a:p>
-          <a:p>
-            <a:pPr fontAlgn="base"/>
-            <a:endParaRPr lang="en-US" sz="1600" dirty="0"/>
-          </a:p>
-          <a:p>
-            <a:pPr fontAlgn="base"/>
-            <a:endParaRPr lang="en-US" sz="1600" dirty="0"/>
-          </a:p>
-          <a:p>
-            <a:pPr fontAlgn="base"/>
-            <a:endParaRPr lang="en-US" sz="1600" dirty="0"/>
-          </a:p>
-          <a:p>
-            <a:pPr fontAlgn="base"/>
-            <a:endParaRPr lang="en-US" sz="1600" dirty="0"/>
-          </a:p>
-        </p:txBody>
-      </p:sp>
-      <p:pic>
-        <p:nvPicPr>
-          <p:cNvPr id="7170" name="Picture 2" descr="https://lh4.googleusercontent.com/xQM58pC8SLccPwEx02ypEzZq2Fv80VFJ3TDxRhoSkZSB-bZjDiyvI6LJ8afYdAVGSRHyEE8eagQDyP5HdOAlFpGi33ORm3nan5zAVo-3a7ZU9adLnFLjntWw15qQhf1qeviNV6cn9K8"/>
-          <p:cNvPicPr>
-            <a:picLocks noChangeAspect="1" noChangeArrowheads="1"/>
-          </p:cNvPicPr>
-          <p:nvPr/>
-        </p:nvPicPr>
-        <p:blipFill>
-          <a:blip r:embed="rId2">
-            <a:extLst>
-              <a:ext uri="{28A0092B-C50C-407E-A947-70E740481C1C}">
-                <a14:useLocalDpi xmlns:a14="http://schemas.microsoft.com/office/drawing/2010/main" val="0"/>
-              </a:ext>
-            </a:extLst>
-          </a:blip>
-          <a:srcRect/>
-          <a:stretch>
-            <a:fillRect/>
-          </a:stretch>
-        </p:blipFill>
-        <p:spPr bwMode="auto">
-          <a:xfrm>
-            <a:off x="215779" y="2714857"/>
-            <a:ext cx="8448675" cy="228600"/>
-          </a:xfrm>
-          <a:prstGeom prst="rect">
-            <a:avLst/>
-          </a:prstGeom>
-          <a:noFill/>
-          <a:extLst>
-            <a:ext uri="{909E8E84-426E-40DD-AFC4-6F175D3DCCD1}">
-              <a14:hiddenFill xmlns:a14="http://schemas.microsoft.com/office/drawing/2010/main">
-                <a:solidFill>
-                  <a:srgbClr val="FFFFFF"/>
-                </a:solidFill>
-              </a14:hiddenFill>
-            </a:ext>
-          </a:extLst>
-        </p:spPr>
-      </p:pic>
-      <p:pic>
-        <p:nvPicPr>
-          <p:cNvPr id="7172" name="Picture 4" descr="https://lh5.googleusercontent.com/TDDUF-z9YnzagWz43AHuRlNz9VYmFVt7EsKCAtzScwuyvOTmuvN3etgepzTKqv0px2S-1LYHqUPEag7OGztDwXkFO48wsEcAEksfmg1Upl5EEQnuuqxhQ1VXctHpwUYUrK8Zwc-OdUw"/>
-          <p:cNvPicPr>
-            <a:picLocks noChangeAspect="1" noChangeArrowheads="1"/>
-          </p:cNvPicPr>
-          <p:nvPr/>
-        </p:nvPicPr>
-        <p:blipFill>
-          <a:blip r:embed="rId3">
-            <a:extLst>
-              <a:ext uri="{28A0092B-C50C-407E-A947-70E740481C1C}">
-                <a14:useLocalDpi xmlns:a14="http://schemas.microsoft.com/office/drawing/2010/main" val="0"/>
-              </a:ext>
-            </a:extLst>
-          </a:blip>
-          <a:srcRect/>
-          <a:stretch>
-            <a:fillRect/>
-          </a:stretch>
-        </p:blipFill>
-        <p:spPr bwMode="auto">
-          <a:xfrm>
-            <a:off x="977780" y="3447513"/>
-            <a:ext cx="6924675" cy="2133601"/>
-          </a:xfrm>
-          <a:prstGeom prst="rect">
-            <a:avLst/>
-          </a:prstGeom>
-          <a:noFill/>
-          <a:extLst>
-            <a:ext uri="{909E8E84-426E-40DD-AFC4-6F175D3DCCD1}">
-              <a14:hiddenFill xmlns:a14="http://schemas.microsoft.com/office/drawing/2010/main">
-                <a:solidFill>
-                  <a:srgbClr val="FFFFFF"/>
-                </a:solidFill>
-              </a14:hiddenFill>
-            </a:ext>
-          </a:extLst>
-        </p:spPr>
-      </p:pic>
-    </p:spTree>
-    <p:extLst>
-      <p:ext uri="{BB962C8B-B14F-4D97-AF65-F5344CB8AC3E}">
-        <p14:creationId xmlns:p14="http://schemas.microsoft.com/office/powerpoint/2010/main" val="1909286332"/>
-      </p:ext>
-    </p:extLst>
-  </p:cSld>
-  <p:clrMapOvr>
-    <a:masterClrMapping/>
-  </p:clrMapOvr>
-</p:sld>
-</file>
-
-<file path=ppt/slides/slide26.xml><?xml version="1.0" encoding="utf-8"?>
-<p:sld xmlns:a="http://schemas.openxmlformats.org/drawingml/2006/main" xmlns:r="http://schemas.openxmlformats.org/officeDocument/2006/relationships" xmlns:p="http://schemas.openxmlformats.org/presentationml/2006/main">
-  <p:cSld>
-    <p:spTree>
-      <p:nvGrpSpPr>
-        <p:cNvPr id="1" name=""/>
-        <p:cNvGrpSpPr/>
-        <p:nvPr/>
-      </p:nvGrpSpPr>
-      <p:grpSpPr>
-        <a:xfrm>
-          <a:off x="0" y="0"/>
-          <a:ext cx="0" cy="0"/>
-          <a:chOff x="0" y="0"/>
-          <a:chExt cx="0" cy="0"/>
-        </a:xfrm>
-      </p:grpSpPr>
-      <p:sp>
-        <p:nvSpPr>
-          <p:cNvPr id="2" name="Content Placeholder 1">
-            <a:extLst>
-              <a:ext uri="{FF2B5EF4-FFF2-40B4-BE49-F238E27FC236}">
-                <a16:creationId xmlns:a16="http://schemas.microsoft.com/office/drawing/2014/main" id="{0E4E79BB-4D8D-CE43-ACDF-8AB49CE2CF08}"/>
-              </a:ext>
-            </a:extLst>
-          </p:cNvPr>
-          <p:cNvSpPr>
-            <a:spLocks noGrp="1"/>
-          </p:cNvSpPr>
-          <p:nvPr>
-            <p:ph idx="1"/>
-          </p:nvPr>
-        </p:nvSpPr>
-        <p:spPr/>
-        <p:txBody>
-          <a:bodyPr/>
-          <a:lstStyle/>
-          <a:p>
-            <a:pPr marL="0" indent="0">
-              <a:buNone/>
-            </a:pPr>
-            <a:r>
-              <a:rPr lang="pt-PT" sz="1400" b="1" dirty="0" err="1"/>
-              <a:t>Example</a:t>
-            </a:r>
-            <a:r>
-              <a:rPr lang="pt-PT" sz="1400" b="1" dirty="0"/>
-              <a:t>: </a:t>
-            </a:r>
-            <a:r>
-              <a:rPr lang="pt-PT" sz="1400" b="1" dirty="0" err="1"/>
-              <a:t>Probe</a:t>
-            </a:r>
-            <a:r>
-              <a:rPr lang="pt-PT" sz="1400" b="1" dirty="0"/>
-              <a:t> Java Demo</a:t>
-            </a:r>
-          </a:p>
-          <a:p>
-            <a:pPr marL="0" indent="0">
-              <a:buNone/>
-            </a:pPr>
-            <a:endParaRPr lang="pt-PT" sz="1400" b="1" dirty="0"/>
-          </a:p>
-          <a:p>
-            <a:pPr fontAlgn="base"/>
-            <a:r>
-              <a:rPr lang="pt-PT" sz="1400" dirty="0" err="1"/>
-              <a:t>The</a:t>
-            </a:r>
-            <a:r>
-              <a:rPr lang="pt-PT" sz="1400" dirty="0"/>
-              <a:t> </a:t>
-            </a:r>
-            <a:r>
-              <a:rPr lang="pt-PT" sz="1400" dirty="0" err="1"/>
-              <a:t>development</a:t>
-            </a:r>
-            <a:r>
-              <a:rPr lang="pt-PT" sz="1400" dirty="0"/>
-              <a:t> </a:t>
-            </a:r>
-            <a:r>
-              <a:rPr lang="pt-PT" sz="1400" dirty="0" err="1"/>
-              <a:t>of</a:t>
-            </a:r>
-            <a:r>
-              <a:rPr lang="pt-PT" sz="1400" dirty="0"/>
-              <a:t> Java </a:t>
-            </a:r>
-            <a:r>
-              <a:rPr lang="pt-PT" sz="1400" dirty="0" err="1"/>
-              <a:t>probes</a:t>
-            </a:r>
-            <a:r>
-              <a:rPr lang="pt-PT" sz="1400" dirty="0"/>
-              <a:t> can </a:t>
-            </a:r>
-            <a:r>
-              <a:rPr lang="pt-PT" sz="1400" dirty="0" err="1"/>
-              <a:t>be</a:t>
-            </a:r>
-            <a:r>
-              <a:rPr lang="pt-PT" sz="1400" dirty="0"/>
-              <a:t> </a:t>
-            </a:r>
-            <a:r>
-              <a:rPr lang="pt-PT" sz="1400" dirty="0" err="1"/>
-              <a:t>done</a:t>
-            </a:r>
-            <a:r>
-              <a:rPr lang="pt-PT" sz="1400" dirty="0"/>
-              <a:t> </a:t>
-            </a:r>
-            <a:r>
-              <a:rPr lang="pt-PT" sz="1400" dirty="0" err="1"/>
-              <a:t>by</a:t>
-            </a:r>
-            <a:r>
-              <a:rPr lang="pt-PT" sz="1400" dirty="0"/>
-              <a:t> </a:t>
-            </a:r>
-            <a:r>
-              <a:rPr lang="pt-PT" sz="1400" dirty="0" err="1"/>
-              <a:t>using</a:t>
-            </a:r>
-            <a:r>
-              <a:rPr lang="pt-PT" sz="1400" dirty="0"/>
-              <a:t> a </a:t>
-            </a:r>
-            <a:r>
-              <a:rPr lang="pt-PT" sz="1400" dirty="0" err="1"/>
-              <a:t>library</a:t>
-            </a:r>
-            <a:r>
-              <a:rPr lang="pt-PT" sz="1400" dirty="0"/>
-              <a:t> </a:t>
-            </a:r>
-            <a:r>
-              <a:rPr lang="pt-PT" sz="1400" dirty="0" err="1"/>
-              <a:t>which</a:t>
-            </a:r>
-            <a:r>
-              <a:rPr lang="pt-PT" sz="1400" dirty="0"/>
-              <a:t> </a:t>
-            </a:r>
-            <a:r>
-              <a:rPr lang="pt-PT" sz="1400" dirty="0" err="1"/>
-              <a:t>is</a:t>
-            </a:r>
-            <a:r>
-              <a:rPr lang="pt-PT" sz="1400" dirty="0"/>
-              <a:t> </a:t>
-            </a:r>
-            <a:r>
-              <a:rPr lang="pt-PT" sz="1400" dirty="0" err="1"/>
-              <a:t>available</a:t>
-            </a:r>
-            <a:r>
-              <a:rPr lang="pt-PT" sz="1400" dirty="0"/>
-              <a:t> </a:t>
-            </a:r>
-            <a:r>
-              <a:rPr lang="pt-PT" sz="1400" dirty="0" err="1"/>
-              <a:t>through</a:t>
-            </a:r>
-            <a:r>
-              <a:rPr lang="pt-PT" sz="1400" dirty="0"/>
-              <a:t> </a:t>
-            </a:r>
-            <a:r>
-              <a:rPr lang="pt-PT" sz="1400" dirty="0" err="1"/>
-              <a:t>Maven</a:t>
-            </a:r>
-            <a:r>
-              <a:rPr lang="pt-PT" sz="1400" dirty="0"/>
-              <a:t>:</a:t>
-            </a:r>
-          </a:p>
-          <a:p>
-            <a:pPr marL="0" indent="0" fontAlgn="base">
-              <a:buNone/>
-            </a:pPr>
-            <a:endParaRPr lang="pt-PT" sz="1400" dirty="0"/>
-          </a:p>
-          <a:p>
-            <a:pPr marL="0" indent="0" fontAlgn="base">
-              <a:buNone/>
-            </a:pPr>
-            <a:endParaRPr lang="pt-PT" sz="1400" dirty="0"/>
-          </a:p>
-          <a:p>
-            <a:pPr marL="0" indent="0" fontAlgn="base">
-              <a:buNone/>
-            </a:pPr>
-            <a:r>
-              <a:rPr lang="pt-PT" sz="1400" dirty="0"/>
-              <a:t> </a:t>
-            </a:r>
-            <a:r>
-              <a:rPr lang="pt-PT" sz="1400" dirty="0" err="1"/>
-              <a:t>Reference</a:t>
-            </a:r>
-            <a:r>
-              <a:rPr lang="pt-PT" sz="1400" dirty="0"/>
-              <a:t>: </a:t>
-            </a:r>
-            <a:r>
-              <a:rPr lang="pt-PT" sz="1400" dirty="0">
-                <a:hlinkClick r:id="rId2"/>
-              </a:rPr>
-              <a:t>https://github.com/eubr-atmosphere/tma-framework-m/tree/master/development/libraries</a:t>
-            </a:r>
-            <a:endParaRPr lang="pt-PT" sz="1400" dirty="0"/>
-          </a:p>
-          <a:p>
-            <a:pPr fontAlgn="base"/>
-            <a:endParaRPr lang="pt-PT" sz="1400" dirty="0"/>
-          </a:p>
-          <a:p>
-            <a:pPr fontAlgn="base"/>
-            <a:endParaRPr lang="pt-PT" sz="1400" dirty="0"/>
-          </a:p>
-          <a:p>
-            <a:pPr fontAlgn="base"/>
-            <a:r>
-              <a:rPr lang="pt-PT" sz="1400" dirty="0"/>
-              <a:t>To use </a:t>
-            </a:r>
-            <a:r>
-              <a:rPr lang="pt-PT" sz="1400" dirty="0" err="1"/>
-              <a:t>the</a:t>
-            </a:r>
-            <a:r>
-              <a:rPr lang="pt-PT" sz="1400" dirty="0"/>
-              <a:t> </a:t>
-            </a:r>
-            <a:r>
-              <a:rPr lang="pt-PT" sz="1400" dirty="0" err="1"/>
-              <a:t>library</a:t>
-            </a:r>
-            <a:r>
-              <a:rPr lang="pt-PT" sz="1400" dirty="0"/>
-              <a:t>, </a:t>
-            </a:r>
-            <a:r>
-              <a:rPr lang="pt-PT" sz="1400" dirty="0" err="1"/>
-              <a:t>add</a:t>
-            </a:r>
-            <a:r>
-              <a:rPr lang="pt-PT" sz="1400" dirty="0"/>
-              <a:t> </a:t>
-            </a:r>
-            <a:r>
-              <a:rPr lang="pt-PT" sz="1400" dirty="0" err="1"/>
-              <a:t>the</a:t>
-            </a:r>
-            <a:r>
-              <a:rPr lang="pt-PT" sz="1400" dirty="0"/>
-              <a:t> </a:t>
-            </a:r>
-            <a:r>
-              <a:rPr lang="pt-PT" sz="1400" dirty="0" err="1"/>
-              <a:t>following</a:t>
-            </a:r>
-            <a:r>
-              <a:rPr lang="pt-PT" sz="1400" dirty="0"/>
-              <a:t> </a:t>
-            </a:r>
-            <a:r>
-              <a:rPr lang="pt-PT" sz="1400" dirty="0" err="1"/>
-              <a:t>reference</a:t>
-            </a:r>
-            <a:r>
-              <a:rPr lang="pt-PT" sz="1400" dirty="0"/>
-              <a:t> to </a:t>
-            </a:r>
-            <a:r>
-              <a:rPr lang="pt-PT" sz="1400" dirty="0" err="1"/>
-              <a:t>the</a:t>
-            </a:r>
-            <a:r>
-              <a:rPr lang="pt-PT" sz="1400" dirty="0"/>
-              <a:t> </a:t>
-            </a:r>
-            <a:r>
-              <a:rPr lang="pt-PT" sz="1400" dirty="0" err="1"/>
-              <a:t>probe</a:t>
-            </a:r>
-            <a:r>
-              <a:rPr lang="pt-PT" sz="1400" dirty="0"/>
-              <a:t>:</a:t>
-            </a:r>
-          </a:p>
-        </p:txBody>
-      </p:sp>
-      <p:sp>
-        <p:nvSpPr>
-          <p:cNvPr id="3" name="Date Placeholder 2">
-            <a:extLst>
-              <a:ext uri="{FF2B5EF4-FFF2-40B4-BE49-F238E27FC236}">
-                <a16:creationId xmlns:a16="http://schemas.microsoft.com/office/drawing/2014/main" id="{A349400B-3130-0744-9654-D08618C8589C}"/>
-              </a:ext>
-            </a:extLst>
-          </p:cNvPr>
-          <p:cNvSpPr>
-            <a:spLocks noGrp="1"/>
-          </p:cNvSpPr>
-          <p:nvPr>
-            <p:ph type="dt" sz="half" idx="10"/>
-          </p:nvPr>
-        </p:nvSpPr>
-        <p:spPr/>
-        <p:txBody>
-          <a:bodyPr/>
-          <a:lstStyle/>
-          <a:p>
-            <a:fld id="{9F72D088-E9AC-0049-ACFB-7F9F1D8E616E}" type="datetime1">
-              <a:rPr lang="en-US" smtClean="0"/>
-              <a:t>9/17/18</a:t>
-            </a:fld>
-            <a:endParaRPr lang="en-US"/>
-          </a:p>
-        </p:txBody>
-      </p:sp>
-      <p:sp>
-        <p:nvSpPr>
-          <p:cNvPr id="4" name="Slide Number Placeholder 3">
-            <a:extLst>
-              <a:ext uri="{FF2B5EF4-FFF2-40B4-BE49-F238E27FC236}">
-                <a16:creationId xmlns:a16="http://schemas.microsoft.com/office/drawing/2014/main" id="{3FBE17DB-BD1D-AE46-9B37-35605BCF654B}"/>
-              </a:ext>
-            </a:extLst>
-          </p:cNvPr>
-          <p:cNvSpPr>
-            <a:spLocks noGrp="1"/>
-          </p:cNvSpPr>
-          <p:nvPr>
-            <p:ph type="sldNum" sz="quarter" idx="12"/>
-          </p:nvPr>
-        </p:nvSpPr>
-        <p:spPr/>
-        <p:txBody>
-          <a:bodyPr/>
-          <a:lstStyle/>
-          <a:p>
-            <a:fld id="{B6F15528-21DE-4FAA-801E-634DDDAF4B2B}" type="slidenum">
-              <a:rPr lang="en-US" smtClean="0"/>
-              <a:pPr/>
-              <a:t>26</a:t>
-            </a:fld>
-            <a:endParaRPr lang="en-US"/>
-          </a:p>
-        </p:txBody>
-      </p:sp>
-      <p:sp>
-        <p:nvSpPr>
           <p:cNvPr id="5" name="Title 4">
             <a:extLst>
               <a:ext uri="{FF2B5EF4-FFF2-40B4-BE49-F238E27FC236}">
-                <a16:creationId xmlns:a16="http://schemas.microsoft.com/office/drawing/2014/main" id="{90C4DFB5-F43B-3A47-9E1D-15AC2184514C}"/>
+                <a16:creationId xmlns="" xmlns:a16="http://schemas.microsoft.com/office/drawing/2014/main" id="{90C4DFB5-F43B-3A47-9E1D-15AC2184514C}"/>
               </a:ext>
             </a:extLst>
           </p:cNvPr>
@@ -8978,7 +8810,7 @@
           <p:cNvPr id="7" name="Imagem 6">
             <a:extLst>
               <a:ext uri="{FF2B5EF4-FFF2-40B4-BE49-F238E27FC236}">
-                <a16:creationId xmlns:a16="http://schemas.microsoft.com/office/drawing/2014/main" id="{3A4D6BE8-D8F0-E043-B6AE-0499A4283F95}"/>
+                <a16:creationId xmlns="" xmlns:a16="http://schemas.microsoft.com/office/drawing/2014/main" id="{3A4D6BE8-D8F0-E043-B6AE-0499A4283F95}"/>
               </a:ext>
             </a:extLst>
           </p:cNvPr>
@@ -9018,7 +8850,7 @@
           <p:cNvPr id="9" name="Imagem 8">
             <a:extLst>
               <a:ext uri="{FF2B5EF4-FFF2-40B4-BE49-F238E27FC236}">
-                <a16:creationId xmlns:a16="http://schemas.microsoft.com/office/drawing/2014/main" id="{D580984E-4E63-2B44-9ABA-3584DC67FD2B}"/>
+                <a16:creationId xmlns="" xmlns:a16="http://schemas.microsoft.com/office/drawing/2014/main" id="{D580984E-4E63-2B44-9ABA-3584DC67FD2B}"/>
               </a:ext>
             </a:extLst>
           </p:cNvPr>
@@ -9064,10 +8896,17 @@
   <p:clrMapOvr>
     <a:masterClrMapping/>
   </p:clrMapOvr>
+  <p:timing>
+    <p:tnLst>
+      <p:par>
+        <p:cTn id="1" dur="indefinite" restart="never" nodeType="tmRoot"/>
+      </p:par>
+    </p:tnLst>
+  </p:timing>
 </p:sld>
 </file>
 
-<file path=ppt/slides/slide27.xml><?xml version="1.0" encoding="utf-8"?>
+<file path=ppt/slides/slide26.xml><?xml version="1.0" encoding="utf-8"?>
 <p:sld xmlns:a="http://schemas.openxmlformats.org/drawingml/2006/main" xmlns:r="http://schemas.openxmlformats.org/officeDocument/2006/relationships" xmlns:p="http://schemas.openxmlformats.org/presentationml/2006/main">
   <p:cSld>
     <p:spTree>
@@ -9089,7 +8928,7 @@
           <p:cNvPr id="2" name="Content Placeholder 1">
             <a:extLst>
               <a:ext uri="{FF2B5EF4-FFF2-40B4-BE49-F238E27FC236}">
-                <a16:creationId xmlns:a16="http://schemas.microsoft.com/office/drawing/2014/main" id="{0E4E79BB-4D8D-CE43-ACDF-8AB49CE2CF08}"/>
+                <a16:creationId xmlns="" xmlns:a16="http://schemas.microsoft.com/office/drawing/2014/main" id="{0E4E79BB-4D8D-CE43-ACDF-8AB49CE2CF08}"/>
               </a:ext>
             </a:extLst>
           </p:cNvPr>
@@ -9221,7 +9060,7 @@
           <p:cNvPr id="3" name="Date Placeholder 2">
             <a:extLst>
               <a:ext uri="{FF2B5EF4-FFF2-40B4-BE49-F238E27FC236}">
-                <a16:creationId xmlns:a16="http://schemas.microsoft.com/office/drawing/2014/main" id="{A349400B-3130-0744-9654-D08618C8589C}"/>
+                <a16:creationId xmlns="" xmlns:a16="http://schemas.microsoft.com/office/drawing/2014/main" id="{A349400B-3130-0744-9654-D08618C8589C}"/>
               </a:ext>
             </a:extLst>
           </p:cNvPr>
@@ -9239,7 +9078,7 @@
           <a:p>
             <a:fld id="{9F72D088-E9AC-0049-ACFB-7F9F1D8E616E}" type="datetime1">
               <a:rPr lang="en-US" smtClean="0"/>
-              <a:t>9/17/18</a:t>
+              <a:t>10/28/2018</a:t>
             </a:fld>
             <a:endParaRPr lang="en-US"/>
           </a:p>
@@ -9250,7 +9089,7 @@
           <p:cNvPr id="4" name="Slide Number Placeholder 3">
             <a:extLst>
               <a:ext uri="{FF2B5EF4-FFF2-40B4-BE49-F238E27FC236}">
-                <a16:creationId xmlns:a16="http://schemas.microsoft.com/office/drawing/2014/main" id="{3FBE17DB-BD1D-AE46-9B37-35605BCF654B}"/>
+                <a16:creationId xmlns="" xmlns:a16="http://schemas.microsoft.com/office/drawing/2014/main" id="{3FBE17DB-BD1D-AE46-9B37-35605BCF654B}"/>
               </a:ext>
             </a:extLst>
           </p:cNvPr>
@@ -9269,7 +9108,7 @@
             <a:fld id="{B6F15528-21DE-4FAA-801E-634DDDAF4B2B}" type="slidenum">
               <a:rPr lang="en-US" smtClean="0"/>
               <a:pPr/>
-              <a:t>27</a:t>
+              <a:t>26</a:t>
             </a:fld>
             <a:endParaRPr lang="en-US"/>
           </a:p>
@@ -9280,7 +9119,7 @@
           <p:cNvPr id="5" name="Title 4">
             <a:extLst>
               <a:ext uri="{FF2B5EF4-FFF2-40B4-BE49-F238E27FC236}">
-                <a16:creationId xmlns:a16="http://schemas.microsoft.com/office/drawing/2014/main" id="{90C4DFB5-F43B-3A47-9E1D-15AC2184514C}"/>
+                <a16:creationId xmlns="" xmlns:a16="http://schemas.microsoft.com/office/drawing/2014/main" id="{90C4DFB5-F43B-3A47-9E1D-15AC2184514C}"/>
               </a:ext>
             </a:extLst>
           </p:cNvPr>
@@ -9317,7 +9156,7 @@
           <p:cNvPr id="8" name="Imagem 7">
             <a:extLst>
               <a:ext uri="{FF2B5EF4-FFF2-40B4-BE49-F238E27FC236}">
-                <a16:creationId xmlns:a16="http://schemas.microsoft.com/office/drawing/2014/main" id="{FD9AEBAD-D627-C240-B74C-06AC4D3CF747}"/>
+                <a16:creationId xmlns="" xmlns:a16="http://schemas.microsoft.com/office/drawing/2014/main" id="{FD9AEBAD-D627-C240-B74C-06AC4D3CF747}"/>
               </a:ext>
             </a:extLst>
           </p:cNvPr>
@@ -9363,6 +9202,176 @@
   <p:clrMapOvr>
     <a:masterClrMapping/>
   </p:clrMapOvr>
+  <p:timing>
+    <p:tnLst>
+      <p:par>
+        <p:cTn id="1" dur="indefinite" restart="never" nodeType="tmRoot"/>
+      </p:par>
+    </p:tnLst>
+  </p:timing>
+</p:sld>
+</file>
+
+<file path=ppt/slides/slide27.xml><?xml version="1.0" encoding="utf-8"?>
+<p:sld xmlns:a="http://schemas.openxmlformats.org/drawingml/2006/main" xmlns:r="http://schemas.openxmlformats.org/officeDocument/2006/relationships" xmlns:p="http://schemas.openxmlformats.org/presentationml/2006/main">
+  <p:cSld>
+    <p:spTree>
+      <p:nvGrpSpPr>
+        <p:cNvPr id="1" name=""/>
+        <p:cNvGrpSpPr/>
+        <p:nvPr/>
+      </p:nvGrpSpPr>
+      <p:grpSpPr>
+        <a:xfrm>
+          <a:off x="0" y="0"/>
+          <a:ext cx="0" cy="0"/>
+          <a:chOff x="0" y="0"/>
+          <a:chExt cx="0" cy="0"/>
+        </a:xfrm>
+      </p:grpSpPr>
+      <p:sp>
+        <p:nvSpPr>
+          <p:cNvPr id="3" name="Marcador de Posição da Data 2"/>
+          <p:cNvSpPr>
+            <a:spLocks noGrp="1"/>
+          </p:cNvSpPr>
+          <p:nvPr>
+            <p:ph type="dt" sz="half" idx="10"/>
+          </p:nvPr>
+        </p:nvSpPr>
+        <p:spPr/>
+        <p:txBody>
+          <a:bodyPr/>
+          <a:lstStyle/>
+          <a:p>
+            <a:fld id="{739B5859-568F-4FD8-B4E3-F5DED0E25631}" type="datetime1">
+              <a:rPr lang="en-US" smtClean="0"/>
+              <a:t>10/28/2018</a:t>
+            </a:fld>
+            <a:endParaRPr lang="en-US"/>
+          </a:p>
+        </p:txBody>
+      </p:sp>
+      <p:sp>
+        <p:nvSpPr>
+          <p:cNvPr id="4" name="Marcador de Posição do Número do Diapositivo 3"/>
+          <p:cNvSpPr>
+            <a:spLocks noGrp="1"/>
+          </p:cNvSpPr>
+          <p:nvPr>
+            <p:ph type="sldNum" sz="quarter" idx="12"/>
+          </p:nvPr>
+        </p:nvSpPr>
+        <p:spPr/>
+        <p:txBody>
+          <a:bodyPr/>
+          <a:lstStyle/>
+          <a:p>
+            <a:fld id="{B6F15528-21DE-4FAA-801E-634DDDAF4B2B}" type="slidenum">
+              <a:rPr lang="en-US" smtClean="0"/>
+              <a:pPr/>
+              <a:t>27</a:t>
+            </a:fld>
+            <a:endParaRPr lang="en-US"/>
+          </a:p>
+        </p:txBody>
+      </p:sp>
+      <p:sp>
+        <p:nvSpPr>
+          <p:cNvPr id="6" name="Retângulo 5"/>
+          <p:cNvSpPr/>
+          <p:nvPr/>
+        </p:nvSpPr>
+        <p:spPr>
+          <a:xfrm>
+            <a:off x="662121" y="3075057"/>
+            <a:ext cx="7819769" cy="707886"/>
+          </a:xfrm>
+          <a:prstGeom prst="rect">
+            <a:avLst/>
+          </a:prstGeom>
+        </p:spPr>
+        <p:txBody>
+          <a:bodyPr wrap="none">
+            <a:spAutoFit/>
+          </a:bodyPr>
+          <a:lstStyle/>
+          <a:p>
+            <a:pPr marL="742950" lvl="0" indent="-742950" algn="ctr" fontAlgn="base">
+              <a:buFont typeface="+mj-lt"/>
+              <a:buAutoNum type="arabicPeriod" startAt="5"/>
+            </a:pPr>
+            <a:r>
+              <a:rPr lang="pt-PT" sz="4000" err="1">
+                <a:solidFill>
+                  <a:srgbClr val="262626"/>
+                </a:solidFill>
+                <a:latin typeface="Century Gothic" panose="020B0502020202020204" pitchFamily="34" charset="0"/>
+              </a:rPr>
+              <a:t>Container</a:t>
+            </a:r>
+            <a:r>
+              <a:rPr lang="pt-PT" sz="4000">
+                <a:solidFill>
+                  <a:srgbClr val="262626"/>
+                </a:solidFill>
+                <a:latin typeface="Century Gothic" panose="020B0502020202020204" pitchFamily="34" charset="0"/>
+              </a:rPr>
+              <a:t> </a:t>
+            </a:r>
+            <a:r>
+              <a:rPr lang="pt-PT" sz="4000" err="1">
+                <a:solidFill>
+                  <a:srgbClr val="262626"/>
+                </a:solidFill>
+                <a:latin typeface="Century Gothic" panose="020B0502020202020204" pitchFamily="34" charset="0"/>
+              </a:rPr>
+              <a:t>Metrics</a:t>
+            </a:r>
+            <a:r>
+              <a:rPr lang="pt-PT" sz="4000">
+                <a:solidFill>
+                  <a:srgbClr val="262626"/>
+                </a:solidFill>
+                <a:latin typeface="Century Gothic" panose="020B0502020202020204" pitchFamily="34" charset="0"/>
+              </a:rPr>
+              <a:t> </a:t>
+            </a:r>
+            <a:r>
+              <a:rPr lang="pt-PT" sz="4000" err="1">
+                <a:solidFill>
+                  <a:srgbClr val="262626"/>
+                </a:solidFill>
+                <a:latin typeface="Century Gothic" panose="020B0502020202020204" pitchFamily="34" charset="0"/>
+              </a:rPr>
+              <a:t>Reported</a:t>
+            </a:r>
+            <a:endParaRPr lang="pt-PT" sz="4000">
+              <a:solidFill>
+                <a:srgbClr val="A53010"/>
+              </a:solidFill>
+              <a:latin typeface="Century Gothic" panose="020B0502020202020204" pitchFamily="34" charset="0"/>
+            </a:endParaRPr>
+          </a:p>
+        </p:txBody>
+      </p:sp>
+    </p:spTree>
+    <p:extLst>
+      <p:ext uri="{BB962C8B-B14F-4D97-AF65-F5344CB8AC3E}">
+        <p14:creationId xmlns:p14="http://schemas.microsoft.com/office/powerpoint/2010/main" val="3525021425"/>
+      </p:ext>
+    </p:extLst>
+  </p:cSld>
+  <p:clrMapOvr>
+    <a:masterClrMapping/>
+  </p:clrMapOvr>
+  <p:timing>
+    <p:tnLst>
+      <p:par>
+        <p:cTn id="1" dur="indefinite" restart="never" nodeType="tmRoot"/>
+      </p:par>
+    </p:tnLst>
+  </p:timing>
 </p:sld>
 </file>
 
@@ -9385,12 +9394,12 @@
       </p:grpSpPr>
       <p:sp>
         <p:nvSpPr>
-          <p:cNvPr id="3" name="Marcador de Posição da Data 2"/>
-          <p:cNvSpPr>
-            <a:spLocks noGrp="1"/>
-          </p:cNvSpPr>
-          <p:nvPr>
-            <p:ph type="dt" sz="half" idx="10"/>
+          <p:cNvPr id="2" name="Marcador de Posição de Conteúdo 1"/>
+          <p:cNvSpPr>
+            <a:spLocks noGrp="1"/>
+          </p:cNvSpPr>
+          <p:nvPr>
+            <p:ph idx="1"/>
           </p:nvPr>
         </p:nvSpPr>
         <p:spPr/>
@@ -9398,9 +9407,128 @@
           <a:bodyPr/>
           <a:lstStyle/>
           <a:p>
-            <a:fld id="{739B5859-568F-4FD8-B4E3-F5DED0E25631}" type="datetime1">
+            <a:pPr>
+              <a:lnSpc>
+                <a:spcPct val="150000"/>
+              </a:lnSpc>
+            </a:pPr>
+            <a:r>
+              <a:rPr lang="en-US"/>
+              <a:t>Probe that collects some metrics of a Kubernetes pod;</a:t>
+            </a:r>
+          </a:p>
+          <a:p>
+            <a:pPr>
+              <a:lnSpc>
+                <a:spcPct val="150000"/>
+              </a:lnSpc>
+            </a:pPr>
+            <a:r>
+              <a:rPr lang="en-US"/>
+              <a:t>K8s probe is in this directory:</a:t>
+            </a:r>
+          </a:p>
+          <a:p>
+            <a:pPr>
+              <a:lnSpc>
+                <a:spcPct val="150000"/>
+              </a:lnSpc>
+            </a:pPr>
+            <a:endParaRPr lang="en-US"/>
+          </a:p>
+          <a:p>
+            <a:pPr marL="0" indent="0">
+              <a:lnSpc>
+                <a:spcPct val="150000"/>
+              </a:lnSpc>
+              <a:buNone/>
+            </a:pPr>
+            <a:endParaRPr lang="en-US"/>
+          </a:p>
+          <a:p>
+            <a:pPr fontAlgn="base">
+              <a:lnSpc>
+                <a:spcPct val="150000"/>
+              </a:lnSpc>
+            </a:pPr>
+            <a:r>
+              <a:rPr lang="en-US" sz="1600"/>
+              <a:t>K8s probe is composed by four python files:</a:t>
+            </a:r>
+          </a:p>
+          <a:p>
+            <a:pPr lvl="1" fontAlgn="base">
+              <a:lnSpc>
+                <a:spcPct val="150000"/>
+              </a:lnSpc>
+            </a:pPr>
+            <a:r>
+              <a:rPr lang="en-US" sz="1600"/>
+              <a:t>dockerAPI.py;</a:t>
+            </a:r>
+          </a:p>
+          <a:p>
+            <a:pPr lvl="1" fontAlgn="base">
+              <a:lnSpc>
+                <a:spcPct val="150000"/>
+              </a:lnSpc>
+            </a:pPr>
+            <a:r>
+              <a:rPr lang="en-US" sz="1600"/>
+              <a:t>message.py;</a:t>
+            </a:r>
+          </a:p>
+          <a:p>
+            <a:pPr lvl="1" fontAlgn="base">
+              <a:lnSpc>
+                <a:spcPct val="150000"/>
+              </a:lnSpc>
+            </a:pPr>
+            <a:r>
+              <a:rPr lang="en-US" sz="1600"/>
+              <a:t>data.py;</a:t>
+            </a:r>
+          </a:p>
+          <a:p>
+            <a:pPr lvl="1" fontAlgn="base">
+              <a:lnSpc>
+                <a:spcPct val="150000"/>
+              </a:lnSpc>
+            </a:pPr>
+            <a:r>
+              <a:rPr lang="en-US" sz="1600"/>
+              <a:t>observation.py.</a:t>
+            </a:r>
+            <a:endParaRPr lang="en-US"/>
+          </a:p>
+          <a:p>
+            <a:pPr>
+              <a:lnSpc>
+                <a:spcPct val="150000"/>
+              </a:lnSpc>
+            </a:pPr>
+            <a:endParaRPr lang="pt-PT"/>
+          </a:p>
+        </p:txBody>
+      </p:sp>
+      <p:sp>
+        <p:nvSpPr>
+          <p:cNvPr id="3" name="Marcador de Posição da Data 2"/>
+          <p:cNvSpPr>
+            <a:spLocks noGrp="1"/>
+          </p:cNvSpPr>
+          <p:nvPr>
+            <p:ph type="dt" sz="half" idx="10"/>
+          </p:nvPr>
+        </p:nvSpPr>
+        <p:spPr/>
+        <p:txBody>
+          <a:bodyPr/>
+          <a:lstStyle/>
+          <a:p>
+            <a:fld id="{90A71894-8DEB-4AC6-B088-15A1DD8A4A41}" type="datetime1">
               <a:rPr lang="en-US" smtClean="0"/>
-              <a:t>9/17/18</a:t>
+              <a:t>10/28/2018</a:t>
             </a:fld>
             <a:endParaRPr lang="en-US"/>
           </a:p>
@@ -9432,93 +9560,89 @@
       </p:sp>
       <p:sp>
         <p:nvSpPr>
-          <p:cNvPr id="6" name="Retângulo 5"/>
-          <p:cNvSpPr/>
-          <p:nvPr/>
+          <p:cNvPr id="5" name="Título 4"/>
+          <p:cNvSpPr>
+            <a:spLocks noGrp="1"/>
+          </p:cNvSpPr>
+          <p:nvPr>
+            <p:ph type="title"/>
+          </p:nvPr>
         </p:nvSpPr>
         <p:spPr>
           <a:xfrm>
-            <a:off x="662121" y="3075057"/>
-            <a:ext cx="7819769" cy="707886"/>
+            <a:off x="4511801" y="399177"/>
+            <a:ext cx="3527611" cy="365527"/>
+          </a:xfrm>
+        </p:spPr>
+        <p:txBody>
+          <a:bodyPr/>
+          <a:lstStyle/>
+          <a:p>
+            <a:r>
+              <a:rPr lang="pt-PT" err="1"/>
+              <a:t>Container</a:t>
+            </a:r>
+            <a:r>
+              <a:rPr lang="pt-PT"/>
+              <a:t> </a:t>
+            </a:r>
+            <a:r>
+              <a:rPr lang="pt-PT" err="1"/>
+              <a:t>Metrics</a:t>
+            </a:r>
+            <a:r>
+              <a:rPr lang="pt-PT"/>
+              <a:t> </a:t>
+            </a:r>
+            <a:r>
+              <a:rPr lang="pt-PT" err="1"/>
+              <a:t>Reported</a:t>
+            </a:r>
+            <a:endParaRPr lang="pt-PT"/>
+          </a:p>
+        </p:txBody>
+      </p:sp>
+      <p:pic>
+        <p:nvPicPr>
+          <p:cNvPr id="6" name="Imagem 5"/>
+          <p:cNvPicPr>
+            <a:picLocks noChangeAspect="1"/>
+          </p:cNvPicPr>
+          <p:nvPr/>
+        </p:nvPicPr>
+        <p:blipFill>
+          <a:blip r:embed="rId2"/>
+          <a:stretch>
+            <a:fillRect/>
+          </a:stretch>
+        </p:blipFill>
+        <p:spPr>
+          <a:xfrm>
+            <a:off x="0" y="2745965"/>
+            <a:ext cx="9144000" cy="305365"/>
           </a:xfrm>
           <a:prstGeom prst="rect">
             <a:avLst/>
           </a:prstGeom>
         </p:spPr>
-        <p:txBody>
-          <a:bodyPr wrap="none">
-            <a:spAutoFit/>
-          </a:bodyPr>
-          <a:lstStyle/>
-          <a:p>
-            <a:pPr marL="742950" lvl="0" indent="-742950" algn="ctr" fontAlgn="base">
-              <a:buFont typeface="+mj-lt"/>
-              <a:buAutoNum type="arabicPeriod" startAt="5"/>
-            </a:pPr>
-            <a:r>
-              <a:rPr lang="pt-PT" sz="4000" err="1">
-                <a:solidFill>
-                  <a:srgbClr val="262626"/>
-                </a:solidFill>
-                <a:latin typeface="Century Gothic" panose="020B0502020202020204" pitchFamily="34" charset="0"/>
-              </a:rPr>
-              <a:t>Container</a:t>
-            </a:r>
-            <a:r>
-              <a:rPr lang="pt-PT" sz="4000">
-                <a:solidFill>
-                  <a:srgbClr val="262626"/>
-                </a:solidFill>
-                <a:latin typeface="Century Gothic" panose="020B0502020202020204" pitchFamily="34" charset="0"/>
-              </a:rPr>
-              <a:t> </a:t>
-            </a:r>
-            <a:r>
-              <a:rPr lang="pt-PT" sz="4000" err="1">
-                <a:solidFill>
-                  <a:srgbClr val="262626"/>
-                </a:solidFill>
-                <a:latin typeface="Century Gothic" panose="020B0502020202020204" pitchFamily="34" charset="0"/>
-              </a:rPr>
-              <a:t>Metrics</a:t>
-            </a:r>
-            <a:r>
-              <a:rPr lang="pt-PT" sz="4000">
-                <a:solidFill>
-                  <a:srgbClr val="262626"/>
-                </a:solidFill>
-                <a:latin typeface="Century Gothic" panose="020B0502020202020204" pitchFamily="34" charset="0"/>
-              </a:rPr>
-              <a:t> </a:t>
-            </a:r>
-            <a:r>
-              <a:rPr lang="pt-PT" sz="4000" err="1">
-                <a:solidFill>
-                  <a:srgbClr val="262626"/>
-                </a:solidFill>
-                <a:latin typeface="Century Gothic" panose="020B0502020202020204" pitchFamily="34" charset="0"/>
-              </a:rPr>
-              <a:t>Reported</a:t>
-            </a:r>
-            <a:endParaRPr lang="pt-PT" sz="4000">
-              <a:solidFill>
-                <a:srgbClr val="A53010"/>
-              </a:solidFill>
-              <a:latin typeface="Century Gothic" panose="020B0502020202020204" pitchFamily="34" charset="0"/>
-            </a:endParaRPr>
-          </a:p>
-        </p:txBody>
-      </p:sp>
+      </p:pic>
     </p:spTree>
     <p:extLst>
       <p:ext uri="{BB962C8B-B14F-4D97-AF65-F5344CB8AC3E}">
-        <p14:creationId xmlns:p14="http://schemas.microsoft.com/office/powerpoint/2010/main" val="3525021425"/>
+        <p14:creationId xmlns:p14="http://schemas.microsoft.com/office/powerpoint/2010/main" val="4145623252"/>
       </p:ext>
     </p:extLst>
   </p:cSld>
   <p:clrMapOvr>
     <a:masterClrMapping/>
   </p:clrMapOvr>
+  <p:timing>
+    <p:tnLst>
+      <p:par>
+        <p:cTn id="1" dur="indefinite" restart="never" nodeType="tmRoot"/>
+      </p:par>
+    </p:tnLst>
+  </p:timing>
 </p:sld>
 </file>
 
@@ -9554,45 +9678,6 @@
           <a:bodyPr/>
           <a:lstStyle/>
           <a:p>
-            <a:pPr>
-              <a:lnSpc>
-                <a:spcPct val="150000"/>
-              </a:lnSpc>
-            </a:pPr>
-            <a:r>
-              <a:rPr lang="en-US"/>
-              <a:t>Probe that collects some metrics of a Kubernetes pod;</a:t>
-            </a:r>
-          </a:p>
-          <a:p>
-            <a:pPr>
-              <a:lnSpc>
-                <a:spcPct val="150000"/>
-              </a:lnSpc>
-            </a:pPr>
-            <a:r>
-              <a:rPr lang="en-US"/>
-              <a:t>K8s probe is in this directory:</a:t>
-            </a:r>
-          </a:p>
-          <a:p>
-            <a:pPr>
-              <a:lnSpc>
-                <a:spcPct val="150000"/>
-              </a:lnSpc>
-            </a:pPr>
-            <a:endParaRPr lang="en-US"/>
-          </a:p>
-          <a:p>
-            <a:pPr marL="0" indent="0">
-              <a:lnSpc>
-                <a:spcPct val="150000"/>
-              </a:lnSpc>
-              <a:buNone/>
-            </a:pPr>
-            <a:endParaRPr lang="en-US"/>
-          </a:p>
-          <a:p>
             <a:pPr fontAlgn="base">
               <a:lnSpc>
                 <a:spcPct val="150000"/>
@@ -9600,7 +9685,7 @@
             </a:pPr>
             <a:r>
               <a:rPr lang="en-US" sz="1600"/>
-              <a:t>K8s probe is composed by four python files:</a:t>
+              <a:t>dockerAPI.py</a:t>
             </a:r>
           </a:p>
           <a:p>
@@ -9611,7 +9696,15 @@
             </a:pPr>
             <a:r>
               <a:rPr lang="en-US" sz="1600"/>
-              <a:t>dockerAPI.py;</a:t>
+              <a:t>Metrics such as </a:t>
+            </a:r>
+            <a:r>
+              <a:rPr lang="en-US" sz="1600" err="1"/>
+              <a:t>cpu</a:t>
+            </a:r>
+            <a:r>
+              <a:rPr lang="en-US" sz="1600"/>
+              <a:t> values, memory usage and disk accesses are collected;</a:t>
             </a:r>
           </a:p>
           <a:p>
@@ -9622,7 +9715,15 @@
             </a:pPr>
             <a:r>
               <a:rPr lang="en-US" sz="1600"/>
-              <a:t>message.py;</a:t>
+              <a:t>It sends these metrics in a format of </a:t>
+            </a:r>
+            <a:r>
+              <a:rPr lang="en-US" sz="1600" err="1"/>
+              <a:t>json</a:t>
+            </a:r>
+            <a:r>
+              <a:rPr lang="en-US" sz="1600"/>
+              <a:t> to TMA-Monitor;</a:t>
             </a:r>
           </a:p>
           <a:p>
@@ -9633,7 +9734,18 @@
             </a:pPr>
             <a:r>
               <a:rPr lang="en-US" sz="1600"/>
-              <a:t>data.py;</a:t>
+              <a:t>The format of the messages respects the schema of this project.</a:t>
+            </a:r>
+          </a:p>
+          <a:p>
+            <a:pPr fontAlgn="base">
+              <a:lnSpc>
+                <a:spcPct val="150000"/>
+              </a:lnSpc>
+            </a:pPr>
+            <a:r>
+              <a:rPr lang="en-US" sz="1600"/>
+              <a:t>message.py</a:t>
             </a:r>
           </a:p>
           <a:p>
@@ -9644,15 +9756,12 @@
             </a:pPr>
             <a:r>
               <a:rPr lang="en-US" sz="1600"/>
-              <a:t>observation.py.</a:t>
-            </a:r>
-            <a:endParaRPr lang="en-US"/>
-          </a:p>
-          <a:p>
-            <a:pPr>
-              <a:lnSpc>
-                <a:spcPct val="150000"/>
-              </a:lnSpc>
+              <a:t>Builds the message to send to Monitor API.</a:t>
+            </a:r>
+          </a:p>
+          <a:p>
+            <a:pPr marL="0" indent="0">
+              <a:buNone/>
             </a:pPr>
             <a:endParaRPr lang="pt-PT"/>
           </a:p>
@@ -9673,9 +9782,9 @@
           <a:bodyPr/>
           <a:lstStyle/>
           <a:p>
-            <a:fld id="{90A71894-8DEB-4AC6-B088-15A1DD8A4A41}" type="datetime1">
+            <a:fld id="{AF01AAA2-2263-4F56-8B2F-28186D5621FD}" type="datetime1">
               <a:rPr lang="en-US" smtClean="0"/>
-              <a:t>9/17/18</a:t>
+              <a:t>10/28/2018</a:t>
             </a:fld>
             <a:endParaRPr lang="en-US"/>
           </a:p>
@@ -9707,7 +9816,7 @@
       </p:sp>
       <p:sp>
         <p:nvSpPr>
-          <p:cNvPr id="5" name="Título 4"/>
+          <p:cNvPr id="6" name="Título 4"/>
           <p:cNvSpPr>
             <a:spLocks noGrp="1"/>
           </p:cNvSpPr>
@@ -9717,8 +9826,8 @@
         </p:nvSpPr>
         <p:spPr>
           <a:xfrm>
-            <a:off x="4511801" y="399177"/>
-            <a:ext cx="3527611" cy="365527"/>
+            <a:off x="4532395" y="399177"/>
+            <a:ext cx="3537908" cy="365527"/>
           </a:xfrm>
         </p:spPr>
         <p:txBody>
@@ -9749,57 +9858,23 @@
           </a:p>
         </p:txBody>
       </p:sp>
-      <p:pic>
-        <p:nvPicPr>
-          <p:cNvPr id="8194" name="Picture 2" descr="https://lh3.googleusercontent.com/bT-18IZ1RF8FSOYoL0H8TDLiNbrFWRZB7Nm-PizkaiSIqtDy9xLK_Mxaijq-ibrHFg1df0yXIcqH8Bd73V98pazWco5E3kuBs1q0BqtXDJY9m8uUEhtww1rhQHivIOJHdn0cMLfsRMI"/>
-          <p:cNvPicPr>
-            <a:picLocks noChangeAspect="1" noChangeArrowheads="1"/>
-          </p:cNvPicPr>
-          <p:nvPr/>
-        </p:nvPicPr>
-        <p:blipFill>
-          <a:blip r:embed="rId2">
-            <a:extLst>
-              <a:ext uri="{28A0092B-C50C-407E-A947-70E740481C1C}">
-                <a14:useLocalDpi xmlns:a14="http://schemas.microsoft.com/office/drawing/2010/main" val="0"/>
-              </a:ext>
-            </a:extLst>
-          </a:blip>
-          <a:srcRect/>
-          <a:stretch>
-            <a:fillRect/>
-          </a:stretch>
-        </p:blipFill>
-        <p:spPr bwMode="auto">
-          <a:xfrm>
-            <a:off x="457200" y="2780928"/>
-            <a:ext cx="8091893" cy="261662"/>
-          </a:xfrm>
-          <a:prstGeom prst="rect">
-            <a:avLst/>
-          </a:prstGeom>
-          <a:noFill/>
-          <a:extLst>
-            <a:ext uri="{909E8E84-426E-40DD-AFC4-6F175D3DCCD1}">
-              <a14:hiddenFill xmlns:a14="http://schemas.microsoft.com/office/drawing/2010/main">
-                <a:solidFill>
-                  <a:srgbClr val="FFFFFF"/>
-                </a:solidFill>
-              </a14:hiddenFill>
-            </a:ext>
-          </a:extLst>
-        </p:spPr>
-      </p:pic>
     </p:spTree>
     <p:extLst>
       <p:ext uri="{BB962C8B-B14F-4D97-AF65-F5344CB8AC3E}">
-        <p14:creationId xmlns:p14="http://schemas.microsoft.com/office/powerpoint/2010/main" val="4145623252"/>
+        <p14:creationId xmlns:p14="http://schemas.microsoft.com/office/powerpoint/2010/main" val="3163480084"/>
       </p:ext>
     </p:extLst>
   </p:cSld>
   <p:clrMapOvr>
     <a:masterClrMapping/>
   </p:clrMapOvr>
+  <p:timing>
+    <p:tnLst>
+      <p:par>
+        <p:cTn id="1" dur="indefinite" restart="never" nodeType="tmRoot"/>
+      </p:par>
+    </p:tnLst>
+  </p:timing>
 </p:sld>
 </file>
 
@@ -9861,7 +9936,7 @@
           <a:p>
             <a:fld id="{DDF0C071-DE27-4FA8-BF80-BBF3A8270EF9}" type="datetime1">
               <a:rPr lang="en-US" smtClean="0"/>
-              <a:t>9/17/18</a:t>
+              <a:t>10/28/2018</a:t>
             </a:fld>
             <a:endParaRPr lang="en-US"/>
           </a:p>
@@ -9939,6 +10014,13 @@
   <p:clrMapOvr>
     <a:masterClrMapping/>
   </p:clrMapOvr>
+  <p:timing>
+    <p:tnLst>
+      <p:par>
+        <p:cTn id="1" dur="indefinite" restart="never" nodeType="tmRoot"/>
+      </p:par>
+    </p:tnLst>
+  </p:timing>
 </p:sld>
 </file>
 
@@ -9981,7 +10063,7 @@
             </a:pPr>
             <a:r>
               <a:rPr lang="en-US" sz="1600"/>
-              <a:t>dockerAPI.py</a:t>
+              <a:t>data.py</a:t>
             </a:r>
           </a:p>
           <a:p>
@@ -9992,15 +10074,26 @@
             </a:pPr>
             <a:r>
               <a:rPr lang="en-US" sz="1600"/>
-              <a:t>Metrics such as </a:t>
+              <a:t>Class that represents data object of schema, specifies its type, </a:t>
             </a:r>
             <a:r>
               <a:rPr lang="en-US" sz="1600" err="1"/>
-              <a:t>cpu</a:t>
+              <a:t>descriptionId</a:t>
             </a:r>
             <a:r>
               <a:rPr lang="en-US" sz="1600"/>
-              <a:t> values, memory usage and disk accesses are collected;</a:t>
+              <a:t> and observations.</a:t>
+            </a:r>
+          </a:p>
+          <a:p>
+            <a:pPr fontAlgn="base">
+              <a:lnSpc>
+                <a:spcPct val="150000"/>
+              </a:lnSpc>
+            </a:pPr>
+            <a:r>
+              <a:rPr lang="en-US" sz="1600"/>
+              <a:t>observation.py</a:t>
             </a:r>
           </a:p>
           <a:p>
@@ -10011,55 +10104,8 @@
             </a:pPr>
             <a:r>
               <a:rPr lang="en-US" sz="1600"/>
-              <a:t>It sends these metrics in a format of </a:t>
-            </a:r>
-            <a:r>
-              <a:rPr lang="en-US" sz="1600" err="1"/>
-              <a:t>json</a:t>
-            </a:r>
-            <a:r>
-              <a:rPr lang="en-US" sz="1600"/>
-              <a:t> to TMA-Monitor;</a:t>
-            </a:r>
-          </a:p>
-          <a:p>
-            <a:pPr lvl="1" fontAlgn="base">
-              <a:lnSpc>
-                <a:spcPct val="150000"/>
-              </a:lnSpc>
-            </a:pPr>
-            <a:r>
-              <a:rPr lang="en-US" sz="1600"/>
-              <a:t>The format of the messages respects the schema of this project.</a:t>
-            </a:r>
-          </a:p>
-          <a:p>
-            <a:pPr fontAlgn="base">
-              <a:lnSpc>
-                <a:spcPct val="150000"/>
-              </a:lnSpc>
-            </a:pPr>
-            <a:r>
-              <a:rPr lang="en-US" sz="1600"/>
-              <a:t>message.py</a:t>
-            </a:r>
-          </a:p>
-          <a:p>
-            <a:pPr lvl="1" fontAlgn="base">
-              <a:lnSpc>
-                <a:spcPct val="150000"/>
-              </a:lnSpc>
-            </a:pPr>
-            <a:r>
-              <a:rPr lang="en-US" sz="1600"/>
-              <a:t>Builds the message to send to Monitor API.</a:t>
-            </a:r>
-          </a:p>
-          <a:p>
-            <a:pPr marL="0" indent="0">
-              <a:buNone/>
-            </a:pPr>
-            <a:endParaRPr lang="pt-PT"/>
+              <a:t>Constructs observation object with values of time (timestamp) and value.</a:t>
+            </a:r>
           </a:p>
         </p:txBody>
       </p:sp>
@@ -10078,9 +10124,9 @@
           <a:bodyPr/>
           <a:lstStyle/>
           <a:p>
-            <a:fld id="{AF01AAA2-2263-4F56-8B2F-28186D5621FD}" type="datetime1">
+            <a:fld id="{1686ABD0-C272-4E4D-B8CF-7551C55D4F4E}" type="datetime1">
               <a:rPr lang="en-US" smtClean="0"/>
-              <a:t>9/17/18</a:t>
+              <a:t>10/28/2018</a:t>
             </a:fld>
             <a:endParaRPr lang="en-US"/>
           </a:p>
@@ -10123,7 +10169,7 @@
         <p:spPr>
           <a:xfrm>
             <a:off x="4532395" y="399177"/>
-            <a:ext cx="3537908" cy="365527"/>
+            <a:ext cx="3527611" cy="365527"/>
           </a:xfrm>
         </p:spPr>
         <p:txBody>
@@ -10157,13 +10203,20 @@
     </p:spTree>
     <p:extLst>
       <p:ext uri="{BB962C8B-B14F-4D97-AF65-F5344CB8AC3E}">
-        <p14:creationId xmlns:p14="http://schemas.microsoft.com/office/powerpoint/2010/main" val="3163480084"/>
+        <p14:creationId xmlns:p14="http://schemas.microsoft.com/office/powerpoint/2010/main" val="653218176"/>
       </p:ext>
     </p:extLst>
   </p:cSld>
   <p:clrMapOvr>
     <a:masterClrMapping/>
   </p:clrMapOvr>
+  <p:timing>
+    <p:tnLst>
+      <p:par>
+        <p:cTn id="1" dur="indefinite" restart="never" nodeType="tmRoot"/>
+      </p:par>
+    </p:tnLst>
+  </p:timing>
 </p:sld>
 </file>
 
@@ -10196,59 +10249,117 @@
         </p:nvSpPr>
         <p:spPr/>
         <p:txBody>
-          <a:bodyPr/>
+          <a:bodyPr>
+            <a:normAutofit/>
+          </a:bodyPr>
           <a:lstStyle/>
           <a:p>
-            <a:pPr fontAlgn="base">
+            <a:pPr>
               <a:lnSpc>
                 <a:spcPct val="150000"/>
               </a:lnSpc>
             </a:pPr>
             <a:r>
-              <a:rPr lang="en-US" sz="1600"/>
-              <a:t>data.py</a:t>
-            </a:r>
-          </a:p>
-          <a:p>
-            <a:pPr lvl="1" fontAlgn="base">
+              <a:rPr lang="en-US"/>
+              <a:t>This probe receives as input the name of the </a:t>
+            </a:r>
+            <a:r>
+              <a:rPr lang="en-US" err="1"/>
+              <a:t>docker</a:t>
+            </a:r>
+            <a:r>
+              <a:rPr lang="en-US"/>
+              <a:t> container to monitor, and the </a:t>
+            </a:r>
+            <a:r>
+              <a:rPr lang="en-US" err="1"/>
+              <a:t>url</a:t>
+            </a:r>
+            <a:r>
+              <a:rPr lang="en-US"/>
+              <a:t> of the TMA-Monitor;</a:t>
+            </a:r>
+          </a:p>
+          <a:p>
+            <a:pPr marL="0" indent="0">
               <a:lnSpc>
                 <a:spcPct val="150000"/>
               </a:lnSpc>
-            </a:pPr>
-            <a:r>
-              <a:rPr lang="en-US" sz="1600"/>
-              <a:t>Class that represents data object of schema, specifies its type, </a:t>
-            </a:r>
-            <a:r>
-              <a:rPr lang="en-US" sz="1600" err="1"/>
-              <a:t>descriptionId</a:t>
-            </a:r>
-            <a:r>
-              <a:rPr lang="en-US" sz="1600"/>
-              <a:t> and observations.</a:t>
-            </a:r>
-          </a:p>
-          <a:p>
-            <a:pPr fontAlgn="base">
+              <a:buNone/>
+            </a:pPr>
+            <a:r>
+              <a:rPr lang="en-US" sz="1600" b="1"/>
+              <a:t>Worker Node</a:t>
+            </a:r>
+            <a:endParaRPr lang="en-US" sz="1600"/>
+          </a:p>
+          <a:p>
+            <a:pPr>
               <a:lnSpc>
                 <a:spcPct val="150000"/>
               </a:lnSpc>
             </a:pPr>
             <a:r>
-              <a:rPr lang="en-US" sz="1600"/>
-              <a:t>observation.py</a:t>
-            </a:r>
-          </a:p>
-          <a:p>
-            <a:pPr lvl="1" fontAlgn="base">
+              <a:rPr lang="en-US"/>
+              <a:t>Build Probe Docker image on Worker node;</a:t>
+            </a:r>
+          </a:p>
+          <a:p>
+            <a:pPr>
               <a:lnSpc>
                 <a:spcPct val="150000"/>
               </a:lnSpc>
             </a:pPr>
-            <a:r>
-              <a:rPr lang="en-US" sz="1600"/>
-              <a:t>Constructs observation object with values of time (timestamp) and value.</a:t>
-            </a:r>
+            <a:endParaRPr lang="en-US"/>
+          </a:p>
+          <a:p>
+            <a:pPr>
+              <a:lnSpc>
+                <a:spcPct val="150000"/>
+              </a:lnSpc>
+            </a:pPr>
+            <a:endParaRPr lang="en-US"/>
+          </a:p>
+          <a:p>
+            <a:pPr>
+              <a:lnSpc>
+                <a:spcPct val="150000"/>
+              </a:lnSpc>
+            </a:pPr>
+            <a:r>
+              <a:rPr lang="en-US"/>
+              <a:t>Docker container is executed that will be the managed system;</a:t>
+            </a:r>
+          </a:p>
+          <a:p>
+            <a:pPr marL="0" indent="0">
+              <a:lnSpc>
+                <a:spcPct val="150000"/>
+              </a:lnSpc>
+              <a:buNone/>
+            </a:pPr>
+            <a:endParaRPr lang="en-US"/>
+          </a:p>
+          <a:p>
+            <a:pPr marL="0" indent="0">
+              <a:buNone/>
+            </a:pPr>
+            <a:endParaRPr lang="en-US"/>
+          </a:p>
+          <a:p>
+            <a:endParaRPr lang="en-US"/>
+          </a:p>
+          <a:p>
+            <a:endParaRPr lang="en-US"/>
+          </a:p>
+          <a:p>
+            <a:endParaRPr lang="en-US"/>
+          </a:p>
+          <a:p>
+            <a:pPr marL="0" indent="0">
+              <a:buNone/>
+            </a:pPr>
+            <a:endParaRPr lang="pt-PT" sz="1600" b="1"/>
           </a:p>
         </p:txBody>
       </p:sp>
@@ -10267,9 +10378,9 @@
           <a:bodyPr/>
           <a:lstStyle/>
           <a:p>
-            <a:fld id="{1686ABD0-C272-4E4D-B8CF-7551C55D4F4E}" type="datetime1">
+            <a:fld id="{FA31BDFF-FC2C-4B84-BB5A-7973C14E866C}" type="datetime1">
               <a:rPr lang="en-US" smtClean="0"/>
-              <a:t>9/17/18</a:t>
+              <a:t>10/28/2018</a:t>
             </a:fld>
             <a:endParaRPr lang="en-US"/>
           </a:p>
@@ -10343,294 +10454,6 @@
           </a:p>
         </p:txBody>
       </p:sp>
-    </p:spTree>
-    <p:extLst>
-      <p:ext uri="{BB962C8B-B14F-4D97-AF65-F5344CB8AC3E}">
-        <p14:creationId xmlns:p14="http://schemas.microsoft.com/office/powerpoint/2010/main" val="653218176"/>
-      </p:ext>
-    </p:extLst>
-  </p:cSld>
-  <p:clrMapOvr>
-    <a:masterClrMapping/>
-  </p:clrMapOvr>
-</p:sld>
-</file>
-
-<file path=ppt/slides/slide32.xml><?xml version="1.0" encoding="utf-8"?>
-<p:sld xmlns:a="http://schemas.openxmlformats.org/drawingml/2006/main" xmlns:r="http://schemas.openxmlformats.org/officeDocument/2006/relationships" xmlns:p="http://schemas.openxmlformats.org/presentationml/2006/main">
-  <p:cSld>
-    <p:spTree>
-      <p:nvGrpSpPr>
-        <p:cNvPr id="1" name=""/>
-        <p:cNvGrpSpPr/>
-        <p:nvPr/>
-      </p:nvGrpSpPr>
-      <p:grpSpPr>
-        <a:xfrm>
-          <a:off x="0" y="0"/>
-          <a:ext cx="0" cy="0"/>
-          <a:chOff x="0" y="0"/>
-          <a:chExt cx="0" cy="0"/>
-        </a:xfrm>
-      </p:grpSpPr>
-      <p:sp>
-        <p:nvSpPr>
-          <p:cNvPr id="2" name="Marcador de Posição de Conteúdo 1"/>
-          <p:cNvSpPr>
-            <a:spLocks noGrp="1"/>
-          </p:cNvSpPr>
-          <p:nvPr>
-            <p:ph idx="1"/>
-          </p:nvPr>
-        </p:nvSpPr>
-        <p:spPr/>
-        <p:txBody>
-          <a:bodyPr>
-            <a:normAutofit/>
-          </a:bodyPr>
-          <a:lstStyle/>
-          <a:p>
-            <a:pPr>
-              <a:lnSpc>
-                <a:spcPct val="150000"/>
-              </a:lnSpc>
-            </a:pPr>
-            <a:r>
-              <a:rPr lang="en-US"/>
-              <a:t>This probe receives as input the name of the </a:t>
-            </a:r>
-            <a:r>
-              <a:rPr lang="en-US" err="1"/>
-              <a:t>docker</a:t>
-            </a:r>
-            <a:r>
-              <a:rPr lang="en-US"/>
-              <a:t> container to monitor, and the </a:t>
-            </a:r>
-            <a:r>
-              <a:rPr lang="en-US" err="1"/>
-              <a:t>url</a:t>
-            </a:r>
-            <a:r>
-              <a:rPr lang="en-US"/>
-              <a:t> of the TMA-Monitor;</a:t>
-            </a:r>
-          </a:p>
-          <a:p>
-            <a:pPr marL="0" indent="0">
-              <a:lnSpc>
-                <a:spcPct val="150000"/>
-              </a:lnSpc>
-              <a:buNone/>
-            </a:pPr>
-            <a:r>
-              <a:rPr lang="en-US" sz="1600" b="1"/>
-              <a:t>Worker Node</a:t>
-            </a:r>
-            <a:endParaRPr lang="en-US" sz="1600"/>
-          </a:p>
-          <a:p>
-            <a:pPr>
-              <a:lnSpc>
-                <a:spcPct val="150000"/>
-              </a:lnSpc>
-            </a:pPr>
-            <a:r>
-              <a:rPr lang="en-US"/>
-              <a:t>Build Probe Docker image on Worker node;</a:t>
-            </a:r>
-          </a:p>
-          <a:p>
-            <a:pPr>
-              <a:lnSpc>
-                <a:spcPct val="150000"/>
-              </a:lnSpc>
-            </a:pPr>
-            <a:endParaRPr lang="en-US"/>
-          </a:p>
-          <a:p>
-            <a:pPr>
-              <a:lnSpc>
-                <a:spcPct val="150000"/>
-              </a:lnSpc>
-            </a:pPr>
-            <a:endParaRPr lang="en-US"/>
-          </a:p>
-          <a:p>
-            <a:pPr>
-              <a:lnSpc>
-                <a:spcPct val="150000"/>
-              </a:lnSpc>
-            </a:pPr>
-            <a:r>
-              <a:rPr lang="en-US"/>
-              <a:t>Docker container is executed that will be the managed system;</a:t>
-            </a:r>
-          </a:p>
-          <a:p>
-            <a:pPr marL="0" indent="0">
-              <a:lnSpc>
-                <a:spcPct val="150000"/>
-              </a:lnSpc>
-              <a:buNone/>
-            </a:pPr>
-            <a:endParaRPr lang="en-US"/>
-          </a:p>
-          <a:p>
-            <a:pPr marL="0" indent="0">
-              <a:buNone/>
-            </a:pPr>
-            <a:endParaRPr lang="en-US"/>
-          </a:p>
-          <a:p>
-            <a:endParaRPr lang="en-US"/>
-          </a:p>
-          <a:p>
-            <a:endParaRPr lang="en-US"/>
-          </a:p>
-          <a:p>
-            <a:endParaRPr lang="en-US"/>
-          </a:p>
-          <a:p>
-            <a:pPr marL="0" indent="0">
-              <a:buNone/>
-            </a:pPr>
-            <a:endParaRPr lang="pt-PT" sz="1600" b="1"/>
-          </a:p>
-        </p:txBody>
-      </p:sp>
-      <p:sp>
-        <p:nvSpPr>
-          <p:cNvPr id="3" name="Marcador de Posição da Data 2"/>
-          <p:cNvSpPr>
-            <a:spLocks noGrp="1"/>
-          </p:cNvSpPr>
-          <p:nvPr>
-            <p:ph type="dt" sz="half" idx="10"/>
-          </p:nvPr>
-        </p:nvSpPr>
-        <p:spPr/>
-        <p:txBody>
-          <a:bodyPr/>
-          <a:lstStyle/>
-          <a:p>
-            <a:fld id="{FA31BDFF-FC2C-4B84-BB5A-7973C14E866C}" type="datetime1">
-              <a:rPr lang="en-US" smtClean="0"/>
-              <a:t>9/17/18</a:t>
-            </a:fld>
-            <a:endParaRPr lang="en-US"/>
-          </a:p>
-        </p:txBody>
-      </p:sp>
-      <p:sp>
-        <p:nvSpPr>
-          <p:cNvPr id="4" name="Marcador de Posição do Número do Diapositivo 3"/>
-          <p:cNvSpPr>
-            <a:spLocks noGrp="1"/>
-          </p:cNvSpPr>
-          <p:nvPr>
-            <p:ph type="sldNum" sz="quarter" idx="12"/>
-          </p:nvPr>
-        </p:nvSpPr>
-        <p:spPr/>
-        <p:txBody>
-          <a:bodyPr/>
-          <a:lstStyle/>
-          <a:p>
-            <a:fld id="{B6F15528-21DE-4FAA-801E-634DDDAF4B2B}" type="slidenum">
-              <a:rPr lang="en-US" smtClean="0"/>
-              <a:pPr/>
-              <a:t>32</a:t>
-            </a:fld>
-            <a:endParaRPr lang="en-US"/>
-          </a:p>
-        </p:txBody>
-      </p:sp>
-      <p:sp>
-        <p:nvSpPr>
-          <p:cNvPr id="6" name="Título 4"/>
-          <p:cNvSpPr>
-            <a:spLocks noGrp="1"/>
-          </p:cNvSpPr>
-          <p:nvPr>
-            <p:ph type="title"/>
-          </p:nvPr>
-        </p:nvSpPr>
-        <p:spPr>
-          <a:xfrm>
-            <a:off x="4532395" y="399177"/>
-            <a:ext cx="3527611" cy="365527"/>
-          </a:xfrm>
-        </p:spPr>
-        <p:txBody>
-          <a:bodyPr/>
-          <a:lstStyle/>
-          <a:p>
-            <a:r>
-              <a:rPr lang="pt-PT" err="1"/>
-              <a:t>Container</a:t>
-            </a:r>
-            <a:r>
-              <a:rPr lang="pt-PT"/>
-              <a:t> </a:t>
-            </a:r>
-            <a:r>
-              <a:rPr lang="pt-PT" err="1"/>
-              <a:t>Metrics</a:t>
-            </a:r>
-            <a:r>
-              <a:rPr lang="pt-PT"/>
-              <a:t> </a:t>
-            </a:r>
-            <a:r>
-              <a:rPr lang="pt-PT" err="1"/>
-              <a:t>Reported</a:t>
-            </a:r>
-            <a:endParaRPr lang="pt-PT"/>
-          </a:p>
-        </p:txBody>
-      </p:sp>
-      <p:pic>
-        <p:nvPicPr>
-          <p:cNvPr id="9218" name="Picture 2" descr="https://lh4.googleusercontent.com/KUrwgNjIElJVeYW9YH4DXQjvAvljEwNGOZOeATzNkyEVTZKYIEnBTa-Jfk1ed6l9uu48wbmD49Qzrx6TVpNqLKyj_ks0Z1kqo-lH0KgDuaZ0uw06jiZFinqCpdhZDEECOb__vMdXgQM"/>
-          <p:cNvPicPr>
-            <a:picLocks noChangeAspect="1" noChangeArrowheads="1"/>
-          </p:cNvPicPr>
-          <p:nvPr/>
-        </p:nvPicPr>
-        <p:blipFill>
-          <a:blip r:embed="rId2">
-            <a:extLst>
-              <a:ext uri="{28A0092B-C50C-407E-A947-70E740481C1C}">
-                <a14:useLocalDpi xmlns:a14="http://schemas.microsoft.com/office/drawing/2010/main" val="0"/>
-              </a:ext>
-            </a:extLst>
-          </a:blip>
-          <a:srcRect/>
-          <a:stretch>
-            <a:fillRect/>
-          </a:stretch>
-        </p:blipFill>
-        <p:spPr bwMode="auto">
-          <a:xfrm>
-            <a:off x="169154" y="3557477"/>
-            <a:ext cx="8805689" cy="152854"/>
-          </a:xfrm>
-          <a:prstGeom prst="rect">
-            <a:avLst/>
-          </a:prstGeom>
-          <a:noFill/>
-          <a:extLst>
-            <a:ext uri="{909E8E84-426E-40DD-AFC4-6F175D3DCCD1}">
-              <a14:hiddenFill xmlns:a14="http://schemas.microsoft.com/office/drawing/2010/main">
-                <a:solidFill>
-                  <a:srgbClr val="FFFFFF"/>
-                </a:solidFill>
-              </a14:hiddenFill>
-            </a:ext>
-          </a:extLst>
-        </p:spPr>
-      </p:pic>
       <p:pic>
         <p:nvPicPr>
           <p:cNvPr id="9220" name="Picture 4" descr="https://lh4.googleusercontent.com/GsRZyFRNQPgQnRubgRGLnEN-fHQM3w21FFy6Cdjh6GsINCC4jFAfjyW8GhV31OOasJj3el6i5XKwr5a_0Xs6CLOcrg6ei_CWKQbKadLk2foyks4_2LpOamNKUl8AmTY092Jsjo6QvVA"/>
@@ -10640,7 +10463,7 @@
           <p:nvPr/>
         </p:nvPicPr>
         <p:blipFill>
-          <a:blip r:embed="rId3">
+          <a:blip r:embed="rId2">
             <a:extLst>
               <a:ext uri="{28A0092B-C50C-407E-A947-70E740481C1C}">
                 <a14:useLocalDpi xmlns:a14="http://schemas.microsoft.com/office/drawing/2010/main" val="0"/>
@@ -10672,6 +10495,30 @@
           </a:extLst>
         </p:spPr>
       </p:pic>
+      <p:pic>
+        <p:nvPicPr>
+          <p:cNvPr id="5" name="Imagem 4"/>
+          <p:cNvPicPr>
+            <a:picLocks noChangeAspect="1"/>
+          </p:cNvPicPr>
+          <p:nvPr/>
+        </p:nvPicPr>
+        <p:blipFill>
+          <a:blip r:embed="rId3"/>
+          <a:stretch>
+            <a:fillRect/>
+          </a:stretch>
+        </p:blipFill>
+        <p:spPr>
+          <a:xfrm>
+            <a:off x="0" y="3677805"/>
+            <a:ext cx="9144000" cy="157384"/>
+          </a:xfrm>
+          <a:prstGeom prst="rect">
+            <a:avLst/>
+          </a:prstGeom>
+        </p:spPr>
+      </p:pic>
     </p:spTree>
     <p:extLst>
       <p:ext uri="{BB962C8B-B14F-4D97-AF65-F5344CB8AC3E}">
@@ -10682,6 +10529,327 @@
   <p:clrMapOvr>
     <a:masterClrMapping/>
   </p:clrMapOvr>
+  <p:timing>
+    <p:tnLst>
+      <p:par>
+        <p:cTn id="1" dur="indefinite" restart="never" nodeType="tmRoot"/>
+      </p:par>
+    </p:tnLst>
+  </p:timing>
+</p:sld>
+</file>
+
+<file path=ppt/slides/slide32.xml><?xml version="1.0" encoding="utf-8"?>
+<p:sld xmlns:a="http://schemas.openxmlformats.org/drawingml/2006/main" xmlns:r="http://schemas.openxmlformats.org/officeDocument/2006/relationships" xmlns:p="http://schemas.openxmlformats.org/presentationml/2006/main">
+  <p:cSld>
+    <p:spTree>
+      <p:nvGrpSpPr>
+        <p:cNvPr id="1" name=""/>
+        <p:cNvGrpSpPr/>
+        <p:nvPr/>
+      </p:nvGrpSpPr>
+      <p:grpSpPr>
+        <a:xfrm>
+          <a:off x="0" y="0"/>
+          <a:ext cx="0" cy="0"/>
+          <a:chOff x="0" y="0"/>
+          <a:chExt cx="0" cy="0"/>
+        </a:xfrm>
+      </p:grpSpPr>
+      <p:sp>
+        <p:nvSpPr>
+          <p:cNvPr id="2" name="Marcador de Posição de Conteúdo 1"/>
+          <p:cNvSpPr>
+            <a:spLocks noGrp="1"/>
+          </p:cNvSpPr>
+          <p:nvPr>
+            <p:ph idx="1"/>
+          </p:nvPr>
+        </p:nvSpPr>
+        <p:spPr/>
+        <p:txBody>
+          <a:bodyPr/>
+          <a:lstStyle/>
+          <a:p>
+            <a:pPr marL="0" indent="0">
+              <a:lnSpc>
+                <a:spcPct val="150000"/>
+              </a:lnSpc>
+              <a:buNone/>
+            </a:pPr>
+            <a:r>
+              <a:rPr lang="en-US" sz="1600" b="1"/>
+              <a:t>Master Node</a:t>
+            </a:r>
+            <a:endParaRPr lang="pt-PT"/>
+          </a:p>
+          <a:p>
+            <a:pPr>
+              <a:lnSpc>
+                <a:spcPct val="150000"/>
+              </a:lnSpc>
+            </a:pPr>
+            <a:r>
+              <a:rPr lang="pt-PT" err="1"/>
+              <a:t>Probe</a:t>
+            </a:r>
+            <a:r>
+              <a:rPr lang="pt-PT"/>
+              <a:t> </a:t>
+            </a:r>
+            <a:r>
+              <a:rPr lang="pt-PT" err="1"/>
+              <a:t>deployment</a:t>
+            </a:r>
+            <a:r>
+              <a:rPr lang="pt-PT"/>
+              <a:t>;</a:t>
+            </a:r>
+          </a:p>
+          <a:p>
+            <a:pPr>
+              <a:lnSpc>
+                <a:spcPct val="150000"/>
+              </a:lnSpc>
+            </a:pPr>
+            <a:endParaRPr lang="pt-PT"/>
+          </a:p>
+          <a:p>
+            <a:pPr marL="0" indent="0">
+              <a:lnSpc>
+                <a:spcPct val="150000"/>
+              </a:lnSpc>
+              <a:buNone/>
+            </a:pPr>
+            <a:endParaRPr lang="pt-PT"/>
+          </a:p>
+          <a:p>
+            <a:pPr marL="0" indent="0">
+              <a:lnSpc>
+                <a:spcPct val="150000"/>
+              </a:lnSpc>
+              <a:buNone/>
+            </a:pPr>
+            <a:r>
+              <a:rPr lang="en-US" sz="1800" b="1">
+                <a:solidFill>
+                  <a:srgbClr val="515151">
+                    <a:lumMod val="75000"/>
+                  </a:srgbClr>
+                </a:solidFill>
+              </a:rPr>
+              <a:t>Testing</a:t>
+            </a:r>
+            <a:endParaRPr lang="pt-PT"/>
+          </a:p>
+          <a:p>
+            <a:pPr>
+              <a:lnSpc>
+                <a:spcPct val="150000"/>
+              </a:lnSpc>
+            </a:pPr>
+            <a:r>
+              <a:rPr lang="en-US"/>
+              <a:t>Start an Apache Kafka consumer that receives all monitor data inside Apache Kafka pod.</a:t>
+            </a:r>
+          </a:p>
+          <a:p>
+            <a:pPr marL="0" indent="0">
+              <a:lnSpc>
+                <a:spcPct val="150000"/>
+              </a:lnSpc>
+              <a:buNone/>
+            </a:pPr>
+            <a:endParaRPr lang="pt-PT"/>
+          </a:p>
+          <a:p>
+            <a:endParaRPr lang="pt-PT"/>
+          </a:p>
+          <a:p>
+            <a:pPr marL="0" lvl="0" indent="0">
+              <a:buNone/>
+            </a:pPr>
+            <a:endParaRPr lang="pt-PT">
+              <a:solidFill>
+                <a:srgbClr val="515151">
+                  <a:lumMod val="75000"/>
+                </a:srgbClr>
+              </a:solidFill>
+            </a:endParaRPr>
+          </a:p>
+          <a:p>
+            <a:pPr marL="0" indent="0">
+              <a:buNone/>
+            </a:pPr>
+            <a:endParaRPr lang="pt-PT"/>
+          </a:p>
+          <a:p>
+            <a:endParaRPr lang="pt-PT"/>
+          </a:p>
+          <a:p>
+            <a:endParaRPr lang="pt-PT"/>
+          </a:p>
+          <a:p>
+            <a:endParaRPr lang="pt-PT"/>
+          </a:p>
+        </p:txBody>
+      </p:sp>
+      <p:sp>
+        <p:nvSpPr>
+          <p:cNvPr id="3" name="Marcador de Posição da Data 2"/>
+          <p:cNvSpPr>
+            <a:spLocks noGrp="1"/>
+          </p:cNvSpPr>
+          <p:nvPr>
+            <p:ph type="dt" sz="half" idx="10"/>
+          </p:nvPr>
+        </p:nvSpPr>
+        <p:spPr/>
+        <p:txBody>
+          <a:bodyPr/>
+          <a:lstStyle/>
+          <a:p>
+            <a:fld id="{C7A2CD23-75D9-47B2-BEA4-0702444DEA8C}" type="datetime1">
+              <a:rPr lang="en-US" smtClean="0"/>
+              <a:t>10/28/2018</a:t>
+            </a:fld>
+            <a:endParaRPr lang="en-US"/>
+          </a:p>
+        </p:txBody>
+      </p:sp>
+      <p:sp>
+        <p:nvSpPr>
+          <p:cNvPr id="4" name="Marcador de Posição do Número do Diapositivo 3"/>
+          <p:cNvSpPr>
+            <a:spLocks noGrp="1"/>
+          </p:cNvSpPr>
+          <p:nvPr>
+            <p:ph type="sldNum" sz="quarter" idx="12"/>
+          </p:nvPr>
+        </p:nvSpPr>
+        <p:spPr/>
+        <p:txBody>
+          <a:bodyPr/>
+          <a:lstStyle/>
+          <a:p>
+            <a:fld id="{B6F15528-21DE-4FAA-801E-634DDDAF4B2B}" type="slidenum">
+              <a:rPr lang="en-US" smtClean="0"/>
+              <a:pPr/>
+              <a:t>32</a:t>
+            </a:fld>
+            <a:endParaRPr lang="en-US"/>
+          </a:p>
+        </p:txBody>
+      </p:sp>
+      <p:sp>
+        <p:nvSpPr>
+          <p:cNvPr id="6" name="Título 4"/>
+          <p:cNvSpPr>
+            <a:spLocks noGrp="1"/>
+          </p:cNvSpPr>
+          <p:nvPr>
+            <p:ph type="title"/>
+          </p:nvPr>
+        </p:nvSpPr>
+        <p:spPr>
+          <a:xfrm>
+            <a:off x="4532395" y="399177"/>
+            <a:ext cx="3537908" cy="365527"/>
+          </a:xfrm>
+        </p:spPr>
+        <p:txBody>
+          <a:bodyPr/>
+          <a:lstStyle/>
+          <a:p>
+            <a:r>
+              <a:rPr lang="pt-PT" err="1"/>
+              <a:t>Container</a:t>
+            </a:r>
+            <a:r>
+              <a:rPr lang="pt-PT"/>
+              <a:t> </a:t>
+            </a:r>
+            <a:r>
+              <a:rPr lang="pt-PT" err="1"/>
+              <a:t>Metrics</a:t>
+            </a:r>
+            <a:r>
+              <a:rPr lang="pt-PT"/>
+              <a:t> </a:t>
+            </a:r>
+            <a:r>
+              <a:rPr lang="pt-PT" err="1"/>
+              <a:t>Reported</a:t>
+            </a:r>
+            <a:endParaRPr lang="pt-PT"/>
+          </a:p>
+        </p:txBody>
+      </p:sp>
+      <p:pic>
+        <p:nvPicPr>
+          <p:cNvPr id="5" name="Imagem 4"/>
+          <p:cNvPicPr>
+            <a:picLocks noChangeAspect="1"/>
+          </p:cNvPicPr>
+          <p:nvPr/>
+        </p:nvPicPr>
+        <p:blipFill>
+          <a:blip r:embed="rId2"/>
+          <a:stretch>
+            <a:fillRect/>
+          </a:stretch>
+        </p:blipFill>
+        <p:spPr>
+          <a:xfrm>
+            <a:off x="0" y="4415839"/>
+            <a:ext cx="9144000" cy="252301"/>
+          </a:xfrm>
+          <a:prstGeom prst="rect">
+            <a:avLst/>
+          </a:prstGeom>
+        </p:spPr>
+      </p:pic>
+      <p:pic>
+        <p:nvPicPr>
+          <p:cNvPr id="7" name="Imagem 6"/>
+          <p:cNvPicPr>
+            <a:picLocks noChangeAspect="1"/>
+          </p:cNvPicPr>
+          <p:nvPr/>
+        </p:nvPicPr>
+        <p:blipFill>
+          <a:blip r:embed="rId3"/>
+          <a:stretch>
+            <a:fillRect/>
+          </a:stretch>
+        </p:blipFill>
+        <p:spPr>
+          <a:xfrm>
+            <a:off x="0" y="3029431"/>
+            <a:ext cx="9144000" cy="129794"/>
+          </a:xfrm>
+          <a:prstGeom prst="rect">
+            <a:avLst/>
+          </a:prstGeom>
+        </p:spPr>
+      </p:pic>
+    </p:spTree>
+    <p:extLst>
+      <p:ext uri="{BB962C8B-B14F-4D97-AF65-F5344CB8AC3E}">
+        <p14:creationId xmlns:p14="http://schemas.microsoft.com/office/powerpoint/2010/main" val="3254366680"/>
+      </p:ext>
+    </p:extLst>
+  </p:cSld>
+  <p:clrMapOvr>
+    <a:masterClrMapping/>
+  </p:clrMapOvr>
+  <p:timing>
+    <p:tnLst>
+      <p:par>
+        <p:cTn id="1" dur="indefinite" restart="never" nodeType="tmRoot"/>
+      </p:par>
+    </p:tnLst>
+  </p:timing>
 </p:sld>
 </file>
 
@@ -10704,12 +10872,12 @@
       </p:grpSpPr>
       <p:sp>
         <p:nvSpPr>
-          <p:cNvPr id="2" name="Marcador de Posição de Conteúdo 1"/>
-          <p:cNvSpPr>
-            <a:spLocks noGrp="1"/>
-          </p:cNvSpPr>
-          <p:nvPr>
-            <p:ph idx="1"/>
+          <p:cNvPr id="3" name="Marcador de Posição da Data 2"/>
+          <p:cNvSpPr>
+            <a:spLocks noGrp="1"/>
+          </p:cNvSpPr>
+          <p:nvPr>
+            <p:ph type="dt" sz="half" idx="10"/>
           </p:nvPr>
         </p:nvSpPr>
         <p:spPr/>
@@ -10717,147 +10885,9 @@
           <a:bodyPr/>
           <a:lstStyle/>
           <a:p>
-            <a:pPr marL="0" indent="0">
-              <a:lnSpc>
-                <a:spcPct val="150000"/>
-              </a:lnSpc>
-              <a:buNone/>
-            </a:pPr>
-            <a:r>
-              <a:rPr lang="en-US" sz="1600" b="1"/>
-              <a:t>Master Node</a:t>
-            </a:r>
-            <a:endParaRPr lang="pt-PT"/>
-          </a:p>
-          <a:p>
-            <a:pPr>
-              <a:lnSpc>
-                <a:spcPct val="150000"/>
-              </a:lnSpc>
-            </a:pPr>
-            <a:r>
-              <a:rPr lang="pt-PT" err="1"/>
-              <a:t>Probe</a:t>
-            </a:r>
-            <a:r>
-              <a:rPr lang="pt-PT"/>
-              <a:t> </a:t>
-            </a:r>
-            <a:r>
-              <a:rPr lang="pt-PT" err="1"/>
-              <a:t>deployment</a:t>
-            </a:r>
-            <a:r>
-              <a:rPr lang="pt-PT"/>
-              <a:t>;</a:t>
-            </a:r>
-          </a:p>
-          <a:p>
-            <a:pPr>
-              <a:lnSpc>
-                <a:spcPct val="150000"/>
-              </a:lnSpc>
-            </a:pPr>
-            <a:endParaRPr lang="pt-PT"/>
-          </a:p>
-          <a:p>
-            <a:pPr marL="0" indent="0">
-              <a:lnSpc>
-                <a:spcPct val="150000"/>
-              </a:lnSpc>
-              <a:buNone/>
-            </a:pPr>
-            <a:endParaRPr lang="pt-PT"/>
-          </a:p>
-          <a:p>
-            <a:pPr marL="0" indent="0">
-              <a:lnSpc>
-                <a:spcPct val="150000"/>
-              </a:lnSpc>
-              <a:buNone/>
-            </a:pPr>
-            <a:r>
-              <a:rPr lang="en-US" sz="1800" b="1">
-                <a:solidFill>
-                  <a:srgbClr val="515151">
-                    <a:lumMod val="75000"/>
-                  </a:srgbClr>
-                </a:solidFill>
-              </a:rPr>
-              <a:t>Testing</a:t>
-            </a:r>
-            <a:endParaRPr lang="pt-PT"/>
-          </a:p>
-          <a:p>
-            <a:pPr>
-              <a:lnSpc>
-                <a:spcPct val="150000"/>
-              </a:lnSpc>
-            </a:pPr>
-            <a:r>
-              <a:rPr lang="en-US"/>
-              <a:t>Start an Apache Kafka consumer that receives all monitor data inside Apache Kafka pod.</a:t>
-            </a:r>
-          </a:p>
-          <a:p>
-            <a:pPr marL="0" indent="0">
-              <a:lnSpc>
-                <a:spcPct val="150000"/>
-              </a:lnSpc>
-              <a:buNone/>
-            </a:pPr>
-            <a:endParaRPr lang="pt-PT"/>
-          </a:p>
-          <a:p>
-            <a:endParaRPr lang="pt-PT"/>
-          </a:p>
-          <a:p>
-            <a:pPr marL="0" lvl="0" indent="0">
-              <a:buNone/>
-            </a:pPr>
-            <a:endParaRPr lang="pt-PT">
-              <a:solidFill>
-                <a:srgbClr val="515151">
-                  <a:lumMod val="75000"/>
-                </a:srgbClr>
-              </a:solidFill>
-            </a:endParaRPr>
-          </a:p>
-          <a:p>
-            <a:pPr marL="0" indent="0">
-              <a:buNone/>
-            </a:pPr>
-            <a:endParaRPr lang="pt-PT"/>
-          </a:p>
-          <a:p>
-            <a:endParaRPr lang="pt-PT"/>
-          </a:p>
-          <a:p>
-            <a:endParaRPr lang="pt-PT"/>
-          </a:p>
-          <a:p>
-            <a:endParaRPr lang="pt-PT"/>
-          </a:p>
-        </p:txBody>
-      </p:sp>
-      <p:sp>
-        <p:nvSpPr>
-          <p:cNvPr id="3" name="Marcador de Posição da Data 2"/>
-          <p:cNvSpPr>
-            <a:spLocks noGrp="1"/>
-          </p:cNvSpPr>
-          <p:nvPr>
-            <p:ph type="dt" sz="half" idx="10"/>
-          </p:nvPr>
-        </p:nvSpPr>
-        <p:spPr/>
-        <p:txBody>
-          <a:bodyPr/>
-          <a:lstStyle/>
-          <a:p>
-            <a:fld id="{C7A2CD23-75D9-47B2-BEA4-0702444DEA8C}" type="datetime1">
+            <a:fld id="{100CA64C-5874-41EA-8586-DC40AB808FE9}" type="datetime1">
               <a:rPr lang="en-US" smtClean="0"/>
-              <a:t>9/17/18</a:t>
+              <a:t>10/28/2018</a:t>
             </a:fld>
             <a:endParaRPr lang="en-US"/>
           </a:p>
@@ -10882,209 +10912,6 @@
               <a:rPr lang="en-US" smtClean="0"/>
               <a:pPr/>
               <a:t>33</a:t>
-            </a:fld>
-            <a:endParaRPr lang="en-US"/>
-          </a:p>
-        </p:txBody>
-      </p:sp>
-      <p:sp>
-        <p:nvSpPr>
-          <p:cNvPr id="6" name="Título 4"/>
-          <p:cNvSpPr>
-            <a:spLocks noGrp="1"/>
-          </p:cNvSpPr>
-          <p:nvPr>
-            <p:ph type="title"/>
-          </p:nvPr>
-        </p:nvSpPr>
-        <p:spPr>
-          <a:xfrm>
-            <a:off x="4532395" y="399177"/>
-            <a:ext cx="3537908" cy="365527"/>
-          </a:xfrm>
-        </p:spPr>
-        <p:txBody>
-          <a:bodyPr/>
-          <a:lstStyle/>
-          <a:p>
-            <a:r>
-              <a:rPr lang="pt-PT" err="1"/>
-              <a:t>Container</a:t>
-            </a:r>
-            <a:r>
-              <a:rPr lang="pt-PT"/>
-              <a:t> </a:t>
-            </a:r>
-            <a:r>
-              <a:rPr lang="pt-PT" err="1"/>
-              <a:t>Metrics</a:t>
-            </a:r>
-            <a:r>
-              <a:rPr lang="pt-PT"/>
-              <a:t> </a:t>
-            </a:r>
-            <a:r>
-              <a:rPr lang="pt-PT" err="1"/>
-              <a:t>Reported</a:t>
-            </a:r>
-            <a:endParaRPr lang="pt-PT"/>
-          </a:p>
-        </p:txBody>
-      </p:sp>
-      <p:pic>
-        <p:nvPicPr>
-          <p:cNvPr id="12290" name="Picture 2" descr="https://lh3.googleusercontent.com/WukRFX6gArJ3OeGicFEqzziOP77QwCSa3PNjgWTRsIF5jZyjL-H_FPet6ydZPqzkYd2Fv-t-VOc-CrRarNJxDD8soEsqE0Dpjqiq00BYzL9FjLJhczQwi10xDzM5uQHK8csrJ6hgpxo"/>
-          <p:cNvPicPr>
-            <a:picLocks noChangeAspect="1" noChangeArrowheads="1"/>
-          </p:cNvPicPr>
-          <p:nvPr/>
-        </p:nvPicPr>
-        <p:blipFill>
-          <a:blip r:embed="rId2">
-            <a:extLst>
-              <a:ext uri="{28A0092B-C50C-407E-A947-70E740481C1C}">
-                <a14:useLocalDpi xmlns:a14="http://schemas.microsoft.com/office/drawing/2010/main" val="0"/>
-              </a:ext>
-            </a:extLst>
-          </a:blip>
-          <a:srcRect/>
-          <a:stretch>
-            <a:fillRect/>
-          </a:stretch>
-        </p:blipFill>
-        <p:spPr bwMode="auto">
-          <a:xfrm>
-            <a:off x="457200" y="2924944"/>
-            <a:ext cx="8389690" cy="107102"/>
-          </a:xfrm>
-          <a:prstGeom prst="rect">
-            <a:avLst/>
-          </a:prstGeom>
-          <a:noFill/>
-          <a:extLst>
-            <a:ext uri="{909E8E84-426E-40DD-AFC4-6F175D3DCCD1}">
-              <a14:hiddenFill xmlns:a14="http://schemas.microsoft.com/office/drawing/2010/main">
-                <a:solidFill>
-                  <a:srgbClr val="FFFFFF"/>
-                </a:solidFill>
-              </a14:hiddenFill>
-            </a:ext>
-          </a:extLst>
-        </p:spPr>
-      </p:pic>
-      <p:pic>
-        <p:nvPicPr>
-          <p:cNvPr id="12292" name="Picture 4" descr="https://lh4.googleusercontent.com/xQM58pC8SLccPwEx02ypEzZq2Fv80VFJ3TDxRhoSkZSB-bZjDiyvI6LJ8afYdAVGSRHyEE8eagQDyP5HdOAlFpGi33ORm3nan5zAVo-3a7ZU9adLnFLjntWw15qQhf1qeviNV6cn9K8"/>
-          <p:cNvPicPr>
-            <a:picLocks noChangeAspect="1" noChangeArrowheads="1"/>
-          </p:cNvPicPr>
-          <p:nvPr/>
-        </p:nvPicPr>
-        <p:blipFill>
-          <a:blip r:embed="rId3">
-            <a:extLst>
-              <a:ext uri="{28A0092B-C50C-407E-A947-70E740481C1C}">
-                <a14:useLocalDpi xmlns:a14="http://schemas.microsoft.com/office/drawing/2010/main" val="0"/>
-              </a:ext>
-            </a:extLst>
-          </a:blip>
-          <a:srcRect/>
-          <a:stretch>
-            <a:fillRect/>
-          </a:stretch>
-        </p:blipFill>
-        <p:spPr bwMode="auto">
-          <a:xfrm>
-            <a:off x="457200" y="4581128"/>
-            <a:ext cx="8389690" cy="227004"/>
-          </a:xfrm>
-          <a:prstGeom prst="rect">
-            <a:avLst/>
-          </a:prstGeom>
-          <a:noFill/>
-          <a:extLst>
-            <a:ext uri="{909E8E84-426E-40DD-AFC4-6F175D3DCCD1}">
-              <a14:hiddenFill xmlns:a14="http://schemas.microsoft.com/office/drawing/2010/main">
-                <a:solidFill>
-                  <a:srgbClr val="FFFFFF"/>
-                </a:solidFill>
-              </a14:hiddenFill>
-            </a:ext>
-          </a:extLst>
-        </p:spPr>
-      </p:pic>
-    </p:spTree>
-    <p:extLst>
-      <p:ext uri="{BB962C8B-B14F-4D97-AF65-F5344CB8AC3E}">
-        <p14:creationId xmlns:p14="http://schemas.microsoft.com/office/powerpoint/2010/main" val="3254366680"/>
-      </p:ext>
-    </p:extLst>
-  </p:cSld>
-  <p:clrMapOvr>
-    <a:masterClrMapping/>
-  </p:clrMapOvr>
-</p:sld>
-</file>
-
-<file path=ppt/slides/slide34.xml><?xml version="1.0" encoding="utf-8"?>
-<p:sld xmlns:a="http://schemas.openxmlformats.org/drawingml/2006/main" xmlns:r="http://schemas.openxmlformats.org/officeDocument/2006/relationships" xmlns:p="http://schemas.openxmlformats.org/presentationml/2006/main">
-  <p:cSld>
-    <p:spTree>
-      <p:nvGrpSpPr>
-        <p:cNvPr id="1" name=""/>
-        <p:cNvGrpSpPr/>
-        <p:nvPr/>
-      </p:nvGrpSpPr>
-      <p:grpSpPr>
-        <a:xfrm>
-          <a:off x="0" y="0"/>
-          <a:ext cx="0" cy="0"/>
-          <a:chOff x="0" y="0"/>
-          <a:chExt cx="0" cy="0"/>
-        </a:xfrm>
-      </p:grpSpPr>
-      <p:sp>
-        <p:nvSpPr>
-          <p:cNvPr id="3" name="Marcador de Posição da Data 2"/>
-          <p:cNvSpPr>
-            <a:spLocks noGrp="1"/>
-          </p:cNvSpPr>
-          <p:nvPr>
-            <p:ph type="dt" sz="half" idx="10"/>
-          </p:nvPr>
-        </p:nvSpPr>
-        <p:spPr/>
-        <p:txBody>
-          <a:bodyPr/>
-          <a:lstStyle/>
-          <a:p>
-            <a:fld id="{100CA64C-5874-41EA-8586-DC40AB808FE9}" type="datetime1">
-              <a:rPr lang="en-US" smtClean="0"/>
-              <a:t>9/17/18</a:t>
-            </a:fld>
-            <a:endParaRPr lang="en-US"/>
-          </a:p>
-        </p:txBody>
-      </p:sp>
-      <p:sp>
-        <p:nvSpPr>
-          <p:cNvPr id="4" name="Marcador de Posição do Número do Diapositivo 3"/>
-          <p:cNvSpPr>
-            <a:spLocks noGrp="1"/>
-          </p:cNvSpPr>
-          <p:nvPr>
-            <p:ph type="sldNum" sz="quarter" idx="12"/>
-          </p:nvPr>
-        </p:nvSpPr>
-        <p:spPr/>
-        <p:txBody>
-          <a:bodyPr/>
-          <a:lstStyle/>
-          <a:p>
-            <a:fld id="{B6F15528-21DE-4FAA-801E-634DDDAF4B2B}" type="slidenum">
-              <a:rPr lang="en-US" smtClean="0"/>
-              <a:pPr/>
-              <a:t>34</a:t>
             </a:fld>
             <a:endParaRPr lang="en-US"/>
           </a:p>
@@ -11226,10 +11053,17 @@
   <p:clrMapOvr>
     <a:masterClrMapping/>
   </p:clrMapOvr>
+  <p:timing>
+    <p:tnLst>
+      <p:par>
+        <p:cTn id="1" dur="indefinite" restart="never" nodeType="tmRoot"/>
+      </p:par>
+    </p:tnLst>
+  </p:timing>
 </p:sld>
 </file>
 
-<file path=ppt/slides/slide35.xml><?xml version="1.0" encoding="utf-8"?>
+<file path=ppt/slides/slide34.xml><?xml version="1.0" encoding="utf-8"?>
 <p:sld xmlns:a="http://schemas.openxmlformats.org/drawingml/2006/main" xmlns:r="http://schemas.openxmlformats.org/officeDocument/2006/relationships" xmlns:p="http://schemas.openxmlformats.org/presentationml/2006/main">
   <p:cSld>
     <p:bg>
@@ -11371,7 +11205,7 @@
                 <a:hlinkClick r:id="rId3">
                   <a:extLst>
                     <a:ext uri="{A12FA001-AC4F-418D-AE19-62706E023703}">
-                      <ahyp:hlinkClr xmlns:ahyp="http://schemas.microsoft.com/office/drawing/2018/hyperlinkcolor" val="tx"/>
+                      <ahyp:hlinkClr xmlns="" xmlns:ahyp="http://schemas.microsoft.com/office/drawing/2018/hyperlinkcolor" val="tx"/>
                     </a:ext>
                   </a:extLst>
                 </a:hlinkClick>
@@ -11399,7 +11233,7 @@
                 <a:hlinkClick r:id="rId4">
                   <a:extLst>
                     <a:ext uri="{A12FA001-AC4F-418D-AE19-62706E023703}">
-                      <ahyp:hlinkClr xmlns:ahyp="http://schemas.microsoft.com/office/drawing/2018/hyperlinkcolor" val="tx"/>
+                      <ahyp:hlinkClr xmlns="" xmlns:ahyp="http://schemas.microsoft.com/office/drawing/2018/hyperlinkcolor" val="tx"/>
                     </a:ext>
                   </a:extLst>
                 </a:hlinkClick>
@@ -11430,7 +11264,7 @@
                 <a:hlinkClick r:id="rId5">
                   <a:extLst>
                     <a:ext uri="{A12FA001-AC4F-418D-AE19-62706E023703}">
-                      <ahyp:hlinkClr xmlns:ahyp="http://schemas.microsoft.com/office/drawing/2018/hyperlinkcolor" val="tx"/>
+                      <ahyp:hlinkClr xmlns="" xmlns:ahyp="http://schemas.microsoft.com/office/drawing/2018/hyperlinkcolor" val="tx"/>
                     </a:ext>
                   </a:extLst>
                 </a:hlinkClick>
@@ -11539,7 +11373,7 @@
           <p:cNvPr id="10" name="Immagine 9">
             <a:extLst>
               <a:ext uri="{FF2B5EF4-FFF2-40B4-BE49-F238E27FC236}">
-                <a16:creationId xmlns:a16="http://schemas.microsoft.com/office/drawing/2014/main" id="{E423FA35-6129-463D-A70A-1EC151666614}"/>
+                <a16:creationId xmlns="" xmlns:a16="http://schemas.microsoft.com/office/drawing/2014/main" id="{E423FA35-6129-463D-A70A-1EC151666614}"/>
               </a:ext>
             </a:extLst>
           </p:cNvPr>
@@ -11580,6 +11414,13 @@
   <p:clrMapOvr>
     <a:masterClrMapping/>
   </p:clrMapOvr>
+  <p:timing>
+    <p:tnLst>
+      <p:par>
+        <p:cTn id="1" dur="indefinite" restart="never" nodeType="tmRoot"/>
+      </p:par>
+    </p:tnLst>
+  </p:timing>
 </p:sld>
 </file>
 
@@ -11713,7 +11554,7 @@
           <p:cNvPr id="4" name="Segnaposto data 3">
             <a:extLst>
               <a:ext uri="{FF2B5EF4-FFF2-40B4-BE49-F238E27FC236}">
-                <a16:creationId xmlns:a16="http://schemas.microsoft.com/office/drawing/2014/main" id="{462029E9-B2E6-41D0-8919-F070B0DAA114}"/>
+                <a16:creationId xmlns="" xmlns:a16="http://schemas.microsoft.com/office/drawing/2014/main" id="{462029E9-B2E6-41D0-8919-F070B0DAA114}"/>
               </a:ext>
             </a:extLst>
           </p:cNvPr>
@@ -11731,7 +11572,7 @@
           <a:p>
             <a:fld id="{83908226-96F1-4CFA-8DDA-870A4C542AED}" type="datetime1">
               <a:rPr lang="en-US" smtClean="0"/>
-              <a:t>9/17/18</a:t>
+              <a:t>10/28/2018</a:t>
             </a:fld>
             <a:endParaRPr lang="en-US"/>
           </a:p>
@@ -11742,7 +11583,7 @@
           <p:cNvPr id="5" name="Segnaposto numero diapositiva 4">
             <a:extLst>
               <a:ext uri="{FF2B5EF4-FFF2-40B4-BE49-F238E27FC236}">
-                <a16:creationId xmlns:a16="http://schemas.microsoft.com/office/drawing/2014/main" id="{A614C897-4C3B-48FD-8F3F-553983D65E1C}"/>
+                <a16:creationId xmlns="" xmlns:a16="http://schemas.microsoft.com/office/drawing/2014/main" id="{A614C897-4C3B-48FD-8F3F-553983D65E1C}"/>
               </a:ext>
             </a:extLst>
           </p:cNvPr>
@@ -11798,6 +11639,10 @@
             <a:r>
               <a:rPr lang="pt-PT" err="1"/>
               <a:t>Initialization</a:t>
+            </a:r>
+            <a:r>
+              <a:rPr lang="pt-PT"/>
+              <a:t/>
             </a:r>
             <a:br>
               <a:rPr lang="pt-PT"/>
@@ -11980,6 +11825,13 @@
   <p:clrMapOvr>
     <a:masterClrMapping/>
   </p:clrMapOvr>
+  <p:timing>
+    <p:tnLst>
+      <p:par>
+        <p:cTn id="1" dur="indefinite" restart="never" nodeType="tmRoot"/>
+      </p:par>
+    </p:tnLst>
+  </p:timing>
 </p:sld>
 </file>
 
@@ -12042,7 +11894,7 @@
           <a:p>
             <a:fld id="{EB73A573-6E65-4D76-A169-40BA2F9AC11C}" type="datetime1">
               <a:rPr lang="en-US" smtClean="0"/>
-              <a:t>9/17/18</a:t>
+              <a:t>10/28/2018</a:t>
             </a:fld>
             <a:endParaRPr lang="en-US"/>
           </a:p>
@@ -12209,6 +12061,13 @@
   <p:clrMapOvr>
     <a:masterClrMapping/>
   </p:clrMapOvr>
+  <p:timing>
+    <p:tnLst>
+      <p:par>
+        <p:cTn id="1" dur="indefinite" restart="never" nodeType="tmRoot"/>
+      </p:par>
+    </p:tnLst>
+  </p:timing>
 </p:sld>
 </file>
 
@@ -12246,7 +12105,7 @@
           <a:p>
             <a:fld id="{91BBB706-27E5-43D0-A237-79050A30E279}" type="datetime1">
               <a:rPr lang="en-US" smtClean="0"/>
-              <a:t>9/17/18</a:t>
+              <a:t>10/28/2018</a:t>
             </a:fld>
             <a:endParaRPr lang="en-US"/>
           </a:p>
@@ -12348,6 +12207,13 @@
   <p:clrMapOvr>
     <a:masterClrMapping/>
   </p:clrMapOvr>
+  <p:timing>
+    <p:tnLst>
+      <p:par>
+        <p:cTn id="1" dur="indefinite" restart="never" nodeType="tmRoot"/>
+      </p:par>
+    </p:tnLst>
+  </p:timing>
 </p:sld>
 </file>
 
@@ -12387,53 +12253,61 @@
               <a:buNone/>
             </a:pPr>
             <a:r>
-              <a:rPr lang="pt-PT" sz="1800" b="1" err="1"/>
+              <a:rPr lang="pt-PT" sz="1800" b="1" dirty="0" err="1"/>
               <a:t>Worker</a:t>
             </a:r>
             <a:r>
-              <a:rPr lang="pt-PT" sz="1800" b="1"/>
+              <a:rPr lang="pt-PT" sz="1800" b="1" dirty="0"/>
               <a:t> Node</a:t>
             </a:r>
           </a:p>
           <a:p>
             <a:r>
-              <a:rPr lang="en-US"/>
+              <a:rPr lang="en-US" dirty="0"/>
               <a:t>Build base Docker image of Monitor</a:t>
             </a:r>
           </a:p>
           <a:p>
-            <a:endParaRPr lang="en-US"/>
-          </a:p>
-          <a:p>
-            <a:endParaRPr lang="en-US"/>
-          </a:p>
-          <a:p>
-            <a:r>
-              <a:rPr lang="en-US"/>
-              <a:t>Build Docker image of Monitor on worker node</a:t>
-            </a:r>
-          </a:p>
-          <a:p>
-            <a:endParaRPr lang="en-US"/>
-          </a:p>
-          <a:p>
-            <a:endParaRPr lang="en-US"/>
-          </a:p>
-          <a:p>
-            <a:r>
-              <a:rPr lang="en-US"/>
+            <a:endParaRPr lang="en-US" dirty="0"/>
+          </a:p>
+          <a:p>
+            <a:endParaRPr lang="en-US" dirty="0"/>
+          </a:p>
+          <a:p>
+            <a:r>
+              <a:rPr lang="en-US" dirty="0"/>
+              <a:t>Build Docker image of Monitor on </a:t>
+            </a:r>
+            <a:r>
+              <a:rPr lang="en-US" dirty="0" smtClean="0"/>
+              <a:t>Worker </a:t>
+            </a:r>
+            <a:r>
+              <a:rPr lang="en-US" dirty="0"/>
+              <a:t>node</a:t>
+            </a:r>
+          </a:p>
+          <a:p>
+            <a:endParaRPr lang="en-US" dirty="0"/>
+          </a:p>
+          <a:p>
+            <a:endParaRPr lang="en-US" dirty="0"/>
+          </a:p>
+          <a:p>
+            <a:r>
+              <a:rPr lang="en-US" dirty="0"/>
               <a:t>Build Docker image of Apache Kafka</a:t>
             </a:r>
           </a:p>
           <a:p>
-            <a:endParaRPr lang="en-US"/>
-          </a:p>
-          <a:p>
-            <a:endParaRPr lang="en-US"/>
-          </a:p>
-          <a:p>
-            <a:r>
-              <a:rPr lang="en-US"/>
+            <a:endParaRPr lang="en-US" dirty="0"/>
+          </a:p>
+          <a:p>
+            <a:endParaRPr lang="en-US" dirty="0"/>
+          </a:p>
+          <a:p>
+            <a:r>
+              <a:rPr lang="en-US" dirty="0"/>
               <a:t>Build Docker image of Apache Zookeeper </a:t>
             </a:r>
           </a:p>
@@ -12441,19 +12315,19 @@
             <a:pPr marL="0" indent="0">
               <a:buNone/>
             </a:pPr>
-            <a:endParaRPr lang="en-US"/>
+            <a:endParaRPr lang="en-US" dirty="0"/>
           </a:p>
           <a:p>
             <a:pPr marL="0" indent="0">
               <a:buNone/>
             </a:pPr>
-            <a:endParaRPr lang="en-US"/>
+            <a:endParaRPr lang="en-US" dirty="0"/>
           </a:p>
           <a:p>
             <a:pPr marL="0" indent="0">
               <a:buNone/>
             </a:pPr>
-            <a:endParaRPr lang="pt-PT"/>
+            <a:endParaRPr lang="pt-PT" dirty="0"/>
           </a:p>
         </p:txBody>
       </p:sp>
@@ -12474,7 +12348,7 @@
           <a:p>
             <a:fld id="{80D29CE9-30A1-4446-B9F1-443144BFF31F}" type="datetime1">
               <a:rPr lang="en-US" smtClean="0"/>
-              <a:t>9/17/18</a:t>
+              <a:t>10/28/2018</a:t>
             </a:fld>
             <a:endParaRPr lang="en-US"/>
           </a:p>
@@ -12714,6 +12588,13 @@
   <p:clrMapOvr>
     <a:masterClrMapping/>
   </p:clrMapOvr>
+  <p:timing>
+    <p:tnLst>
+      <p:par>
+        <p:cTn id="1" dur="indefinite" restart="never" nodeType="tmRoot"/>
+      </p:par>
+    </p:tnLst>
+  </p:timing>
 </p:sld>
 </file>
 
@@ -12950,7 +12831,7 @@
           <a:p>
             <a:fld id="{BB4C845E-40CA-4781-8895-5F90D25CA884}" type="datetime1">
               <a:rPr lang="en-US" smtClean="0"/>
-              <a:t>9/17/18</a:t>
+              <a:t>10/28/2018</a:t>
             </a:fld>
             <a:endParaRPr lang="en-US"/>
           </a:p>
@@ -13026,6 +12907,13 @@
   <p:clrMapOvr>
     <a:masterClrMapping/>
   </p:clrMapOvr>
+  <p:timing>
+    <p:tnLst>
+      <p:par>
+        <p:cTn id="1" dur="indefinite" restart="never" nodeType="tmRoot"/>
+      </p:par>
+    </p:tnLst>
+  </p:timing>
 </p:sld>
 </file>
 
@@ -13063,7 +12951,7 @@
           <a:p>
             <a:fld id="{604DB032-9CFF-4D06-83A6-75E3A6B82F35}" type="datetime1">
               <a:rPr lang="en-US" smtClean="0"/>
-              <a:t>9/17/18</a:t>
+              <a:t>10/28/2018</a:t>
             </a:fld>
             <a:endParaRPr lang="en-US"/>
           </a:p>
@@ -13180,6 +13068,13 @@
   <p:clrMapOvr>
     <a:masterClrMapping/>
   </p:clrMapOvr>
+  <p:timing>
+    <p:tnLst>
+      <p:par>
+        <p:cTn id="1" dur="indefinite" restart="never" nodeType="tmRoot"/>
+      </p:par>
+    </p:tnLst>
+  </p:timing>
 </p:sld>
 </file>
 

--- a/documents/ATMOSPHERE_TMA_Framework_usage.pptx
+++ b/documents/ATMOSPHERE_TMA_Framework_usage.pptx
@@ -577,7 +577,7 @@
           <a:p>
             <a:fld id="{05016906-B6A1-4E52-BE69-9D249F819B11}" type="datetimeFigureOut">
               <a:rPr lang="it-IT" smtClean="0"/>
-              <a:t>28/10/2018</a:t>
+              <a:t>29/10/2018</a:t>
             </a:fld>
             <a:endParaRPr lang="it-IT"/>
           </a:p>
@@ -1356,7 +1356,7 @@
             <a:fld id="{1D8BD707-D9CF-40AE-B4C6-C98DA3205C09}" type="datetimeFigureOut">
               <a:rPr lang="en-US" smtClean="0"/>
               <a:pPr/>
-              <a:t>10/28/2018</a:t>
+              <a:t>10/29/2018</a:t>
             </a:fld>
             <a:endParaRPr lang="en-US"/>
           </a:p>
@@ -1564,7 +1564,7 @@
             <a:fld id="{1D8BD707-D9CF-40AE-B4C6-C98DA3205C09}" type="datetimeFigureOut">
               <a:rPr lang="en-US" smtClean="0"/>
               <a:pPr/>
-              <a:t>10/28/2018</a:t>
+              <a:t>10/29/2018</a:t>
             </a:fld>
             <a:endParaRPr lang="en-US"/>
           </a:p>
@@ -2056,7 +2056,7 @@
             <a:fld id="{1D8BD707-D9CF-40AE-B4C6-C98DA3205C09}" type="datetimeFigureOut">
               <a:rPr lang="en-US" smtClean="0"/>
               <a:pPr/>
-              <a:t>10/28/2018</a:t>
+              <a:t>10/29/2018</a:t>
             </a:fld>
             <a:endParaRPr lang="en-US"/>
           </a:p>
@@ -2804,7 +2804,7 @@
             <a:fld id="{1D8BD707-D9CF-40AE-B4C6-C98DA3205C09}" type="datetimeFigureOut">
               <a:rPr lang="en-US" smtClean="0"/>
               <a:pPr/>
-              <a:t>10/28/2018</a:t>
+              <a:t>10/29/2018</a:t>
             </a:fld>
             <a:endParaRPr lang="en-US"/>
           </a:p>
@@ -3339,7 +3339,7 @@
             <a:fld id="{1D8BD707-D9CF-40AE-B4C6-C98DA3205C09}" type="datetimeFigureOut">
               <a:rPr lang="en-US" smtClean="0"/>
               <a:pPr/>
-              <a:t>10/28/2018</a:t>
+              <a:t>10/29/2018</a:t>
             </a:fld>
             <a:endParaRPr lang="en-US"/>
           </a:p>
@@ -4217,7 +4217,7 @@
           <p:cNvPr id="10" name="CasellaDiTesto 9">
             <a:extLst>
               <a:ext uri="{FF2B5EF4-FFF2-40B4-BE49-F238E27FC236}">
-                <a16:creationId xmlns="" xmlns:a16="http://schemas.microsoft.com/office/drawing/2014/main" id="{ADBFA676-7A39-4B21-A987-A16EAEA08E2B}"/>
+                <a16:creationId xmlns:a16="http://schemas.microsoft.com/office/drawing/2014/main" xmlns="" id="{ADBFA676-7A39-4B21-A987-A16EAEA08E2B}"/>
               </a:ext>
             </a:extLst>
           </p:cNvPr>
@@ -4328,7 +4328,7 @@
           <a:p>
             <a:fld id="{BB2FBFAD-36C6-4EAF-BC61-E3B691D16EB1}" type="datetime1">
               <a:rPr lang="en-US" smtClean="0"/>
-              <a:t>10/28/2018</a:t>
+              <a:t>10/29/2018</a:t>
             </a:fld>
             <a:endParaRPr lang="en-US"/>
           </a:p>
@@ -4641,7 +4641,7 @@
           <a:p>
             <a:fld id="{A2391675-04AE-4E53-A05C-A09F82C85312}" type="datetime1">
               <a:rPr lang="en-US" smtClean="0"/>
-              <a:t>10/28/2018</a:t>
+              <a:t>10/29/2018</a:t>
             </a:fld>
             <a:endParaRPr lang="en-US"/>
           </a:p>
@@ -4915,7 +4915,7 @@
           <a:p>
             <a:fld id="{59369529-FDEC-4F1E-9863-2D97A31EC001}" type="datetime1">
               <a:rPr lang="en-US" smtClean="0"/>
-              <a:t>10/28/2018</a:t>
+              <a:t>10/29/2018</a:t>
             </a:fld>
             <a:endParaRPr lang="en-US"/>
           </a:p>
@@ -5220,7 +5220,7 @@
           <a:p>
             <a:fld id="{3BCA0E88-FF4E-44D7-8622-2E94978C22BC}" type="datetime1">
               <a:rPr lang="en-US" smtClean="0"/>
-              <a:t>10/28/2018</a:t>
+              <a:t>10/29/2018</a:t>
             </a:fld>
             <a:endParaRPr lang="en-US"/>
           </a:p>
@@ -5405,7 +5405,7 @@
           <a:p>
             <a:fld id="{A30667A4-78ED-4BFD-A566-A8CF1F67A54B}" type="datetime1">
               <a:rPr lang="en-US" smtClean="0"/>
-              <a:t>10/28/2018</a:t>
+              <a:t>10/29/2018</a:t>
             </a:fld>
             <a:endParaRPr lang="en-US"/>
           </a:p>
@@ -5602,7 +5602,7 @@
           <a:p>
             <a:fld id="{6021ED2E-EDFE-47F4-80DA-06FC8C8A6629}" type="datetime1">
               <a:rPr lang="en-US" smtClean="0"/>
-              <a:t>10/28/2018</a:t>
+              <a:t>10/29/2018</a:t>
             </a:fld>
             <a:endParaRPr lang="en-US"/>
           </a:p>
@@ -5864,7 +5864,7 @@
           <a:p>
             <a:fld id="{F69CF9BC-F8A2-4DAE-851A-461938A26B07}" type="datetime1">
               <a:rPr lang="en-US" smtClean="0"/>
-              <a:t>10/28/2018</a:t>
+              <a:t>10/29/2018</a:t>
             </a:fld>
             <a:endParaRPr lang="en-US"/>
           </a:p>
@@ -6097,7 +6097,7 @@
           <a:p>
             <a:fld id="{8A6B746E-7DA2-452D-9D1A-FC055AF1F854}" type="datetime1">
               <a:rPr lang="en-US" smtClean="0"/>
-              <a:t>10/28/2018</a:t>
+              <a:t>10/29/2018</a:t>
             </a:fld>
             <a:endParaRPr lang="en-US"/>
           </a:p>
@@ -6404,7 +6404,7 @@
           <a:p>
             <a:fld id="{737FC8EF-D9A7-4B23-9242-B2B496D2673E}" type="datetime1">
               <a:rPr lang="en-US" smtClean="0"/>
-              <a:t>10/28/2018</a:t>
+              <a:t>10/29/2018</a:t>
             </a:fld>
             <a:endParaRPr lang="en-US"/>
           </a:p>
@@ -6560,7 +6560,7 @@
           <a:p>
             <a:fld id="{4D7C3C44-BC60-4E44-B9C3-A9510DCB7FDD}" type="datetime1">
               <a:rPr lang="en-US" smtClean="0"/>
-              <a:t>10/28/2018</a:t>
+              <a:t>10/29/2018</a:t>
             </a:fld>
             <a:endParaRPr lang="en-US"/>
           </a:p>
@@ -6814,7 +6814,7 @@
           <p:cNvPr id="2" name="Titolo 1">
             <a:extLst>
               <a:ext uri="{FF2B5EF4-FFF2-40B4-BE49-F238E27FC236}">
-                <a16:creationId xmlns="" xmlns:a16="http://schemas.microsoft.com/office/drawing/2014/main" id="{3F4C4C08-BB52-4544-BC06-149EBCE7F89D}"/>
+                <a16:creationId xmlns:a16="http://schemas.microsoft.com/office/drawing/2014/main" xmlns="" id="{3F4C4C08-BB52-4544-BC06-149EBCE7F89D}"/>
               </a:ext>
             </a:extLst>
           </p:cNvPr>
@@ -6842,7 +6842,7 @@
           <p:cNvPr id="3" name="Segnaposto numero diapositiva 2">
             <a:extLst>
               <a:ext uri="{FF2B5EF4-FFF2-40B4-BE49-F238E27FC236}">
-                <a16:creationId xmlns="" xmlns:a16="http://schemas.microsoft.com/office/drawing/2014/main" id="{437F7C08-48C6-4431-BE1C-1648EF0324D4}"/>
+                <a16:creationId xmlns:a16="http://schemas.microsoft.com/office/drawing/2014/main" xmlns="" id="{437F7C08-48C6-4431-BE1C-1648EF0324D4}"/>
               </a:ext>
             </a:extLst>
           </p:cNvPr>
@@ -6872,7 +6872,7 @@
           <p:cNvPr id="4" name="Segnaposto data 3">
             <a:extLst>
               <a:ext uri="{FF2B5EF4-FFF2-40B4-BE49-F238E27FC236}">
-                <a16:creationId xmlns="" xmlns:a16="http://schemas.microsoft.com/office/drawing/2014/main" id="{9130CF84-8AC4-4A16-ABE7-0D3AF3849987}"/>
+                <a16:creationId xmlns:a16="http://schemas.microsoft.com/office/drawing/2014/main" xmlns="" id="{9130CF84-8AC4-4A16-ABE7-0D3AF3849987}"/>
               </a:ext>
             </a:extLst>
           </p:cNvPr>
@@ -6890,7 +6890,7 @@
           <a:p>
             <a:fld id="{9C61C94A-14BD-4E06-BFC3-1156485F88F6}" type="datetime1">
               <a:rPr lang="en-US" smtClean="0"/>
-              <a:t>10/28/2018</a:t>
+              <a:t>10/29/2018</a:t>
             </a:fld>
             <a:endParaRPr lang="en-US"/>
           </a:p>
@@ -7053,7 +7053,7 @@
           <a:p>
             <a:fld id="{22C5AF9B-4E1A-4A9A-A06C-6A72C418229F}" type="datetime1">
               <a:rPr lang="en-US" smtClean="0"/>
-              <a:t>10/28/2018</a:t>
+              <a:t>10/29/2018</a:t>
             </a:fld>
             <a:endParaRPr lang="en-US"/>
           </a:p>
@@ -7280,7 +7280,7 @@
           <a:p>
             <a:fld id="{33EF8AB6-88BE-426A-88D6-1E3557BB8A88}" type="datetime1">
               <a:rPr lang="en-US" smtClean="0"/>
-              <a:t>10/28/2018</a:t>
+              <a:t>10/29/2018</a:t>
             </a:fld>
             <a:endParaRPr lang="en-US"/>
           </a:p>
@@ -7541,7 +7541,7 @@
           <a:p>
             <a:fld id="{12ED5A45-37CB-4FA7-A113-4E3FB76A91CB}" type="datetime1">
               <a:rPr lang="en-US" smtClean="0"/>
-              <a:t>10/28/2018</a:t>
+              <a:t>10/29/2018</a:t>
             </a:fld>
             <a:endParaRPr lang="en-US"/>
           </a:p>
@@ -7758,7 +7758,7 @@
           <a:p>
             <a:fld id="{1FAFDD2C-ABA3-426D-AA42-4693EAD2B880}" type="datetime1">
               <a:rPr lang="en-US" smtClean="0"/>
-              <a:t>10/28/2018</a:t>
+              <a:t>10/29/2018</a:t>
             </a:fld>
             <a:endParaRPr lang="en-US"/>
           </a:p>
@@ -8100,7 +8100,7 @@
           <a:p>
             <a:fld id="{4CFC236F-E7C7-41FF-883B-934A96B39F05}" type="datetime1">
               <a:rPr lang="en-US" smtClean="0"/>
-              <a:t>10/28/2018</a:t>
+              <a:t>10/29/2018</a:t>
             </a:fld>
             <a:endParaRPr lang="en-US"/>
           </a:p>
@@ -8435,7 +8435,7 @@
           <p:cNvPr id="2" name="Content Placeholder 1">
             <a:extLst>
               <a:ext uri="{FF2B5EF4-FFF2-40B4-BE49-F238E27FC236}">
-                <a16:creationId xmlns="" xmlns:a16="http://schemas.microsoft.com/office/drawing/2014/main" id="{0E4E79BB-4D8D-CE43-ACDF-8AB49CE2CF08}"/>
+                <a16:creationId xmlns:a16="http://schemas.microsoft.com/office/drawing/2014/main" xmlns="" id="{0E4E79BB-4D8D-CE43-ACDF-8AB49CE2CF08}"/>
               </a:ext>
             </a:extLst>
           </p:cNvPr>
@@ -8714,7 +8714,7 @@
           <p:cNvPr id="3" name="Date Placeholder 2">
             <a:extLst>
               <a:ext uri="{FF2B5EF4-FFF2-40B4-BE49-F238E27FC236}">
-                <a16:creationId xmlns="" xmlns:a16="http://schemas.microsoft.com/office/drawing/2014/main" id="{A349400B-3130-0744-9654-D08618C8589C}"/>
+                <a16:creationId xmlns:a16="http://schemas.microsoft.com/office/drawing/2014/main" xmlns="" id="{A349400B-3130-0744-9654-D08618C8589C}"/>
               </a:ext>
             </a:extLst>
           </p:cNvPr>
@@ -8732,7 +8732,7 @@
           <a:p>
             <a:fld id="{9F72D088-E9AC-0049-ACFB-7F9F1D8E616E}" type="datetime1">
               <a:rPr lang="en-US" smtClean="0"/>
-              <a:t>10/28/2018</a:t>
+              <a:t>10/29/2018</a:t>
             </a:fld>
             <a:endParaRPr lang="en-US"/>
           </a:p>
@@ -8743,7 +8743,7 @@
           <p:cNvPr id="4" name="Slide Number Placeholder 3">
             <a:extLst>
               <a:ext uri="{FF2B5EF4-FFF2-40B4-BE49-F238E27FC236}">
-                <a16:creationId xmlns="" xmlns:a16="http://schemas.microsoft.com/office/drawing/2014/main" id="{3FBE17DB-BD1D-AE46-9B37-35605BCF654B}"/>
+                <a16:creationId xmlns:a16="http://schemas.microsoft.com/office/drawing/2014/main" xmlns="" id="{3FBE17DB-BD1D-AE46-9B37-35605BCF654B}"/>
               </a:ext>
             </a:extLst>
           </p:cNvPr>
@@ -8773,7 +8773,7 @@
           <p:cNvPr id="5" name="Title 4">
             <a:extLst>
               <a:ext uri="{FF2B5EF4-FFF2-40B4-BE49-F238E27FC236}">
-                <a16:creationId xmlns="" xmlns:a16="http://schemas.microsoft.com/office/drawing/2014/main" id="{90C4DFB5-F43B-3A47-9E1D-15AC2184514C}"/>
+                <a16:creationId xmlns:a16="http://schemas.microsoft.com/office/drawing/2014/main" xmlns="" id="{90C4DFB5-F43B-3A47-9E1D-15AC2184514C}"/>
               </a:ext>
             </a:extLst>
           </p:cNvPr>
@@ -8810,7 +8810,7 @@
           <p:cNvPr id="7" name="Imagem 6">
             <a:extLst>
               <a:ext uri="{FF2B5EF4-FFF2-40B4-BE49-F238E27FC236}">
-                <a16:creationId xmlns="" xmlns:a16="http://schemas.microsoft.com/office/drawing/2014/main" id="{3A4D6BE8-D8F0-E043-B6AE-0499A4283F95}"/>
+                <a16:creationId xmlns:a16="http://schemas.microsoft.com/office/drawing/2014/main" xmlns="" id="{3A4D6BE8-D8F0-E043-B6AE-0499A4283F95}"/>
               </a:ext>
             </a:extLst>
           </p:cNvPr>
@@ -8850,7 +8850,7 @@
           <p:cNvPr id="9" name="Imagem 8">
             <a:extLst>
               <a:ext uri="{FF2B5EF4-FFF2-40B4-BE49-F238E27FC236}">
-                <a16:creationId xmlns="" xmlns:a16="http://schemas.microsoft.com/office/drawing/2014/main" id="{D580984E-4E63-2B44-9ABA-3584DC67FD2B}"/>
+                <a16:creationId xmlns:a16="http://schemas.microsoft.com/office/drawing/2014/main" xmlns="" id="{D580984E-4E63-2B44-9ABA-3584DC67FD2B}"/>
               </a:ext>
             </a:extLst>
           </p:cNvPr>
@@ -8928,7 +8928,7 @@
           <p:cNvPr id="2" name="Content Placeholder 1">
             <a:extLst>
               <a:ext uri="{FF2B5EF4-FFF2-40B4-BE49-F238E27FC236}">
-                <a16:creationId xmlns="" xmlns:a16="http://schemas.microsoft.com/office/drawing/2014/main" id="{0E4E79BB-4D8D-CE43-ACDF-8AB49CE2CF08}"/>
+                <a16:creationId xmlns:a16="http://schemas.microsoft.com/office/drawing/2014/main" xmlns="" id="{0E4E79BB-4D8D-CE43-ACDF-8AB49CE2CF08}"/>
               </a:ext>
             </a:extLst>
           </p:cNvPr>
@@ -9060,7 +9060,7 @@
           <p:cNvPr id="3" name="Date Placeholder 2">
             <a:extLst>
               <a:ext uri="{FF2B5EF4-FFF2-40B4-BE49-F238E27FC236}">
-                <a16:creationId xmlns="" xmlns:a16="http://schemas.microsoft.com/office/drawing/2014/main" id="{A349400B-3130-0744-9654-D08618C8589C}"/>
+                <a16:creationId xmlns:a16="http://schemas.microsoft.com/office/drawing/2014/main" xmlns="" id="{A349400B-3130-0744-9654-D08618C8589C}"/>
               </a:ext>
             </a:extLst>
           </p:cNvPr>
@@ -9078,7 +9078,7 @@
           <a:p>
             <a:fld id="{9F72D088-E9AC-0049-ACFB-7F9F1D8E616E}" type="datetime1">
               <a:rPr lang="en-US" smtClean="0"/>
-              <a:t>10/28/2018</a:t>
+              <a:t>10/29/2018</a:t>
             </a:fld>
             <a:endParaRPr lang="en-US"/>
           </a:p>
@@ -9089,7 +9089,7 @@
           <p:cNvPr id="4" name="Slide Number Placeholder 3">
             <a:extLst>
               <a:ext uri="{FF2B5EF4-FFF2-40B4-BE49-F238E27FC236}">
-                <a16:creationId xmlns="" xmlns:a16="http://schemas.microsoft.com/office/drawing/2014/main" id="{3FBE17DB-BD1D-AE46-9B37-35605BCF654B}"/>
+                <a16:creationId xmlns:a16="http://schemas.microsoft.com/office/drawing/2014/main" xmlns="" id="{3FBE17DB-BD1D-AE46-9B37-35605BCF654B}"/>
               </a:ext>
             </a:extLst>
           </p:cNvPr>
@@ -9119,7 +9119,7 @@
           <p:cNvPr id="5" name="Title 4">
             <a:extLst>
               <a:ext uri="{FF2B5EF4-FFF2-40B4-BE49-F238E27FC236}">
-                <a16:creationId xmlns="" xmlns:a16="http://schemas.microsoft.com/office/drawing/2014/main" id="{90C4DFB5-F43B-3A47-9E1D-15AC2184514C}"/>
+                <a16:creationId xmlns:a16="http://schemas.microsoft.com/office/drawing/2014/main" xmlns="" id="{90C4DFB5-F43B-3A47-9E1D-15AC2184514C}"/>
               </a:ext>
             </a:extLst>
           </p:cNvPr>
@@ -9156,7 +9156,7 @@
           <p:cNvPr id="8" name="Imagem 7">
             <a:extLst>
               <a:ext uri="{FF2B5EF4-FFF2-40B4-BE49-F238E27FC236}">
-                <a16:creationId xmlns="" xmlns:a16="http://schemas.microsoft.com/office/drawing/2014/main" id="{FD9AEBAD-D627-C240-B74C-06AC4D3CF747}"/>
+                <a16:creationId xmlns:a16="http://schemas.microsoft.com/office/drawing/2014/main" xmlns="" id="{FD9AEBAD-D627-C240-B74C-06AC4D3CF747}"/>
               </a:ext>
             </a:extLst>
           </p:cNvPr>
@@ -9246,7 +9246,7 @@
           <a:p>
             <a:fld id="{739B5859-568F-4FD8-B4E3-F5DED0E25631}" type="datetime1">
               <a:rPr lang="en-US" smtClean="0"/>
-              <a:t>10/28/2018</a:t>
+              <a:t>10/29/2018</a:t>
             </a:fld>
             <a:endParaRPr lang="en-US"/>
           </a:p>
@@ -9528,7 +9528,7 @@
           <a:p>
             <a:fld id="{90A71894-8DEB-4AC6-B088-15A1DD8A4A41}" type="datetime1">
               <a:rPr lang="en-US" smtClean="0"/>
-              <a:t>10/28/2018</a:t>
+              <a:t>10/29/2018</a:t>
             </a:fld>
             <a:endParaRPr lang="en-US"/>
           </a:p>
@@ -9784,7 +9784,7 @@
           <a:p>
             <a:fld id="{AF01AAA2-2263-4F56-8B2F-28186D5621FD}" type="datetime1">
               <a:rPr lang="en-US" smtClean="0"/>
-              <a:t>10/28/2018</a:t>
+              <a:t>10/29/2018</a:t>
             </a:fld>
             <a:endParaRPr lang="en-US"/>
           </a:p>
@@ -9936,7 +9936,7 @@
           <a:p>
             <a:fld id="{DDF0C071-DE27-4FA8-BF80-BBF3A8270EF9}" type="datetime1">
               <a:rPr lang="en-US" smtClean="0"/>
-              <a:t>10/28/2018</a:t>
+              <a:t>10/29/2018</a:t>
             </a:fld>
             <a:endParaRPr lang="en-US"/>
           </a:p>
@@ -10126,7 +10126,7 @@
           <a:p>
             <a:fld id="{1686ABD0-C272-4E4D-B8CF-7551C55D4F4E}" type="datetime1">
               <a:rPr lang="en-US" smtClean="0"/>
-              <a:t>10/28/2018</a:t>
+              <a:t>10/29/2018</a:t>
             </a:fld>
             <a:endParaRPr lang="en-US"/>
           </a:p>
@@ -10380,7 +10380,7 @@
           <a:p>
             <a:fld id="{FA31BDFF-FC2C-4B84-BB5A-7973C14E866C}" type="datetime1">
               <a:rPr lang="en-US" smtClean="0"/>
-              <a:t>10/28/2018</a:t>
+              <a:t>10/29/2018</a:t>
             </a:fld>
             <a:endParaRPr lang="en-US"/>
           </a:p>
@@ -10497,7 +10497,7 @@
       </p:pic>
       <p:pic>
         <p:nvPicPr>
-          <p:cNvPr id="5" name="Imagem 4"/>
+          <p:cNvPr id="7" name="Imagem 6"/>
           <p:cNvPicPr>
             <a:picLocks noChangeAspect="1"/>
           </p:cNvPicPr>
@@ -10511,8 +10511,8 @@
         </p:blipFill>
         <p:spPr>
           <a:xfrm>
-            <a:off x="0" y="3677805"/>
-            <a:ext cx="9144000" cy="157384"/>
+            <a:off x="0" y="3605643"/>
+            <a:ext cx="9144000" cy="165538"/>
           </a:xfrm>
           <a:prstGeom prst="rect">
             <a:avLst/>
@@ -10711,7 +10711,7 @@
           <a:p>
             <a:fld id="{C7A2CD23-75D9-47B2-BEA4-0702444DEA8C}" type="datetime1">
               <a:rPr lang="en-US" smtClean="0"/>
-              <a:t>10/28/2018</a:t>
+              <a:t>10/29/2018</a:t>
             </a:fld>
             <a:endParaRPr lang="en-US"/>
           </a:p>
@@ -10887,7 +10887,7 @@
           <a:p>
             <a:fld id="{100CA64C-5874-41EA-8586-DC40AB808FE9}" type="datetime1">
               <a:rPr lang="en-US" smtClean="0"/>
-              <a:t>10/28/2018</a:t>
+              <a:t>10/29/2018</a:t>
             </a:fld>
             <a:endParaRPr lang="en-US"/>
           </a:p>
@@ -11205,7 +11205,7 @@
                 <a:hlinkClick r:id="rId3">
                   <a:extLst>
                     <a:ext uri="{A12FA001-AC4F-418D-AE19-62706E023703}">
-                      <ahyp:hlinkClr xmlns="" xmlns:ahyp="http://schemas.microsoft.com/office/drawing/2018/hyperlinkcolor" val="tx"/>
+                      <ahyp:hlinkClr xmlns:ahyp="http://schemas.microsoft.com/office/drawing/2018/hyperlinkcolor" xmlns="" val="tx"/>
                     </a:ext>
                   </a:extLst>
                 </a:hlinkClick>
@@ -11233,7 +11233,7 @@
                 <a:hlinkClick r:id="rId4">
                   <a:extLst>
                     <a:ext uri="{A12FA001-AC4F-418D-AE19-62706E023703}">
-                      <ahyp:hlinkClr xmlns="" xmlns:ahyp="http://schemas.microsoft.com/office/drawing/2018/hyperlinkcolor" val="tx"/>
+                      <ahyp:hlinkClr xmlns:ahyp="http://schemas.microsoft.com/office/drawing/2018/hyperlinkcolor" xmlns="" val="tx"/>
                     </a:ext>
                   </a:extLst>
                 </a:hlinkClick>
@@ -11264,7 +11264,7 @@
                 <a:hlinkClick r:id="rId5">
                   <a:extLst>
                     <a:ext uri="{A12FA001-AC4F-418D-AE19-62706E023703}">
-                      <ahyp:hlinkClr xmlns="" xmlns:ahyp="http://schemas.microsoft.com/office/drawing/2018/hyperlinkcolor" val="tx"/>
+                      <ahyp:hlinkClr xmlns:ahyp="http://schemas.microsoft.com/office/drawing/2018/hyperlinkcolor" xmlns="" val="tx"/>
                     </a:ext>
                   </a:extLst>
                 </a:hlinkClick>
@@ -11373,7 +11373,7 @@
           <p:cNvPr id="10" name="Immagine 9">
             <a:extLst>
               <a:ext uri="{FF2B5EF4-FFF2-40B4-BE49-F238E27FC236}">
-                <a16:creationId xmlns="" xmlns:a16="http://schemas.microsoft.com/office/drawing/2014/main" id="{E423FA35-6129-463D-A70A-1EC151666614}"/>
+                <a16:creationId xmlns:a16="http://schemas.microsoft.com/office/drawing/2014/main" xmlns="" id="{E423FA35-6129-463D-A70A-1EC151666614}"/>
               </a:ext>
             </a:extLst>
           </p:cNvPr>
@@ -11554,7 +11554,7 @@
           <p:cNvPr id="4" name="Segnaposto data 3">
             <a:extLst>
               <a:ext uri="{FF2B5EF4-FFF2-40B4-BE49-F238E27FC236}">
-                <a16:creationId xmlns="" xmlns:a16="http://schemas.microsoft.com/office/drawing/2014/main" id="{462029E9-B2E6-41D0-8919-F070B0DAA114}"/>
+                <a16:creationId xmlns:a16="http://schemas.microsoft.com/office/drawing/2014/main" xmlns="" id="{462029E9-B2E6-41D0-8919-F070B0DAA114}"/>
               </a:ext>
             </a:extLst>
           </p:cNvPr>
@@ -11572,7 +11572,7 @@
           <a:p>
             <a:fld id="{83908226-96F1-4CFA-8DDA-870A4C542AED}" type="datetime1">
               <a:rPr lang="en-US" smtClean="0"/>
-              <a:t>10/28/2018</a:t>
+              <a:t>10/29/2018</a:t>
             </a:fld>
             <a:endParaRPr lang="en-US"/>
           </a:p>
@@ -11583,7 +11583,7 @@
           <p:cNvPr id="5" name="Segnaposto numero diapositiva 4">
             <a:extLst>
               <a:ext uri="{FF2B5EF4-FFF2-40B4-BE49-F238E27FC236}">
-                <a16:creationId xmlns="" xmlns:a16="http://schemas.microsoft.com/office/drawing/2014/main" id="{A614C897-4C3B-48FD-8F3F-553983D65E1C}"/>
+                <a16:creationId xmlns:a16="http://schemas.microsoft.com/office/drawing/2014/main" xmlns="" id="{A614C897-4C3B-48FD-8F3F-553983D65E1C}"/>
               </a:ext>
             </a:extLst>
           </p:cNvPr>
@@ -11894,7 +11894,7 @@
           <a:p>
             <a:fld id="{EB73A573-6E65-4D76-A169-40BA2F9AC11C}" type="datetime1">
               <a:rPr lang="en-US" smtClean="0"/>
-              <a:t>10/28/2018</a:t>
+              <a:t>10/29/2018</a:t>
             </a:fld>
             <a:endParaRPr lang="en-US"/>
           </a:p>
@@ -12105,7 +12105,7 @@
           <a:p>
             <a:fld id="{91BBB706-27E5-43D0-A237-79050A30E279}" type="datetime1">
               <a:rPr lang="en-US" smtClean="0"/>
-              <a:t>10/28/2018</a:t>
+              <a:t>10/29/2018</a:t>
             </a:fld>
             <a:endParaRPr lang="en-US"/>
           </a:p>
@@ -12348,7 +12348,7 @@
           <a:p>
             <a:fld id="{80D29CE9-30A1-4446-B9F1-443144BFF31F}" type="datetime1">
               <a:rPr lang="en-US" smtClean="0"/>
-              <a:t>10/28/2018</a:t>
+              <a:t>10/29/2018</a:t>
             </a:fld>
             <a:endParaRPr lang="en-US"/>
           </a:p>
@@ -12831,7 +12831,7 @@
           <a:p>
             <a:fld id="{BB4C845E-40CA-4781-8895-5F90D25CA884}" type="datetime1">
               <a:rPr lang="en-US" smtClean="0"/>
-              <a:t>10/28/2018</a:t>
+              <a:t>10/29/2018</a:t>
             </a:fld>
             <a:endParaRPr lang="en-US"/>
           </a:p>
@@ -12951,7 +12951,7 @@
           <a:p>
             <a:fld id="{604DB032-9CFF-4D06-83A6-75E3A6B82F35}" type="datetime1">
               <a:rPr lang="en-US" smtClean="0"/>
-              <a:t>10/28/2018</a:t>
+              <a:t>10/29/2018</a:t>
             </a:fld>
             <a:endParaRPr lang="en-US"/>
           </a:p>
